--- a/coiled/Coiled_presentation.pptx
+++ b/coiled/Coiled_presentation.pptx
@@ -20764,7 +20764,7 @@
           <a:p>
             <a:r>
               <a:rPr lang="en-US" sz="1800" dirty="0"/>
-              <a:t>None of the computations presented here have broken the free tier. If I had broken free tier, the SSH-SST computation (~1,000 CPU hours) would have been ~$50 on top of AWS costs. </a:t>
+              <a:t>None of the computations presented here have broken the free tier. If I had broken free tier, the SSH-SST computation (~2,000 CPU hours) would have been ~$100 on top of AWS costs. </a:t>
             </a:r>
           </a:p>
           <a:p>

--- a/coiled/Coiled_presentation.pptx
+++ b/coiled/Coiled_presentation.pptx
@@ -14,7 +14,7 @@
     <p:sldId id="265" r:id="rId5"/>
     <p:sldId id="267" r:id="rId6"/>
     <p:sldId id="270" r:id="rId7"/>
-    <p:sldId id="271" r:id="rId8"/>
+    <p:sldId id="321" r:id="rId8"/>
     <p:sldId id="272" r:id="rId9"/>
     <p:sldId id="313" r:id="rId10"/>
     <p:sldId id="312" r:id="rId11"/>
@@ -3665,69 +3665,24 @@
           <a:bodyPr/>
           <a:lstStyle/>
           <a:p>
-            <a:pPr marL="171450" marR="0" lvl="0" indent="-171450" algn="l" defTabSz="914400" rtl="0" eaLnBrk="1" fontAlgn="auto" latinLnBrk="0" hangingPunct="1">
-              <a:lnSpc>
-                <a:spcPct val="100000"/>
-              </a:lnSpc>
-              <a:spcBef>
-                <a:spcPts val="0"/>
-              </a:spcBef>
-              <a:spcAft>
-                <a:spcPts val="0"/>
-              </a:spcAft>
-              <a:buClrTx/>
-              <a:buSzTx/>
+            <a:pPr marL="171450" indent="-171450">
               <a:buFont typeface="Arial" panose="020B0604020202020204" pitchFamily="34" charset="0"/>
               <a:buChar char="•"/>
-              <a:tabLst/>
-              <a:defRPr/>
             </a:pPr>
             <a:r>
-              <a:rPr lang="en-US" sz="1200" dirty="0">
-                <a:solidFill>
-                  <a:srgbClr val="1D1C1D"/>
-                </a:solidFill>
-                <a:effectLst/>
-                <a:latin typeface="Arial" panose="020B0604020202020204" pitchFamily="34" charset="0"/>
-                <a:ea typeface="Calibri" panose="020F0502020204030204" pitchFamily="34" charset="0"/>
-              </a:rPr>
-              <a:t>Can get more compute power with a bigger VM. Can utilized parallel computing with the additional processors and memory.</a:t>
-            </a:r>
-          </a:p>
-          <a:p>
-            <a:pPr marL="171450" marR="0" lvl="0" indent="-171450" algn="l" defTabSz="914400" rtl="0" eaLnBrk="1" fontAlgn="auto" latinLnBrk="0" hangingPunct="1">
-              <a:lnSpc>
-                <a:spcPct val="100000"/>
-              </a:lnSpc>
-              <a:spcBef>
-                <a:spcPts val="0"/>
-              </a:spcBef>
-              <a:spcAft>
-                <a:spcPts val="0"/>
-              </a:spcAft>
-              <a:buClrTx/>
-              <a:buSzTx/>
+              <a:rPr lang="en-US" dirty="0"/>
+              <a:t>Access data directly in the cloud. Faster data access, and compute power tunable to the size of VM spun up</a:t>
+            </a:r>
+          </a:p>
+          <a:p>
+            <a:pPr marL="171450" indent="-171450">
               <a:buFont typeface="Arial" panose="020B0604020202020204" pitchFamily="34" charset="0"/>
               <a:buChar char="•"/>
-              <a:tabLst/>
-              <a:defRPr/>
             </a:pPr>
             <a:r>
-              <a:rPr lang="en-US" sz="1200" dirty="0">
-                <a:solidFill>
-                  <a:srgbClr val="1D1C1D"/>
-                </a:solidFill>
-                <a:effectLst/>
-                <a:latin typeface="Arial" panose="020B0604020202020204" pitchFamily="34" charset="0"/>
-                <a:ea typeface="Calibri" panose="020F0502020204030204" pitchFamily="34" charset="0"/>
-              </a:rPr>
-              <a:t>Additional costs of the bigger VM, and any additional cloud storage required for your processing output.</a:t>
-            </a:r>
-            <a:endParaRPr lang="en-US" sz="1100" dirty="0">
-              <a:effectLst/>
-              <a:latin typeface="Calibri" panose="020F0502020204030204" pitchFamily="34" charset="0"/>
-              <a:ea typeface="Calibri" panose="020F0502020204030204" pitchFamily="34" charset="0"/>
-            </a:endParaRPr>
+              <a:rPr lang="en-US" dirty="0"/>
+              <a:t>No egress costs if VM is spun up in same region as data. Replaced by costs of the VM and any additional cloud storage.</a:t>
+            </a:r>
           </a:p>
         </p:txBody>
       </p:sp>
@@ -3757,7 +3712,7 @@
     </p:spTree>
     <p:extLst>
       <p:ext uri="{BB962C8B-B14F-4D97-AF65-F5344CB8AC3E}">
-        <p14:creationId xmlns:p14="http://schemas.microsoft.com/office/powerpoint/2010/main" val="2148812075"/>
+        <p14:creationId xmlns:p14="http://schemas.microsoft.com/office/powerpoint/2010/main" val="4178491918"/>
       </p:ext>
     </p:extLst>
   </p:cSld>
@@ -7908,14 +7863,14 @@
           <p:nvPr>
             <p:extLst>
               <p:ext uri="{D42A27DB-BD31-4B8C-83A1-F6EECF244321}">
-                <p14:modId xmlns:p14="http://schemas.microsoft.com/office/powerpoint/2010/main" val="1015036349"/>
+                <p14:modId xmlns:p14="http://schemas.microsoft.com/office/powerpoint/2010/main" val="132753098"/>
               </p:ext>
             </p:extLst>
           </p:nvPr>
         </p:nvGraphicFramePr>
         <p:xfrm>
           <a:off x="1968722" y="1586138"/>
-          <a:ext cx="8064685" cy="4572000"/>
+          <a:ext cx="8064685" cy="4365653"/>
         </p:xfrm>
         <a:graphic>
           <a:graphicData uri="http://schemas.openxmlformats.org/drawingml/2006/table">
@@ -8354,7 +8309,7 @@
                           </a:solidFill>
                           <a:latin typeface="+mn-lt"/>
                         </a:rPr>
-                        <a:t>Requirements for multi-node, distributed clusters?</a:t>
+                        <a:t>Requirements for multi-VM, distributed clusters?</a:t>
                       </a:r>
                     </a:p>
                     <a:p>
@@ -8575,7 +8530,7 @@
         </p:nvSpPr>
         <p:spPr>
           <a:xfrm>
-            <a:off x="1968722" y="2616507"/>
+            <a:off x="1968722" y="2498076"/>
             <a:ext cx="2897436" cy="930924"/>
           </a:xfrm>
           <a:prstGeom prst="ellipse">
@@ -8622,7 +8577,7 @@
         </p:nvSpPr>
         <p:spPr>
           <a:xfrm>
-            <a:off x="7232949" y="3283025"/>
+            <a:off x="7209701" y="3213282"/>
             <a:ext cx="2897436" cy="739047"/>
           </a:xfrm>
           <a:prstGeom prst="ellipse">
@@ -8830,11 +8785,17 @@
           <p:cNvGraphicFramePr>
             <a:graphicFrameLocks noGrp="1"/>
           </p:cNvGraphicFramePr>
-          <p:nvPr/>
+          <p:nvPr>
+            <p:extLst>
+              <p:ext uri="{D42A27DB-BD31-4B8C-83A1-F6EECF244321}">
+                <p14:modId xmlns:p14="http://schemas.microsoft.com/office/powerpoint/2010/main" val="1433697928"/>
+              </p:ext>
+            </p:extLst>
+          </p:nvPr>
         </p:nvGraphicFramePr>
         <p:xfrm>
           <a:off x="1968722" y="1586138"/>
-          <a:ext cx="8064685" cy="4572000"/>
+          <a:ext cx="8064685" cy="4365653"/>
         </p:xfrm>
         <a:graphic>
           <a:graphicData uri="http://schemas.openxmlformats.org/drawingml/2006/table">
@@ -9273,7 +9234,7 @@
                           </a:solidFill>
                           <a:latin typeface="+mn-lt"/>
                         </a:rPr>
-                        <a:t>Requirements for multi-node, distributed clusters?</a:t>
+                        <a:t>Requirements for multi-VM, distributed clusters?</a:t>
                       </a:r>
                     </a:p>
                     <a:p>
@@ -9671,14 +9632,14 @@
           <p:nvPr>
             <p:extLst>
               <p:ext uri="{D42A27DB-BD31-4B8C-83A1-F6EECF244321}">
-                <p14:modId xmlns:p14="http://schemas.microsoft.com/office/powerpoint/2010/main" val="252272297"/>
+                <p14:modId xmlns:p14="http://schemas.microsoft.com/office/powerpoint/2010/main" val="573861456"/>
               </p:ext>
             </p:extLst>
           </p:nvPr>
         </p:nvGraphicFramePr>
         <p:xfrm>
           <a:off x="1968722" y="1586138"/>
-          <a:ext cx="8064685" cy="4572000"/>
+          <a:ext cx="8064685" cy="4365653"/>
         </p:xfrm>
         <a:graphic>
           <a:graphicData uri="http://schemas.openxmlformats.org/drawingml/2006/table">
@@ -10141,7 +10102,7 @@
                           </a:solidFill>
                           <a:latin typeface="+mn-lt"/>
                         </a:rPr>
-                        <a:t>Requirements for multi-node, distributed clusters?</a:t>
+                        <a:t>Requirements for multi-VM, distributed clusters?</a:t>
                       </a:r>
                     </a:p>
                     <a:p>
@@ -10408,8 +10369,8 @@
         </p:nvGrpSpPr>
         <p:grpSpPr>
           <a:xfrm>
-            <a:off x="5160623" y="2954867"/>
-            <a:ext cx="1870754" cy="3029128"/>
+            <a:off x="5160623" y="2983424"/>
+            <a:ext cx="1870754" cy="2873570"/>
             <a:chOff x="5496910" y="1681655"/>
             <a:chExt cx="4750676" cy="4078014"/>
           </a:xfrm>
@@ -26944,6 +26905,51 @@
           </a:p>
         </p:txBody>
       </p:sp>
+      <p:pic>
+        <p:nvPicPr>
+          <p:cNvPr id="3" name="Picture 2">
+            <a:extLst>
+              <a:ext uri="{FF2B5EF4-FFF2-40B4-BE49-F238E27FC236}">
+                <a16:creationId xmlns:a16="http://schemas.microsoft.com/office/drawing/2014/main" id="{87719207-E277-1C78-A6BD-3E4CCBB61794}"/>
+              </a:ext>
+            </a:extLst>
+          </p:cNvPr>
+          <p:cNvPicPr>
+            <a:picLocks noChangeAspect="1" noChangeArrowheads="1"/>
+          </p:cNvPicPr>
+          <p:nvPr/>
+        </p:nvPicPr>
+        <p:blipFill rotWithShape="1">
+          <a:blip r:embed="rId4">
+            <a:extLst>
+              <a:ext uri="{28A0092B-C50C-407E-A947-70E740481C1C}">
+                <a14:useLocalDpi xmlns:a14="http://schemas.microsoft.com/office/drawing/2010/main" val="0"/>
+              </a:ext>
+            </a:extLst>
+          </a:blip>
+          <a:srcRect l="69795" t="84335" r="27677" b="11942"/>
+          <a:stretch/>
+        </p:blipFill>
+        <p:spPr bwMode="auto">
+          <a:xfrm>
+            <a:off x="7598950" y="2073347"/>
+            <a:ext cx="285003" cy="236221"/>
+          </a:xfrm>
+          <a:prstGeom prst="rect">
+            <a:avLst/>
+          </a:prstGeom>
+          <a:noFill/>
+          <a:extLst>
+            <a:ext uri="{909E8E84-426E-40DD-AFC4-6F175D3DCCD1}">
+              <a14:hiddenFill xmlns:a14="http://schemas.microsoft.com/office/drawing/2010/main">
+                <a:solidFill>
+                  <a:srgbClr val="FFFFFF"/>
+                </a:solidFill>
+              </a14:hiddenFill>
+            </a:ext>
+          </a:extLst>
+        </p:spPr>
+      </p:pic>
     </p:spTree>
     <p:extLst>
       <p:ext uri="{BB962C8B-B14F-4D97-AF65-F5344CB8AC3E}">
@@ -26976,10 +26982,10 @@
       </p:grpSpPr>
       <p:grpSp>
         <p:nvGrpSpPr>
-          <p:cNvPr id="23" name="Group 22">
-            <a:extLst>
-              <a:ext uri="{FF2B5EF4-FFF2-40B4-BE49-F238E27FC236}">
-                <a16:creationId xmlns:a16="http://schemas.microsoft.com/office/drawing/2014/main" id="{3E266047-A2F3-9B99-1207-76EB2532F768}"/>
+          <p:cNvPr id="20" name="Group 19">
+            <a:extLst>
+              <a:ext uri="{FF2B5EF4-FFF2-40B4-BE49-F238E27FC236}">
+                <a16:creationId xmlns:a16="http://schemas.microsoft.com/office/drawing/2014/main" id="{D1E1ED35-6EDE-04CE-E283-C85DD0572AA6}"/>
               </a:ext>
             </a:extLst>
           </p:cNvPr>
@@ -26996,10 +27002,10 @@
         </p:grpSpPr>
         <p:pic>
           <p:nvPicPr>
-            <p:cNvPr id="24" name="Picture 23">
+            <p:cNvPr id="21" name="Picture 20">
               <a:extLst>
                 <a:ext uri="{FF2B5EF4-FFF2-40B4-BE49-F238E27FC236}">
-                  <a16:creationId xmlns:a16="http://schemas.microsoft.com/office/drawing/2014/main" id="{BACA09F5-8886-A952-8BF0-CEC651969944}"/>
+                  <a16:creationId xmlns:a16="http://schemas.microsoft.com/office/drawing/2014/main" id="{8278AEBE-0179-7065-FB49-17F875636435}"/>
                 </a:ext>
               </a:extLst>
             </p:cNvPr>
@@ -27025,10 +27031,10 @@
         </p:pic>
         <p:sp>
           <p:nvSpPr>
-            <p:cNvPr id="25" name="Rectangle 24">
+            <p:cNvPr id="22" name="Rectangle 21">
               <a:extLst>
                 <a:ext uri="{FF2B5EF4-FFF2-40B4-BE49-F238E27FC236}">
-                  <a16:creationId xmlns:a16="http://schemas.microsoft.com/office/drawing/2014/main" id="{EA7FAEB7-402D-81B1-9AAF-7EF3138E58A1}"/>
+                  <a16:creationId xmlns:a16="http://schemas.microsoft.com/office/drawing/2014/main" id="{36BF51BB-84F6-2A4F-785F-23E8DDDF7BC4}"/>
                 </a:ext>
               </a:extLst>
             </p:cNvPr>
@@ -27076,146 +27082,12 @@
           </p:txBody>
         </p:sp>
       </p:grpSp>
-      <p:pic>
-        <p:nvPicPr>
-          <p:cNvPr id="2" name="Picture 2">
-            <a:extLst>
-              <a:ext uri="{FF2B5EF4-FFF2-40B4-BE49-F238E27FC236}">
-                <a16:creationId xmlns:a16="http://schemas.microsoft.com/office/drawing/2014/main" id="{3A881D0C-9252-2547-0491-F323B0E88991}"/>
-              </a:ext>
-            </a:extLst>
-          </p:cNvPr>
-          <p:cNvPicPr>
-            <a:picLocks noChangeAspect="1" noChangeArrowheads="1"/>
-          </p:cNvPicPr>
-          <p:nvPr/>
-        </p:nvPicPr>
-        <p:blipFill rotWithShape="1">
-          <a:blip r:embed="rId4">
-            <a:extLst>
-              <a:ext uri="{28A0092B-C50C-407E-A947-70E740481C1C}">
-                <a14:useLocalDpi xmlns:a14="http://schemas.microsoft.com/office/drawing/2010/main" val="0"/>
-              </a:ext>
-            </a:extLst>
-          </a:blip>
-          <a:srcRect l="62586" t="70805" r="19311" b="6207"/>
-          <a:stretch/>
-        </p:blipFill>
-        <p:spPr bwMode="auto">
-          <a:xfrm>
-            <a:off x="6466614" y="1921293"/>
-            <a:ext cx="2653675" cy="1895484"/>
-          </a:xfrm>
-          <a:prstGeom prst="rect">
-            <a:avLst/>
-          </a:prstGeom>
-          <a:noFill/>
-          <a:extLst>
-            <a:ext uri="{909E8E84-426E-40DD-AFC4-6F175D3DCCD1}">
-              <a14:hiddenFill xmlns:a14="http://schemas.microsoft.com/office/drawing/2010/main">
-                <a:solidFill>
-                  <a:srgbClr val="FFFFFF"/>
-                </a:solidFill>
-              </a14:hiddenFill>
-            </a:ext>
-          </a:extLst>
-        </p:spPr>
-      </p:pic>
-      <p:sp>
-        <p:nvSpPr>
-          <p:cNvPr id="3" name="TextBox 2">
-            <a:extLst>
-              <a:ext uri="{FF2B5EF4-FFF2-40B4-BE49-F238E27FC236}">
-                <a16:creationId xmlns:a16="http://schemas.microsoft.com/office/drawing/2014/main" id="{046BDFCE-E723-0FA7-4339-345B739A894F}"/>
-              </a:ext>
-            </a:extLst>
-          </p:cNvPr>
-          <p:cNvSpPr txBox="1"/>
-          <p:nvPr/>
-        </p:nvSpPr>
-        <p:spPr>
-          <a:xfrm>
-            <a:off x="352205" y="197554"/>
-            <a:ext cx="4538577" cy="738664"/>
-          </a:xfrm>
-          <a:prstGeom prst="rect">
-            <a:avLst/>
-          </a:prstGeom>
-          <a:noFill/>
-          <a:ln w="57150">
-            <a:solidFill>
-              <a:schemeClr val="accent2">
-                <a:lumMod val="60000"/>
-                <a:lumOff val="40000"/>
-              </a:schemeClr>
-            </a:solidFill>
-          </a:ln>
-        </p:spPr>
-        <p:txBody>
-          <a:bodyPr wrap="square" rtlCol="0">
-            <a:spAutoFit/>
-          </a:bodyPr>
-          <a:lstStyle/>
-          <a:p>
-            <a:pPr algn="ctr"/>
-            <a:r>
-              <a:rPr lang="en-US" sz="2400" b="1" dirty="0"/>
-              <a:t>1. Workflows</a:t>
-            </a:r>
-          </a:p>
-          <a:p>
-            <a:pPr algn="ctr"/>
-            <a:r>
-              <a:rPr lang="en-US" dirty="0"/>
-              <a:t>EC2 Workflow (spinning up a single VM)</a:t>
-            </a:r>
-          </a:p>
-        </p:txBody>
-      </p:sp>
-      <p:sp>
-        <p:nvSpPr>
-          <p:cNvPr id="7" name="TextBox 6">
-            <a:extLst>
-              <a:ext uri="{FF2B5EF4-FFF2-40B4-BE49-F238E27FC236}">
-                <a16:creationId xmlns:a16="http://schemas.microsoft.com/office/drawing/2014/main" id="{F0A5A5D0-6012-E689-3012-42C9AB0ED888}"/>
-              </a:ext>
-            </a:extLst>
-          </p:cNvPr>
-          <p:cNvSpPr txBox="1"/>
-          <p:nvPr/>
-        </p:nvSpPr>
-        <p:spPr>
-          <a:xfrm>
-            <a:off x="6522286" y="2342097"/>
-            <a:ext cx="1134681" cy="307777"/>
-          </a:xfrm>
-          <a:prstGeom prst="rect">
-            <a:avLst/>
-          </a:prstGeom>
-          <a:noFill/>
-        </p:spPr>
-        <p:txBody>
-          <a:bodyPr wrap="square" rtlCol="0">
-            <a:spAutoFit/>
-          </a:bodyPr>
-          <a:lstStyle/>
-          <a:p>
-            <a:pPr algn="ctr"/>
-            <a:r>
-              <a:rPr lang="en-US" sz="1400" b="1" dirty="0">
-                <a:cs typeface="Times New Roman" panose="02020603050405020304" pitchFamily="18" charset="0"/>
-              </a:rPr>
-              <a:t>local cluster</a:t>
-            </a:r>
-          </a:p>
-        </p:txBody>
-      </p:sp>
       <p:cxnSp>
         <p:nvCxnSpPr>
-          <p:cNvPr id="15" name="Straight Arrow Connector 14">
-            <a:extLst>
-              <a:ext uri="{FF2B5EF4-FFF2-40B4-BE49-F238E27FC236}">
-                <a16:creationId xmlns:a16="http://schemas.microsoft.com/office/drawing/2014/main" id="{39DE97C5-8231-59DC-D3A8-AADC7AF86365}"/>
+          <p:cNvPr id="8" name="Straight Arrow Connector 7">
+            <a:extLst>
+              <a:ext uri="{FF2B5EF4-FFF2-40B4-BE49-F238E27FC236}">
+                <a16:creationId xmlns:a16="http://schemas.microsoft.com/office/drawing/2014/main" id="{B35B55A8-906C-1DCD-0312-79E81E04A38C}"/>
               </a:ext>
             </a:extLst>
           </p:cNvPr>
@@ -27225,9 +27097,9 @@
           <p:nvPr/>
         </p:nvCxnSpPr>
         <p:spPr>
-          <a:xfrm flipH="1">
-            <a:off x="8946037" y="2869035"/>
-            <a:ext cx="719568" cy="0"/>
+          <a:xfrm flipV="1">
+            <a:off x="2745110" y="3076637"/>
+            <a:ext cx="3922330" cy="1266500"/>
           </a:xfrm>
           <a:prstGeom prst="straightConnector1">
             <a:avLst/>
@@ -27256,10 +27128,10 @@
       </p:cxnSp>
       <p:sp>
         <p:nvSpPr>
-          <p:cNvPr id="17" name="TextBox 16">
-            <a:extLst>
-              <a:ext uri="{FF2B5EF4-FFF2-40B4-BE49-F238E27FC236}">
-                <a16:creationId xmlns:a16="http://schemas.microsoft.com/office/drawing/2014/main" id="{EE546F5B-4209-3F37-731B-79723AA70C11}"/>
+          <p:cNvPr id="15" name="TextBox 14">
+            <a:extLst>
+              <a:ext uri="{FF2B5EF4-FFF2-40B4-BE49-F238E27FC236}">
+                <a16:creationId xmlns:a16="http://schemas.microsoft.com/office/drawing/2014/main" id="{5B4A564A-8C3A-F42C-90C6-1A2149E531DC}"/>
               </a:ext>
             </a:extLst>
           </p:cNvPr>
@@ -27268,15 +27140,21 @@
         </p:nvSpPr>
         <p:spPr>
           <a:xfrm>
-            <a:off x="8946037" y="2457591"/>
-            <a:ext cx="719568" cy="307777"/>
+            <a:off x="352205" y="197554"/>
+            <a:ext cx="4538577" cy="738664"/>
           </a:xfrm>
           <a:prstGeom prst="rect">
             <a:avLst/>
           </a:prstGeom>
-          <a:solidFill>
-            <a:schemeClr val="bg1"/>
-          </a:solidFill>
+          <a:noFill/>
+          <a:ln w="57150">
+            <a:solidFill>
+              <a:schemeClr val="accent2">
+                <a:lumMod val="60000"/>
+                <a:lumOff val="40000"/>
+              </a:schemeClr>
+            </a:solidFill>
+          </a:ln>
         </p:spPr>
         <p:txBody>
           <a:bodyPr wrap="square" rtlCol="0">
@@ -27286,65 +27164,25 @@
           <a:p>
             <a:pPr algn="ctr"/>
             <a:r>
-              <a:rPr lang="en-US" sz="1400" dirty="0">
-                <a:cs typeface="Times New Roman" panose="02020603050405020304" pitchFamily="18" charset="0"/>
-              </a:rPr>
-              <a:t>[ 2 ]</a:t>
+              <a:rPr lang="en-US" sz="2400" b="1" dirty="0"/>
+              <a:t>1. Workflows</a:t>
+            </a:r>
+          </a:p>
+          <a:p>
+            <a:pPr algn="ctr"/>
+            <a:r>
+              <a:rPr lang="en-US" dirty="0"/>
+              <a:t>EC2 Workflow (spinning up a single VM)</a:t>
             </a:r>
           </a:p>
         </p:txBody>
       </p:sp>
-      <p:pic>
-        <p:nvPicPr>
-          <p:cNvPr id="27" name="Picture 2">
-            <a:extLst>
-              <a:ext uri="{FF2B5EF4-FFF2-40B4-BE49-F238E27FC236}">
-                <a16:creationId xmlns:a16="http://schemas.microsoft.com/office/drawing/2014/main" id="{F827DDEE-FD26-EE85-1934-150991CCA482}"/>
-              </a:ext>
-            </a:extLst>
-          </p:cNvPr>
-          <p:cNvPicPr>
-            <a:picLocks noChangeAspect="1" noChangeArrowheads="1"/>
-          </p:cNvPicPr>
-          <p:nvPr/>
-        </p:nvPicPr>
-        <p:blipFill rotWithShape="1">
-          <a:blip r:embed="rId4">
-            <a:extLst>
-              <a:ext uri="{28A0092B-C50C-407E-A947-70E740481C1C}">
-                <a14:useLocalDpi xmlns:a14="http://schemas.microsoft.com/office/drawing/2010/main" val="0"/>
-              </a:ext>
-            </a:extLst>
-          </a:blip>
-          <a:srcRect l="43879" t="66973" r="46121" b="10240"/>
-          <a:stretch/>
-        </p:blipFill>
-        <p:spPr bwMode="auto">
-          <a:xfrm>
-            <a:off x="1367163" y="3628541"/>
-            <a:ext cx="1219200" cy="1562749"/>
-          </a:xfrm>
-          <a:prstGeom prst="rect">
-            <a:avLst/>
-          </a:prstGeom>
-          <a:noFill/>
-          <a:extLst>
-            <a:ext uri="{909E8E84-426E-40DD-AFC4-6F175D3DCCD1}">
-              <a14:hiddenFill xmlns:a14="http://schemas.microsoft.com/office/drawing/2010/main">
-                <a:solidFill>
-                  <a:srgbClr val="FFFFFF"/>
-                </a:solidFill>
-              </a14:hiddenFill>
-            </a:ext>
-          </a:extLst>
-        </p:spPr>
-      </p:pic>
       <p:cxnSp>
         <p:nvCxnSpPr>
-          <p:cNvPr id="28" name="Straight Arrow Connector 27">
-            <a:extLst>
-              <a:ext uri="{FF2B5EF4-FFF2-40B4-BE49-F238E27FC236}">
-                <a16:creationId xmlns:a16="http://schemas.microsoft.com/office/drawing/2014/main" id="{956A482B-61D9-261D-EC0D-E1156AEA2E59}"/>
+          <p:cNvPr id="11" name="Straight Arrow Connector 10">
+            <a:extLst>
+              <a:ext uri="{FF2B5EF4-FFF2-40B4-BE49-F238E27FC236}">
+                <a16:creationId xmlns:a16="http://schemas.microsoft.com/office/drawing/2014/main" id="{52E5FC4A-7855-CFAB-4D56-D9B1F8654389}"/>
               </a:ext>
             </a:extLst>
           </p:cNvPr>
@@ -27354,9 +27192,9 @@
           <p:nvPr/>
         </p:nvCxnSpPr>
         <p:spPr>
-          <a:xfrm flipV="1">
-            <a:off x="2745110" y="2997724"/>
-            <a:ext cx="3608556" cy="1345413"/>
+          <a:xfrm flipH="1">
+            <a:off x="2799907" y="3408237"/>
+            <a:ext cx="3900248" cy="1282646"/>
           </a:xfrm>
           <a:prstGeom prst="straightConnector1">
             <a:avLst/>
@@ -27385,10 +27223,135 @@
       </p:cxnSp>
       <p:sp>
         <p:nvSpPr>
+          <p:cNvPr id="13" name="TextBox 12">
+            <a:extLst>
+              <a:ext uri="{FF2B5EF4-FFF2-40B4-BE49-F238E27FC236}">
+                <a16:creationId xmlns:a16="http://schemas.microsoft.com/office/drawing/2014/main" id="{FCC32B61-D164-1E44-46A0-A4E69F9F726C}"/>
+              </a:ext>
+            </a:extLst>
+          </p:cNvPr>
+          <p:cNvSpPr txBox="1"/>
+          <p:nvPr/>
+        </p:nvSpPr>
+        <p:spPr>
+          <a:xfrm>
+            <a:off x="3838906" y="4363121"/>
+            <a:ext cx="740862" cy="307777"/>
+          </a:xfrm>
+          <a:prstGeom prst="rect">
+            <a:avLst/>
+          </a:prstGeom>
+          <a:solidFill>
+            <a:schemeClr val="bg1"/>
+          </a:solidFill>
+        </p:spPr>
+        <p:txBody>
+          <a:bodyPr wrap="square" rtlCol="0">
+            <a:spAutoFit/>
+          </a:bodyPr>
+          <a:lstStyle/>
+          <a:p>
+            <a:pPr algn="ctr"/>
+            <a:r>
+              <a:rPr lang="en-US" sz="1400" dirty="0">
+                <a:cs typeface="Times New Roman" panose="02020603050405020304" pitchFamily="18" charset="0"/>
+              </a:rPr>
+              <a:t>[ 3 ]</a:t>
+            </a:r>
+          </a:p>
+        </p:txBody>
+      </p:sp>
+      <p:sp>
+        <p:nvSpPr>
+          <p:cNvPr id="19" name="TextBox 18">
+            <a:extLst>
+              <a:ext uri="{FF2B5EF4-FFF2-40B4-BE49-F238E27FC236}">
+                <a16:creationId xmlns:a16="http://schemas.microsoft.com/office/drawing/2014/main" id="{814D9716-79BB-5F06-544A-9CC2C21F340A}"/>
+              </a:ext>
+            </a:extLst>
+          </p:cNvPr>
+          <p:cNvSpPr txBox="1"/>
+          <p:nvPr/>
+        </p:nvSpPr>
+        <p:spPr>
+          <a:xfrm>
+            <a:off x="8946037" y="2457591"/>
+            <a:ext cx="719568" cy="307777"/>
+          </a:xfrm>
+          <a:prstGeom prst="rect">
+            <a:avLst/>
+          </a:prstGeom>
+          <a:solidFill>
+            <a:schemeClr val="bg1"/>
+          </a:solidFill>
+        </p:spPr>
+        <p:txBody>
+          <a:bodyPr wrap="square" rtlCol="0">
+            <a:spAutoFit/>
+          </a:bodyPr>
+          <a:lstStyle/>
+          <a:p>
+            <a:pPr algn="ctr"/>
+            <a:r>
+              <a:rPr lang="en-US" sz="1400" dirty="0">
+                <a:cs typeface="Times New Roman" panose="02020603050405020304" pitchFamily="18" charset="0"/>
+              </a:rPr>
+              <a:t>[ 2 ]</a:t>
+            </a:r>
+          </a:p>
+        </p:txBody>
+      </p:sp>
+      <p:pic>
+        <p:nvPicPr>
+          <p:cNvPr id="24" name="Picture 2">
+            <a:extLst>
+              <a:ext uri="{FF2B5EF4-FFF2-40B4-BE49-F238E27FC236}">
+                <a16:creationId xmlns:a16="http://schemas.microsoft.com/office/drawing/2014/main" id="{54405934-0236-F279-AC80-4FBC0600C8A8}"/>
+              </a:ext>
+            </a:extLst>
+          </p:cNvPr>
+          <p:cNvPicPr>
+            <a:picLocks noChangeAspect="1" noChangeArrowheads="1"/>
+          </p:cNvPicPr>
+          <p:nvPr/>
+        </p:nvPicPr>
+        <p:blipFill rotWithShape="1">
+          <a:blip r:embed="rId4">
+            <a:extLst>
+              <a:ext uri="{28A0092B-C50C-407E-A947-70E740481C1C}">
+                <a14:useLocalDpi xmlns:a14="http://schemas.microsoft.com/office/drawing/2010/main" val="0"/>
+              </a:ext>
+            </a:extLst>
+          </a:blip>
+          <a:srcRect l="43879" t="66973" r="46121" b="10240"/>
+          <a:stretch/>
+        </p:blipFill>
+        <p:spPr bwMode="auto">
+          <a:xfrm>
+            <a:off x="1367163" y="3628541"/>
+            <a:ext cx="1219200" cy="1562749"/>
+          </a:xfrm>
+          <a:prstGeom prst="rect">
+            <a:avLst/>
+          </a:prstGeom>
+          <a:noFill/>
+          <a:extLst>
+            <a:ext uri="{909E8E84-426E-40DD-AFC4-6F175D3DCCD1}">
+              <a14:hiddenFill xmlns:a14="http://schemas.microsoft.com/office/drawing/2010/main">
+                <a:solidFill>
+                  <a:srgbClr val="FFFFFF"/>
+                </a:solidFill>
+              </a14:hiddenFill>
+            </a:ext>
+          </a:extLst>
+        </p:spPr>
+      </p:pic>
+      <p:sp>
+        <p:nvSpPr>
           <p:cNvPr id="29" name="TextBox 28">
             <a:extLst>
               <a:ext uri="{FF2B5EF4-FFF2-40B4-BE49-F238E27FC236}">
-                <a16:creationId xmlns:a16="http://schemas.microsoft.com/office/drawing/2014/main" id="{158F6AA9-1B5E-BA6E-C5A5-0526DBF89652}"/>
+                <a16:creationId xmlns:a16="http://schemas.microsoft.com/office/drawing/2014/main" id="{5CBA065A-0C70-E86B-5937-FFCA57665F2F}"/>
               </a:ext>
             </a:extLst>
           </p:cNvPr>
@@ -27423,96 +27386,12 @@
           </a:p>
         </p:txBody>
       </p:sp>
-      <p:cxnSp>
-        <p:nvCxnSpPr>
-          <p:cNvPr id="30" name="Straight Arrow Connector 29">
-            <a:extLst>
-              <a:ext uri="{FF2B5EF4-FFF2-40B4-BE49-F238E27FC236}">
-                <a16:creationId xmlns:a16="http://schemas.microsoft.com/office/drawing/2014/main" id="{91FC171F-14BA-C7FE-CC55-5862E86F86C7}"/>
-              </a:ext>
-            </a:extLst>
-          </p:cNvPr>
-          <p:cNvCxnSpPr>
-            <a:cxnSpLocks/>
-          </p:cNvCxnSpPr>
-          <p:nvPr/>
-        </p:nvCxnSpPr>
-        <p:spPr>
-          <a:xfrm flipH="1">
-            <a:off x="2799907" y="3289955"/>
-            <a:ext cx="3722379" cy="1400928"/>
-          </a:xfrm>
-          <a:prstGeom prst="straightConnector1">
-            <a:avLst/>
-          </a:prstGeom>
-          <a:ln w="28575">
-            <a:solidFill>
-              <a:schemeClr val="accent1"/>
-            </a:solidFill>
-            <a:tailEnd type="triangle"/>
-          </a:ln>
-        </p:spPr>
-        <p:style>
-          <a:lnRef idx="1">
-            <a:schemeClr val="accent1"/>
-          </a:lnRef>
-          <a:fillRef idx="0">
-            <a:schemeClr val="accent1"/>
-          </a:fillRef>
-          <a:effectRef idx="0">
-            <a:schemeClr val="accent1"/>
-          </a:effectRef>
-          <a:fontRef idx="minor">
-            <a:schemeClr val="tx1"/>
-          </a:fontRef>
-        </p:style>
-      </p:cxnSp>
-      <p:sp>
-        <p:nvSpPr>
-          <p:cNvPr id="31" name="TextBox 30">
-            <a:extLst>
-              <a:ext uri="{FF2B5EF4-FFF2-40B4-BE49-F238E27FC236}">
-                <a16:creationId xmlns:a16="http://schemas.microsoft.com/office/drawing/2014/main" id="{272B7CF9-6F4B-5DF4-E032-C49E69817DA3}"/>
-              </a:ext>
-            </a:extLst>
-          </p:cNvPr>
-          <p:cNvSpPr txBox="1"/>
-          <p:nvPr/>
-        </p:nvSpPr>
-        <p:spPr>
-          <a:xfrm>
-            <a:off x="3838906" y="4363121"/>
-            <a:ext cx="740862" cy="307777"/>
-          </a:xfrm>
-          <a:prstGeom prst="rect">
-            <a:avLst/>
-          </a:prstGeom>
-          <a:solidFill>
-            <a:schemeClr val="bg1"/>
-          </a:solidFill>
-        </p:spPr>
-        <p:txBody>
-          <a:bodyPr wrap="square" rtlCol="0">
-            <a:spAutoFit/>
-          </a:bodyPr>
-          <a:lstStyle/>
-          <a:p>
-            <a:pPr algn="ctr"/>
-            <a:r>
-              <a:rPr lang="en-US" sz="1400" dirty="0">
-                <a:cs typeface="Times New Roman" panose="02020603050405020304" pitchFamily="18" charset="0"/>
-              </a:rPr>
-              <a:t>[ 3 ]</a:t>
-            </a:r>
-          </a:p>
-        </p:txBody>
-      </p:sp>
       <p:grpSp>
         <p:nvGrpSpPr>
-          <p:cNvPr id="34" name="Group 33">
-            <a:extLst>
-              <a:ext uri="{FF2B5EF4-FFF2-40B4-BE49-F238E27FC236}">
-                <a16:creationId xmlns:a16="http://schemas.microsoft.com/office/drawing/2014/main" id="{D64A4264-3A37-1F99-D257-67BBEFBF505A}"/>
+          <p:cNvPr id="33" name="Group 32">
+            <a:extLst>
+              <a:ext uri="{FF2B5EF4-FFF2-40B4-BE49-F238E27FC236}">
+                <a16:creationId xmlns:a16="http://schemas.microsoft.com/office/drawing/2014/main" id="{8A4990F3-D0D6-F3E5-0234-B1F351EBBE18}"/>
               </a:ext>
             </a:extLst>
           </p:cNvPr>
@@ -27529,10 +27408,10 @@
         </p:grpSpPr>
         <p:pic>
           <p:nvPicPr>
-            <p:cNvPr id="35" name="Picture 34">
+            <p:cNvPr id="34" name="Picture 33">
               <a:extLst>
                 <a:ext uri="{FF2B5EF4-FFF2-40B4-BE49-F238E27FC236}">
-                  <a16:creationId xmlns:a16="http://schemas.microsoft.com/office/drawing/2014/main" id="{C48DB765-58FB-BEE8-C36D-07F3EA8D66EB}"/>
+                  <a16:creationId xmlns:a16="http://schemas.microsoft.com/office/drawing/2014/main" id="{10E3F4CD-AD99-B67D-1338-4F59D684D3A2}"/>
                 </a:ext>
               </a:extLst>
             </p:cNvPr>
@@ -27574,10 +27453,10 @@
         </p:pic>
         <p:sp>
           <p:nvSpPr>
-            <p:cNvPr id="36" name="Rectangle 35">
+            <p:cNvPr id="35" name="Rectangle 34">
               <a:extLst>
                 <a:ext uri="{FF2B5EF4-FFF2-40B4-BE49-F238E27FC236}">
-                  <a16:creationId xmlns:a16="http://schemas.microsoft.com/office/drawing/2014/main" id="{04CAD520-43A6-4EA2-561D-FB21FAEECAFE}"/>
+                  <a16:creationId xmlns:a16="http://schemas.microsoft.com/office/drawing/2014/main" id="{2B39DB1D-8277-A1EF-66AA-63AA2B4AFBAD}"/>
                 </a:ext>
               </a:extLst>
             </p:cNvPr>
@@ -27625,10 +27504,397 @@
           </p:txBody>
         </p:sp>
       </p:grpSp>
+      <p:grpSp>
+        <p:nvGrpSpPr>
+          <p:cNvPr id="3" name="Group 2">
+            <a:extLst>
+              <a:ext uri="{FF2B5EF4-FFF2-40B4-BE49-F238E27FC236}">
+                <a16:creationId xmlns:a16="http://schemas.microsoft.com/office/drawing/2014/main" id="{29FF22AF-89BF-7563-CBCF-8F3C33964109}"/>
+              </a:ext>
+            </a:extLst>
+          </p:cNvPr>
+          <p:cNvGrpSpPr/>
+          <p:nvPr/>
+        </p:nvGrpSpPr>
+        <p:grpSpPr>
+          <a:xfrm>
+            <a:off x="6977451" y="2026105"/>
+            <a:ext cx="1960119" cy="1938090"/>
+            <a:chOff x="6977451" y="2026105"/>
+            <a:chExt cx="1960119" cy="1938090"/>
+          </a:xfrm>
+        </p:grpSpPr>
+        <p:pic>
+          <p:nvPicPr>
+            <p:cNvPr id="4" name="Picture 2">
+              <a:extLst>
+                <a:ext uri="{FF2B5EF4-FFF2-40B4-BE49-F238E27FC236}">
+                  <a16:creationId xmlns:a16="http://schemas.microsoft.com/office/drawing/2014/main" id="{3A3DBF9E-DC51-6C40-1821-8A5C3186404E}"/>
+                </a:ext>
+              </a:extLst>
+            </p:cNvPr>
+            <p:cNvPicPr>
+              <a:picLocks noChangeAspect="1" noChangeArrowheads="1"/>
+            </p:cNvPicPr>
+            <p:nvPr/>
+          </p:nvPicPr>
+          <p:blipFill rotWithShape="1">
+            <a:blip r:embed="rId4">
+              <a:extLst>
+                <a:ext uri="{28A0092B-C50C-407E-A947-70E740481C1C}">
+                  <a14:useLocalDpi xmlns:a14="http://schemas.microsoft.com/office/drawing/2010/main" val="0"/>
+                </a:ext>
+              </a:extLst>
+            </a:blip>
+            <a:srcRect l="62586" t="70805" r="27572" b="13289"/>
+            <a:stretch/>
+          </p:blipFill>
+          <p:spPr bwMode="auto">
+            <a:xfrm>
+              <a:off x="6977451" y="2026105"/>
+              <a:ext cx="1953532" cy="1775882"/>
+            </a:xfrm>
+            <a:prstGeom prst="rect">
+              <a:avLst/>
+            </a:prstGeom>
+            <a:noFill/>
+            <a:extLst>
+              <a:ext uri="{909E8E84-426E-40DD-AFC4-6F175D3DCCD1}">
+                <a14:hiddenFill xmlns:a14="http://schemas.microsoft.com/office/drawing/2010/main">
+                  <a:solidFill>
+                    <a:srgbClr val="FFFFFF"/>
+                  </a:solidFill>
+                </a14:hiddenFill>
+              </a:ext>
+            </a:extLst>
+          </p:spPr>
+        </p:pic>
+        <p:sp>
+          <p:nvSpPr>
+            <p:cNvPr id="5" name="TextBox 4">
+              <a:extLst>
+                <a:ext uri="{FF2B5EF4-FFF2-40B4-BE49-F238E27FC236}">
+                  <a16:creationId xmlns:a16="http://schemas.microsoft.com/office/drawing/2014/main" id="{F48D69E9-59FC-6D59-F988-04199F69EA08}"/>
+                </a:ext>
+              </a:extLst>
+            </p:cNvPr>
+            <p:cNvSpPr txBox="1"/>
+            <p:nvPr/>
+          </p:nvSpPr>
+          <p:spPr>
+            <a:xfrm>
+              <a:off x="7204396" y="2612301"/>
+              <a:ext cx="1134681" cy="307777"/>
+            </a:xfrm>
+            <a:prstGeom prst="rect">
+              <a:avLst/>
+            </a:prstGeom>
+            <a:noFill/>
+          </p:spPr>
+          <p:txBody>
+            <a:bodyPr wrap="square" rtlCol="0">
+              <a:spAutoFit/>
+            </a:bodyPr>
+            <a:lstStyle/>
+            <a:p>
+              <a:pPr algn="ctr"/>
+              <a:r>
+                <a:rPr lang="en-US" sz="1400" b="1" dirty="0">
+                  <a:cs typeface="Times New Roman" panose="02020603050405020304" pitchFamily="18" charset="0"/>
+                </a:rPr>
+                <a:t>local cluster</a:t>
+              </a:r>
+            </a:p>
+          </p:txBody>
+        </p:sp>
+        <p:sp>
+          <p:nvSpPr>
+            <p:cNvPr id="6" name="Rectangle 5">
+              <a:extLst>
+                <a:ext uri="{FF2B5EF4-FFF2-40B4-BE49-F238E27FC236}">
+                  <a16:creationId xmlns:a16="http://schemas.microsoft.com/office/drawing/2014/main" id="{4CE3206D-BE22-96BB-903D-375585E9BBD7}"/>
+                </a:ext>
+              </a:extLst>
+            </p:cNvPr>
+            <p:cNvSpPr/>
+            <p:nvPr/>
+          </p:nvSpPr>
+          <p:spPr>
+            <a:xfrm>
+              <a:off x="8609490" y="2781136"/>
+              <a:ext cx="328080" cy="232356"/>
+            </a:xfrm>
+            <a:prstGeom prst="rect">
+              <a:avLst/>
+            </a:prstGeom>
+            <a:solidFill>
+              <a:schemeClr val="bg1"/>
+            </a:solidFill>
+            <a:ln>
+              <a:noFill/>
+            </a:ln>
+          </p:spPr>
+          <p:style>
+            <a:lnRef idx="2">
+              <a:schemeClr val="accent1">
+                <a:shade val="15000"/>
+              </a:schemeClr>
+            </a:lnRef>
+            <a:fillRef idx="1">
+              <a:schemeClr val="accent1"/>
+            </a:fillRef>
+            <a:effectRef idx="0">
+              <a:schemeClr val="accent1"/>
+            </a:effectRef>
+            <a:fontRef idx="minor">
+              <a:schemeClr val="lt1"/>
+            </a:fontRef>
+          </p:style>
+          <p:txBody>
+            <a:bodyPr rtlCol="0" anchor="ctr"/>
+            <a:lstStyle/>
+            <a:p>
+              <a:pPr algn="ctr"/>
+              <a:endParaRPr lang="en-US"/>
+            </a:p>
+          </p:txBody>
+        </p:sp>
+        <p:sp>
+          <p:nvSpPr>
+            <p:cNvPr id="7" name="Rectangle 6">
+              <a:extLst>
+                <a:ext uri="{FF2B5EF4-FFF2-40B4-BE49-F238E27FC236}">
+                  <a16:creationId xmlns:a16="http://schemas.microsoft.com/office/drawing/2014/main" id="{CEA9697B-CBF2-8FF3-F3A9-146C09B35115}"/>
+                </a:ext>
+              </a:extLst>
+            </p:cNvPr>
+            <p:cNvSpPr/>
+            <p:nvPr/>
+          </p:nvSpPr>
+          <p:spPr>
+            <a:xfrm>
+              <a:off x="8319056" y="3545114"/>
+              <a:ext cx="618514" cy="419081"/>
+            </a:xfrm>
+            <a:prstGeom prst="rect">
+              <a:avLst/>
+            </a:prstGeom>
+            <a:solidFill>
+              <a:schemeClr val="bg1"/>
+            </a:solidFill>
+            <a:ln>
+              <a:noFill/>
+            </a:ln>
+          </p:spPr>
+          <p:style>
+            <a:lnRef idx="2">
+              <a:schemeClr val="accent1">
+                <a:shade val="15000"/>
+              </a:schemeClr>
+            </a:lnRef>
+            <a:fillRef idx="1">
+              <a:schemeClr val="accent1"/>
+            </a:fillRef>
+            <a:effectRef idx="0">
+              <a:schemeClr val="accent1"/>
+            </a:effectRef>
+            <a:fontRef idx="minor">
+              <a:schemeClr val="lt1"/>
+            </a:fontRef>
+          </p:style>
+          <p:txBody>
+            <a:bodyPr rtlCol="0" anchor="ctr"/>
+            <a:lstStyle/>
+            <a:p>
+              <a:pPr algn="ctr"/>
+              <a:endParaRPr lang="en-US"/>
+            </a:p>
+          </p:txBody>
+        </p:sp>
+      </p:grpSp>
+      <p:cxnSp>
+        <p:nvCxnSpPr>
+          <p:cNvPr id="16" name="Straight Arrow Connector 15">
+            <a:extLst>
+              <a:ext uri="{FF2B5EF4-FFF2-40B4-BE49-F238E27FC236}">
+                <a16:creationId xmlns:a16="http://schemas.microsoft.com/office/drawing/2014/main" id="{BAE80E73-964C-A949-9F61-01BDFFF60FB2}"/>
+              </a:ext>
+            </a:extLst>
+          </p:cNvPr>
+          <p:cNvCxnSpPr>
+            <a:cxnSpLocks/>
+          </p:cNvCxnSpPr>
+          <p:nvPr/>
+        </p:nvCxnSpPr>
+        <p:spPr>
+          <a:xfrm flipH="1">
+            <a:off x="8946037" y="2869035"/>
+            <a:ext cx="719568" cy="0"/>
+          </a:xfrm>
+          <a:prstGeom prst="straightConnector1">
+            <a:avLst/>
+          </a:prstGeom>
+          <a:ln w="28575">
+            <a:solidFill>
+              <a:schemeClr val="accent1"/>
+            </a:solidFill>
+            <a:tailEnd type="triangle"/>
+          </a:ln>
+        </p:spPr>
+        <p:style>
+          <a:lnRef idx="1">
+            <a:schemeClr val="accent1"/>
+          </a:lnRef>
+          <a:fillRef idx="0">
+            <a:schemeClr val="accent1"/>
+          </a:fillRef>
+          <a:effectRef idx="0">
+            <a:schemeClr val="accent1"/>
+          </a:effectRef>
+          <a:fontRef idx="minor">
+            <a:schemeClr val="tx1"/>
+          </a:fontRef>
+        </p:style>
+      </p:cxnSp>
+      <p:pic>
+        <p:nvPicPr>
+          <p:cNvPr id="25" name="Picture 2">
+            <a:extLst>
+              <a:ext uri="{FF2B5EF4-FFF2-40B4-BE49-F238E27FC236}">
+                <a16:creationId xmlns:a16="http://schemas.microsoft.com/office/drawing/2014/main" id="{E809E3A8-01E4-BF17-D978-61DDF32A31E6}"/>
+              </a:ext>
+            </a:extLst>
+          </p:cNvPr>
+          <p:cNvPicPr>
+            <a:picLocks noChangeAspect="1" noChangeArrowheads="1"/>
+          </p:cNvPicPr>
+          <p:nvPr/>
+        </p:nvPicPr>
+        <p:blipFill rotWithShape="1">
+          <a:blip r:embed="rId4">
+            <a:extLst>
+              <a:ext uri="{28A0092B-C50C-407E-A947-70E740481C1C}">
+                <a14:useLocalDpi xmlns:a14="http://schemas.microsoft.com/office/drawing/2010/main" val="0"/>
+              </a:ext>
+            </a:extLst>
+          </a:blip>
+          <a:srcRect l="69795" t="84335" r="27677" b="11942"/>
+          <a:stretch/>
+        </p:blipFill>
+        <p:spPr bwMode="auto">
+          <a:xfrm>
+            <a:off x="7126657" y="2032521"/>
+            <a:ext cx="285003" cy="236221"/>
+          </a:xfrm>
+          <a:prstGeom prst="rect">
+            <a:avLst/>
+          </a:prstGeom>
+          <a:noFill/>
+          <a:extLst>
+            <a:ext uri="{909E8E84-426E-40DD-AFC4-6F175D3DCCD1}">
+              <a14:hiddenFill xmlns:a14="http://schemas.microsoft.com/office/drawing/2010/main">
+                <a:solidFill>
+                  <a:srgbClr val="FFFFFF"/>
+                </a:solidFill>
+              </a14:hiddenFill>
+            </a:ext>
+          </a:extLst>
+        </p:spPr>
+      </p:pic>
+      <p:pic>
+        <p:nvPicPr>
+          <p:cNvPr id="26" name="Picture 2">
+            <a:extLst>
+              <a:ext uri="{FF2B5EF4-FFF2-40B4-BE49-F238E27FC236}">
+                <a16:creationId xmlns:a16="http://schemas.microsoft.com/office/drawing/2014/main" id="{AC5B468D-4E97-F527-3B87-E0D3BE7AF4A4}"/>
+              </a:ext>
+            </a:extLst>
+          </p:cNvPr>
+          <p:cNvPicPr>
+            <a:picLocks noChangeAspect="1" noChangeArrowheads="1"/>
+          </p:cNvPicPr>
+          <p:nvPr/>
+        </p:nvPicPr>
+        <p:blipFill rotWithShape="1">
+          <a:blip r:embed="rId4">
+            <a:extLst>
+              <a:ext uri="{28A0092B-C50C-407E-A947-70E740481C1C}">
+                <a14:useLocalDpi xmlns:a14="http://schemas.microsoft.com/office/drawing/2010/main" val="0"/>
+              </a:ext>
+            </a:extLst>
+          </a:blip>
+          <a:srcRect l="69795" t="84335" r="27677" b="11942"/>
+          <a:stretch/>
+        </p:blipFill>
+        <p:spPr bwMode="auto">
+          <a:xfrm>
+            <a:off x="7572885" y="1836068"/>
+            <a:ext cx="285003" cy="236221"/>
+          </a:xfrm>
+          <a:prstGeom prst="rect">
+            <a:avLst/>
+          </a:prstGeom>
+          <a:noFill/>
+          <a:extLst>
+            <a:ext uri="{909E8E84-426E-40DD-AFC4-6F175D3DCCD1}">
+              <a14:hiddenFill xmlns:a14="http://schemas.microsoft.com/office/drawing/2010/main">
+                <a:solidFill>
+                  <a:srgbClr val="FFFFFF"/>
+                </a:solidFill>
+              </a14:hiddenFill>
+            </a:ext>
+          </a:extLst>
+        </p:spPr>
+      </p:pic>
+      <p:pic>
+        <p:nvPicPr>
+          <p:cNvPr id="27" name="Picture 2">
+            <a:extLst>
+              <a:ext uri="{FF2B5EF4-FFF2-40B4-BE49-F238E27FC236}">
+                <a16:creationId xmlns:a16="http://schemas.microsoft.com/office/drawing/2014/main" id="{ACAB253C-68EA-5078-539A-3A716EF0461B}"/>
+              </a:ext>
+            </a:extLst>
+          </p:cNvPr>
+          <p:cNvPicPr>
+            <a:picLocks noChangeAspect="1" noChangeArrowheads="1"/>
+          </p:cNvPicPr>
+          <p:nvPr/>
+        </p:nvPicPr>
+        <p:blipFill rotWithShape="1">
+          <a:blip r:embed="rId4">
+            <a:extLst>
+              <a:ext uri="{28A0092B-C50C-407E-A947-70E740481C1C}">
+                <a14:useLocalDpi xmlns:a14="http://schemas.microsoft.com/office/drawing/2010/main" val="0"/>
+              </a:ext>
+            </a:extLst>
+          </a:blip>
+          <a:srcRect l="69795" t="84335" r="27677" b="11942"/>
+          <a:stretch/>
+        </p:blipFill>
+        <p:spPr bwMode="auto">
+          <a:xfrm>
+            <a:off x="8139711" y="1889640"/>
+            <a:ext cx="285003" cy="236221"/>
+          </a:xfrm>
+          <a:prstGeom prst="rect">
+            <a:avLst/>
+          </a:prstGeom>
+          <a:noFill/>
+          <a:extLst>
+            <a:ext uri="{909E8E84-426E-40DD-AFC4-6F175D3DCCD1}">
+              <a14:hiddenFill xmlns:a14="http://schemas.microsoft.com/office/drawing/2010/main">
+                <a:solidFill>
+                  <a:srgbClr val="FFFFFF"/>
+                </a:solidFill>
+              </a14:hiddenFill>
+            </a:ext>
+          </a:extLst>
+        </p:spPr>
+      </p:pic>
     </p:spTree>
     <p:extLst>
       <p:ext uri="{BB962C8B-B14F-4D97-AF65-F5344CB8AC3E}">
-        <p14:creationId xmlns:p14="http://schemas.microsoft.com/office/powerpoint/2010/main" val="1136640526"/>
+        <p14:creationId xmlns:p14="http://schemas.microsoft.com/office/powerpoint/2010/main" val="4019282189"/>
       </p:ext>
     </p:extLst>
   </p:cSld>

--- a/coiled/Coiled_presentation.pptx
+++ b/coiled/Coiled_presentation.pptx
@@ -5,7 +5,7 @@
     <p:sldMasterId id="2147483648" r:id="rId1"/>
   </p:sldMasterIdLst>
   <p:notesMasterIdLst>
-    <p:notesMasterId r:id="rId34"/>
+    <p:notesMasterId r:id="rId35"/>
   </p:notesMasterIdLst>
   <p:sldIdLst>
     <p:sldId id="256" r:id="rId2"/>
@@ -19,27 +19,28 @@
     <p:sldId id="313" r:id="rId10"/>
     <p:sldId id="312" r:id="rId11"/>
     <p:sldId id="269" r:id="rId12"/>
-    <p:sldId id="314" r:id="rId13"/>
-    <p:sldId id="315" r:id="rId14"/>
-    <p:sldId id="288" r:id="rId15"/>
-    <p:sldId id="292" r:id="rId16"/>
-    <p:sldId id="311" r:id="rId17"/>
-    <p:sldId id="310" r:id="rId18"/>
-    <p:sldId id="304" r:id="rId19"/>
-    <p:sldId id="316" r:id="rId20"/>
-    <p:sldId id="309" r:id="rId21"/>
-    <p:sldId id="317" r:id="rId22"/>
-    <p:sldId id="296" r:id="rId23"/>
-    <p:sldId id="294" r:id="rId24"/>
-    <p:sldId id="290" r:id="rId25"/>
-    <p:sldId id="286" r:id="rId26"/>
-    <p:sldId id="305" r:id="rId27"/>
-    <p:sldId id="319" r:id="rId28"/>
-    <p:sldId id="320" r:id="rId29"/>
-    <p:sldId id="283" r:id="rId30"/>
-    <p:sldId id="307" r:id="rId31"/>
-    <p:sldId id="295" r:id="rId32"/>
-    <p:sldId id="308" r:id="rId33"/>
+    <p:sldId id="322" r:id="rId13"/>
+    <p:sldId id="323" r:id="rId14"/>
+    <p:sldId id="315" r:id="rId15"/>
+    <p:sldId id="288" r:id="rId16"/>
+    <p:sldId id="292" r:id="rId17"/>
+    <p:sldId id="311" r:id="rId18"/>
+    <p:sldId id="310" r:id="rId19"/>
+    <p:sldId id="304" r:id="rId20"/>
+    <p:sldId id="316" r:id="rId21"/>
+    <p:sldId id="309" r:id="rId22"/>
+    <p:sldId id="317" r:id="rId23"/>
+    <p:sldId id="296" r:id="rId24"/>
+    <p:sldId id="294" r:id="rId25"/>
+    <p:sldId id="290" r:id="rId26"/>
+    <p:sldId id="286" r:id="rId27"/>
+    <p:sldId id="305" r:id="rId28"/>
+    <p:sldId id="319" r:id="rId29"/>
+    <p:sldId id="320" r:id="rId30"/>
+    <p:sldId id="283" r:id="rId31"/>
+    <p:sldId id="307" r:id="rId32"/>
+    <p:sldId id="295" r:id="rId33"/>
+    <p:sldId id="308" r:id="rId34"/>
   </p:sldIdLst>
   <p:sldSz cx="12192000" cy="6858000"/>
   <p:notesSz cx="6858000" cy="9144000"/>
@@ -228,7 +229,7 @@
           <a:p>
             <a:fld id="{1BC481DB-51BA-8349-B5BC-8DE9C65D8F57}" type="datetimeFigureOut">
               <a:rPr lang="en-US" smtClean="0"/>
-              <a:t>4/21/24</a:t>
+              <a:t>4/25/24</a:t>
             </a:fld>
             <a:endParaRPr lang="en-US"/>
           </a:p>
@@ -771,7 +772,7 @@
     </p:spTree>
     <p:extLst>
       <p:ext uri="{BB962C8B-B14F-4D97-AF65-F5344CB8AC3E}">
-        <p14:creationId xmlns:p14="http://schemas.microsoft.com/office/powerpoint/2010/main" val="3890054679"/>
+        <p14:creationId xmlns:p14="http://schemas.microsoft.com/office/powerpoint/2010/main" val="4179033665"/>
       </p:ext>
     </p:extLst>
   </p:cSld>
@@ -858,7 +859,7 @@
     </p:spTree>
     <p:extLst>
       <p:ext uri="{BB962C8B-B14F-4D97-AF65-F5344CB8AC3E}">
-        <p14:creationId xmlns:p14="http://schemas.microsoft.com/office/powerpoint/2010/main" val="269062684"/>
+        <p14:creationId xmlns:p14="http://schemas.microsoft.com/office/powerpoint/2010/main" val="1726674089"/>
       </p:ext>
     </p:extLst>
   </p:cSld>
@@ -914,15 +915,7 @@
           <a:p>
             <a:r>
               <a:rPr lang="en-US" dirty="0"/>
-              <a:t>The link provides </a:t>
-            </a:r>
-            <a:r>
-              <a:rPr lang="en-US" dirty="0" err="1"/>
-              <a:t>Coiled’s</a:t>
-            </a:r>
-            <a:r>
-              <a:rPr lang="en-US" dirty="0"/>
-              <a:t> explanation of their advantages in their words.</a:t>
+              <a:t>The left column includes most of the stuff that researchers using Python are used to already, with the addition of some knowledge of parallelization.</a:t>
             </a:r>
           </a:p>
         </p:txBody>
@@ -953,7 +946,7 @@
     </p:spTree>
     <p:extLst>
       <p:ext uri="{BB962C8B-B14F-4D97-AF65-F5344CB8AC3E}">
-        <p14:creationId xmlns:p14="http://schemas.microsoft.com/office/powerpoint/2010/main" val="3768759014"/>
+        <p14:creationId xmlns:p14="http://schemas.microsoft.com/office/powerpoint/2010/main" val="269062684"/>
       </p:ext>
     </p:extLst>
   </p:cSld>
@@ -1007,50 +1000,18 @@
           <a:bodyPr/>
           <a:lstStyle/>
           <a:p>
-            <a:pPr marL="171450" marR="0" lvl="0" indent="-171450" algn="l" defTabSz="914400" rtl="0" eaLnBrk="1" fontAlgn="auto" latinLnBrk="0" hangingPunct="1">
-              <a:lnSpc>
-                <a:spcPct val="100000"/>
-              </a:lnSpc>
-              <a:spcBef>
-                <a:spcPts val="0"/>
-              </a:spcBef>
-              <a:spcAft>
-                <a:spcPts val="0"/>
-              </a:spcAft>
-              <a:buClrTx/>
-              <a:buSzTx/>
-              <a:buFont typeface="Arial" panose="020B0604020202020204" pitchFamily="34" charset="0"/>
-              <a:buChar char="•"/>
-              <a:tabLst/>
-              <a:defRPr/>
-            </a:pPr>
-            <a:r>
-              <a:rPr lang="en-US" sz="1200" b="0" dirty="0"/>
-              <a:t>Demo my Coiled dashboard</a:t>
-            </a:r>
-          </a:p>
-          <a:p>
-            <a:pPr marL="171450" marR="0" lvl="0" indent="-171450" algn="l" defTabSz="914400" rtl="0" eaLnBrk="1" fontAlgn="auto" latinLnBrk="0" hangingPunct="1">
-              <a:lnSpc>
-                <a:spcPct val="100000"/>
-              </a:lnSpc>
-              <a:spcBef>
-                <a:spcPts val="0"/>
-              </a:spcBef>
-              <a:spcAft>
-                <a:spcPts val="0"/>
-              </a:spcAft>
-              <a:buClrTx/>
-              <a:buSzTx/>
-              <a:buFont typeface="Arial" panose="020B0604020202020204" pitchFamily="34" charset="0"/>
-              <a:buChar char="•"/>
-              <a:tabLst/>
-              <a:defRPr/>
-            </a:pPr>
-            <a:endParaRPr lang="en-US" sz="1200" b="0" dirty="0"/>
-          </a:p>
-          <a:p>
-            <a:endParaRPr lang="en-US" dirty="0"/>
+            <a:r>
+              <a:rPr lang="en-US" dirty="0"/>
+              <a:t>The link provides </a:t>
+            </a:r>
+            <a:r>
+              <a:rPr lang="en-US" dirty="0" err="1"/>
+              <a:t>Coiled’s</a:t>
+            </a:r>
+            <a:r>
+              <a:rPr lang="en-US" dirty="0"/>
+              <a:t> explanation of their advantages in their words.</a:t>
+            </a:r>
           </a:p>
         </p:txBody>
       </p:sp>
@@ -1080,7 +1041,7 @@
     </p:spTree>
     <p:extLst>
       <p:ext uri="{BB962C8B-B14F-4D97-AF65-F5344CB8AC3E}">
-        <p14:creationId xmlns:p14="http://schemas.microsoft.com/office/powerpoint/2010/main" val="1594233958"/>
+        <p14:creationId xmlns:p14="http://schemas.microsoft.com/office/powerpoint/2010/main" val="3768759014"/>
       </p:ext>
     </p:extLst>
   </p:cSld>
@@ -1134,10 +1095,49 @@
           <a:bodyPr/>
           <a:lstStyle/>
           <a:p>
-            <a:pPr marL="171450" indent="-171450">
+            <a:pPr marL="171450" marR="0" lvl="0" indent="-171450" algn="l" defTabSz="914400" rtl="0" eaLnBrk="1" fontAlgn="auto" latinLnBrk="0" hangingPunct="1">
+              <a:lnSpc>
+                <a:spcPct val="100000"/>
+              </a:lnSpc>
+              <a:spcBef>
+                <a:spcPts val="0"/>
+              </a:spcBef>
+              <a:spcAft>
+                <a:spcPts val="0"/>
+              </a:spcAft>
+              <a:buClrTx/>
+              <a:buSzTx/>
               <a:buFont typeface="Arial" panose="020B0604020202020204" pitchFamily="34" charset="0"/>
               <a:buChar char="•"/>
+              <a:tabLst/>
+              <a:defRPr/>
             </a:pPr>
+            <a:r>
+              <a:rPr lang="en-US" sz="1200" b="0" dirty="0"/>
+              <a:t>Demo my Coiled dashboard</a:t>
+            </a:r>
+          </a:p>
+          <a:p>
+            <a:pPr marL="171450" marR="0" lvl="0" indent="-171450" algn="l" defTabSz="914400" rtl="0" eaLnBrk="1" fontAlgn="auto" latinLnBrk="0" hangingPunct="1">
+              <a:lnSpc>
+                <a:spcPct val="100000"/>
+              </a:lnSpc>
+              <a:spcBef>
+                <a:spcPts val="0"/>
+              </a:spcBef>
+              <a:spcAft>
+                <a:spcPts val="0"/>
+              </a:spcAft>
+              <a:buClrTx/>
+              <a:buSzTx/>
+              <a:buFont typeface="Arial" panose="020B0604020202020204" pitchFamily="34" charset="0"/>
+              <a:buChar char="•"/>
+              <a:tabLst/>
+              <a:defRPr/>
+            </a:pPr>
+            <a:endParaRPr lang="en-US" sz="1200" b="0" dirty="0"/>
+          </a:p>
+          <a:p>
             <a:endParaRPr lang="en-US" dirty="0"/>
           </a:p>
         </p:txBody>
@@ -1168,7 +1168,7 @@
     </p:spTree>
     <p:extLst>
       <p:ext uri="{BB962C8B-B14F-4D97-AF65-F5344CB8AC3E}">
-        <p14:creationId xmlns:p14="http://schemas.microsoft.com/office/powerpoint/2010/main" val="2519119466"/>
+        <p14:creationId xmlns:p14="http://schemas.microsoft.com/office/powerpoint/2010/main" val="1594233958"/>
       </p:ext>
     </p:extLst>
   </p:cSld>
@@ -1226,6 +1226,94 @@
               <a:buFont typeface="Arial" panose="020B0604020202020204" pitchFamily="34" charset="0"/>
               <a:buChar char="•"/>
             </a:pPr>
+            <a:endParaRPr lang="en-US" dirty="0"/>
+          </a:p>
+        </p:txBody>
+      </p:sp>
+      <p:sp>
+        <p:nvSpPr>
+          <p:cNvPr id="4" name="Slide Number Placeholder 3"/>
+          <p:cNvSpPr>
+            <a:spLocks noGrp="1"/>
+          </p:cNvSpPr>
+          <p:nvPr>
+            <p:ph type="sldNum" sz="quarter" idx="5"/>
+          </p:nvPr>
+        </p:nvSpPr>
+        <p:spPr/>
+        <p:txBody>
+          <a:bodyPr/>
+          <a:lstStyle/>
+          <a:p>
+            <a:fld id="{9E44B825-9313-2040-A5EF-891CA2AE4290}" type="slidenum">
+              <a:rPr lang="en-US" smtClean="0"/>
+              <a:t>17</a:t>
+            </a:fld>
+            <a:endParaRPr lang="en-US"/>
+          </a:p>
+        </p:txBody>
+      </p:sp>
+    </p:spTree>
+    <p:extLst>
+      <p:ext uri="{BB962C8B-B14F-4D97-AF65-F5344CB8AC3E}">
+        <p14:creationId xmlns:p14="http://schemas.microsoft.com/office/powerpoint/2010/main" val="2519119466"/>
+      </p:ext>
+    </p:extLst>
+  </p:cSld>
+  <p:clrMapOvr>
+    <a:masterClrMapping/>
+  </p:clrMapOvr>
+</p:notes>
+</file>
+
+<file path=ppt/notesSlides/notesSlide17.xml><?xml version="1.0" encoding="utf-8"?>
+<p:notes xmlns:a="http://schemas.openxmlformats.org/drawingml/2006/main" xmlns:r="http://schemas.openxmlformats.org/officeDocument/2006/relationships" xmlns:p="http://schemas.openxmlformats.org/presentationml/2006/main">
+  <p:cSld>
+    <p:spTree>
+      <p:nvGrpSpPr>
+        <p:cNvPr id="1" name=""/>
+        <p:cNvGrpSpPr/>
+        <p:nvPr/>
+      </p:nvGrpSpPr>
+      <p:grpSpPr>
+        <a:xfrm>
+          <a:off x="0" y="0"/>
+          <a:ext cx="0" cy="0"/>
+          <a:chOff x="0" y="0"/>
+          <a:chExt cx="0" cy="0"/>
+        </a:xfrm>
+      </p:grpSpPr>
+      <p:sp>
+        <p:nvSpPr>
+          <p:cNvPr id="2" name="Slide Image Placeholder 1"/>
+          <p:cNvSpPr>
+            <a:spLocks noGrp="1" noRot="1" noChangeAspect="1"/>
+          </p:cNvSpPr>
+          <p:nvPr>
+            <p:ph type="sldImg"/>
+          </p:nvPr>
+        </p:nvSpPr>
+        <p:spPr/>
+      </p:sp>
+      <p:sp>
+        <p:nvSpPr>
+          <p:cNvPr id="3" name="Notes Placeholder 2"/>
+          <p:cNvSpPr>
+            <a:spLocks noGrp="1"/>
+          </p:cNvSpPr>
+          <p:nvPr>
+            <p:ph type="body" idx="1"/>
+          </p:nvPr>
+        </p:nvSpPr>
+        <p:spPr/>
+        <p:txBody>
+          <a:bodyPr/>
+          <a:lstStyle/>
+          <a:p>
+            <a:pPr marL="171450" indent="-171450">
+              <a:buFont typeface="Arial" panose="020B0604020202020204" pitchFamily="34" charset="0"/>
+              <a:buChar char="•"/>
+            </a:pPr>
             <a:r>
               <a:rPr lang="en-US" dirty="0"/>
               <a:t>Coiled notebooks (cloud version of a </a:t>
@@ -1392,7 +1480,7 @@
           <a:p>
             <a:fld id="{9E44B825-9313-2040-A5EF-891CA2AE4290}" type="slidenum">
               <a:rPr lang="en-US" smtClean="0"/>
-              <a:t>17</a:t>
+              <a:t>18</a:t>
             </a:fld>
             <a:endParaRPr lang="en-US"/>
           </a:p>
@@ -1402,137 +1490,6 @@
     <p:extLst>
       <p:ext uri="{BB962C8B-B14F-4D97-AF65-F5344CB8AC3E}">
         <p14:creationId xmlns:p14="http://schemas.microsoft.com/office/powerpoint/2010/main" val="1457484255"/>
-      </p:ext>
-    </p:extLst>
-  </p:cSld>
-  <p:clrMapOvr>
-    <a:masterClrMapping/>
-  </p:clrMapOvr>
-</p:notes>
-</file>
-
-<file path=ppt/notesSlides/notesSlide17.xml><?xml version="1.0" encoding="utf-8"?>
-<p:notes xmlns:a="http://schemas.openxmlformats.org/drawingml/2006/main" xmlns:r="http://schemas.openxmlformats.org/officeDocument/2006/relationships" xmlns:p="http://schemas.openxmlformats.org/presentationml/2006/main">
-  <p:cSld>
-    <p:spTree>
-      <p:nvGrpSpPr>
-        <p:cNvPr id="1" name="">
-          <a:extLst>
-            <a:ext uri="{FF2B5EF4-FFF2-40B4-BE49-F238E27FC236}">
-              <a16:creationId xmlns:a16="http://schemas.microsoft.com/office/drawing/2014/main" id="{8F4F2F2F-FB6E-E618-2CBE-BAB71421B5F6}"/>
-            </a:ext>
-          </a:extLst>
-        </p:cNvPr>
-        <p:cNvGrpSpPr/>
-        <p:nvPr/>
-      </p:nvGrpSpPr>
-      <p:grpSpPr>
-        <a:xfrm>
-          <a:off x="0" y="0"/>
-          <a:ext cx="0" cy="0"/>
-          <a:chOff x="0" y="0"/>
-          <a:chExt cx="0" cy="0"/>
-        </a:xfrm>
-      </p:grpSpPr>
-      <p:sp>
-        <p:nvSpPr>
-          <p:cNvPr id="2" name="Slide Image Placeholder 1">
-            <a:extLst>
-              <a:ext uri="{FF2B5EF4-FFF2-40B4-BE49-F238E27FC236}">
-                <a16:creationId xmlns:a16="http://schemas.microsoft.com/office/drawing/2014/main" id="{F5783D99-3DE9-6080-5B1F-CAC2FE74BE99}"/>
-              </a:ext>
-            </a:extLst>
-          </p:cNvPr>
-          <p:cNvSpPr>
-            <a:spLocks noGrp="1" noRot="1" noChangeAspect="1"/>
-          </p:cNvSpPr>
-          <p:nvPr>
-            <p:ph type="sldImg"/>
-          </p:nvPr>
-        </p:nvSpPr>
-        <p:spPr/>
-      </p:sp>
-      <p:sp>
-        <p:nvSpPr>
-          <p:cNvPr id="3" name="Notes Placeholder 2">
-            <a:extLst>
-              <a:ext uri="{FF2B5EF4-FFF2-40B4-BE49-F238E27FC236}">
-                <a16:creationId xmlns:a16="http://schemas.microsoft.com/office/drawing/2014/main" id="{2DB19585-C88A-14C6-1FEE-629F72556E56}"/>
-              </a:ext>
-            </a:extLst>
-          </p:cNvPr>
-          <p:cNvSpPr>
-            <a:spLocks noGrp="1"/>
-          </p:cNvSpPr>
-          <p:nvPr>
-            <p:ph type="body" idx="1"/>
-          </p:nvPr>
-        </p:nvSpPr>
-        <p:spPr/>
-        <p:txBody>
-          <a:bodyPr/>
-          <a:lstStyle/>
-          <a:p>
-            <a:r>
-              <a:rPr lang="en-US" b="1" dirty="0"/>
-              <a:t>Coiled Functions</a:t>
-            </a:r>
-          </a:p>
-          <a:p>
-            <a:pPr marL="171450" indent="-171450">
-              <a:buFont typeface="Arial" panose="020B0604020202020204" pitchFamily="34" charset="0"/>
-              <a:buChar char="•"/>
-            </a:pPr>
-            <a:r>
-              <a:rPr lang="en-US" b="0" dirty="0"/>
-              <a:t>Call a Coiled function from the notebook as additional resources are needed.</a:t>
-            </a:r>
-          </a:p>
-          <a:p>
-            <a:pPr marL="171450" indent="-171450">
-              <a:buFont typeface="Arial" panose="020B0604020202020204" pitchFamily="34" charset="0"/>
-              <a:buChar char="•"/>
-            </a:pPr>
-            <a:r>
-              <a:rPr lang="en-US" b="0" dirty="0"/>
-              <a:t>Alternately, the output from a Coiled function can be written to an S3 bucket.</a:t>
-            </a:r>
-          </a:p>
-        </p:txBody>
-      </p:sp>
-      <p:sp>
-        <p:nvSpPr>
-          <p:cNvPr id="4" name="Slide Number Placeholder 3">
-            <a:extLst>
-              <a:ext uri="{FF2B5EF4-FFF2-40B4-BE49-F238E27FC236}">
-                <a16:creationId xmlns:a16="http://schemas.microsoft.com/office/drawing/2014/main" id="{DBB11F0F-652F-1788-0EB9-6CAA36976194}"/>
-              </a:ext>
-            </a:extLst>
-          </p:cNvPr>
-          <p:cNvSpPr>
-            <a:spLocks noGrp="1"/>
-          </p:cNvSpPr>
-          <p:nvPr>
-            <p:ph type="sldNum" sz="quarter" idx="5"/>
-          </p:nvPr>
-        </p:nvSpPr>
-        <p:spPr/>
-        <p:txBody>
-          <a:bodyPr/>
-          <a:lstStyle/>
-          <a:p>
-            <a:fld id="{9E44B825-9313-2040-A5EF-891CA2AE4290}" type="slidenum">
-              <a:rPr lang="en-US" smtClean="0"/>
-              <a:t>18</a:t>
-            </a:fld>
-            <a:endParaRPr lang="en-US"/>
-          </a:p>
-        </p:txBody>
-      </p:sp>
-    </p:spTree>
-    <p:extLst>
-      <p:ext uri="{BB962C8B-B14F-4D97-AF65-F5344CB8AC3E}">
-        <p14:creationId xmlns:p14="http://schemas.microsoft.com/office/powerpoint/2010/main" val="3040982235"/>
       </p:ext>
     </p:extLst>
   </p:cSld>
@@ -1663,7 +1620,7 @@
     </p:spTree>
     <p:extLst>
       <p:ext uri="{BB962C8B-B14F-4D97-AF65-F5344CB8AC3E}">
-        <p14:creationId xmlns:p14="http://schemas.microsoft.com/office/powerpoint/2010/main" val="2648829993"/>
+        <p14:creationId xmlns:p14="http://schemas.microsoft.com/office/powerpoint/2010/main" val="3040982235"/>
       </p:ext>
     </p:extLst>
   </p:cSld>
@@ -1794,7 +1751,7 @@
     </p:spTree>
     <p:extLst>
       <p:ext uri="{BB962C8B-B14F-4D97-AF65-F5344CB8AC3E}">
-        <p14:creationId xmlns:p14="http://schemas.microsoft.com/office/powerpoint/2010/main" val="1216176996"/>
+        <p14:creationId xmlns:p14="http://schemas.microsoft.com/office/powerpoint/2010/main" val="2648829993"/>
       </p:ext>
     </p:extLst>
   </p:cSld>
@@ -2013,7 +1970,7 @@
     </p:spTree>
     <p:extLst>
       <p:ext uri="{BB962C8B-B14F-4D97-AF65-F5344CB8AC3E}">
-        <p14:creationId xmlns:p14="http://schemas.microsoft.com/office/powerpoint/2010/main" val="463377528"/>
+        <p14:creationId xmlns:p14="http://schemas.microsoft.com/office/powerpoint/2010/main" val="1216176996"/>
       </p:ext>
     </p:extLst>
   </p:cSld>
@@ -2028,7 +1985,13 @@
   <p:cSld>
     <p:spTree>
       <p:nvGrpSpPr>
-        <p:cNvPr id="1" name=""/>
+        <p:cNvPr id="1" name="">
+          <a:extLst>
+            <a:ext uri="{FF2B5EF4-FFF2-40B4-BE49-F238E27FC236}">
+              <a16:creationId xmlns:a16="http://schemas.microsoft.com/office/drawing/2014/main" id="{8F4F2F2F-FB6E-E618-2CBE-BAB71421B5F6}"/>
+            </a:ext>
+          </a:extLst>
+        </p:cNvPr>
         <p:cNvGrpSpPr/>
         <p:nvPr/>
       </p:nvGrpSpPr>
@@ -2042,7 +2005,13 @@
       </p:grpSpPr>
       <p:sp>
         <p:nvSpPr>
-          <p:cNvPr id="2" name="Slide Image Placeholder 1"/>
+          <p:cNvPr id="2" name="Slide Image Placeholder 1">
+            <a:extLst>
+              <a:ext uri="{FF2B5EF4-FFF2-40B4-BE49-F238E27FC236}">
+                <a16:creationId xmlns:a16="http://schemas.microsoft.com/office/drawing/2014/main" id="{F5783D99-3DE9-6080-5B1F-CAC2FE74BE99}"/>
+              </a:ext>
+            </a:extLst>
+          </p:cNvPr>
           <p:cNvSpPr>
             <a:spLocks noGrp="1" noRot="1" noChangeAspect="1"/>
           </p:cNvSpPr>
@@ -2054,7 +2023,13 @@
       </p:sp>
       <p:sp>
         <p:nvSpPr>
-          <p:cNvPr id="3" name="Notes Placeholder 2"/>
+          <p:cNvPr id="3" name="Notes Placeholder 2">
+            <a:extLst>
+              <a:ext uri="{FF2B5EF4-FFF2-40B4-BE49-F238E27FC236}">
+                <a16:creationId xmlns:a16="http://schemas.microsoft.com/office/drawing/2014/main" id="{2DB19585-C88A-14C6-1FEE-629F72556E56}"/>
+              </a:ext>
+            </a:extLst>
+          </p:cNvPr>
           <p:cNvSpPr>
             <a:spLocks noGrp="1"/>
           </p:cNvSpPr>
@@ -2067,59 +2042,42 @@
           <a:bodyPr/>
           <a:lstStyle/>
           <a:p>
-            <a:pPr marL="171450" marR="0" lvl="0" indent="-171450" algn="l" defTabSz="914400" rtl="0" eaLnBrk="1" fontAlgn="auto" latinLnBrk="0" hangingPunct="1">
-              <a:lnSpc>
-                <a:spcPct val="100000"/>
-              </a:lnSpc>
-              <a:spcBef>
-                <a:spcPts val="0"/>
-              </a:spcBef>
-              <a:spcAft>
-                <a:spcPts val="0"/>
-              </a:spcAft>
-              <a:buClrTx/>
-              <a:buSzTx/>
+            <a:r>
+              <a:rPr lang="en-US" b="1" dirty="0"/>
+              <a:t>Coiled Functions</a:t>
+            </a:r>
+          </a:p>
+          <a:p>
+            <a:pPr marL="171450" indent="-171450">
               <a:buFont typeface="Arial" panose="020B0604020202020204" pitchFamily="34" charset="0"/>
               <a:buChar char="•"/>
-              <a:tabLst/>
-              <a:defRPr/>
             </a:pPr>
             <a:r>
-              <a:rPr lang="en-US" dirty="0"/>
-              <a:t>Show the empty results folder before it gets populated</a:t>
-            </a:r>
-          </a:p>
-          <a:p>
-            <a:pPr marL="171450" marR="0" lvl="0" indent="-171450" algn="l" defTabSz="914400" rtl="0" eaLnBrk="1" fontAlgn="auto" latinLnBrk="0" hangingPunct="1">
-              <a:lnSpc>
-                <a:spcPct val="100000"/>
-              </a:lnSpc>
-              <a:spcBef>
-                <a:spcPts val="0"/>
-              </a:spcBef>
-              <a:spcAft>
-                <a:spcPts val="0"/>
-              </a:spcAft>
-              <a:buClrTx/>
-              <a:buSzTx/>
+              <a:rPr lang="en-US" b="0" dirty="0"/>
+              <a:t>Call a Coiled function from the notebook as additional resources are needed.</a:t>
+            </a:r>
+          </a:p>
+          <a:p>
+            <a:pPr marL="171450" indent="-171450">
               <a:buFont typeface="Arial" panose="020B0604020202020204" pitchFamily="34" charset="0"/>
               <a:buChar char="•"/>
-              <a:tabLst/>
-              <a:defRPr/>
             </a:pPr>
             <a:r>
-              <a:rPr lang="en-US" dirty="0"/>
-              <a:t>Show Coiled dashboard before it finishes.</a:t>
-            </a:r>
-          </a:p>
-          <a:p>
-            <a:endParaRPr lang="en-US" dirty="0"/>
+              <a:rPr lang="en-US" b="0" dirty="0"/>
+              <a:t>Alternately, the output from a Coiled function can be written to an S3 bucket.</a:t>
+            </a:r>
           </a:p>
         </p:txBody>
       </p:sp>
       <p:sp>
         <p:nvSpPr>
-          <p:cNvPr id="4" name="Slide Number Placeholder 3"/>
+          <p:cNvPr id="4" name="Slide Number Placeholder 3">
+            <a:extLst>
+              <a:ext uri="{FF2B5EF4-FFF2-40B4-BE49-F238E27FC236}">
+                <a16:creationId xmlns:a16="http://schemas.microsoft.com/office/drawing/2014/main" id="{DBB11F0F-652F-1788-0EB9-6CAA36976194}"/>
+              </a:ext>
+            </a:extLst>
+          </p:cNvPr>
           <p:cNvSpPr>
             <a:spLocks noGrp="1"/>
           </p:cNvSpPr>
@@ -2143,7 +2101,7 @@
     </p:spTree>
     <p:extLst>
       <p:ext uri="{BB962C8B-B14F-4D97-AF65-F5344CB8AC3E}">
-        <p14:creationId xmlns:p14="http://schemas.microsoft.com/office/powerpoint/2010/main" val="911103698"/>
+        <p14:creationId xmlns:p14="http://schemas.microsoft.com/office/powerpoint/2010/main" val="463377528"/>
       </p:ext>
     </p:extLst>
   </p:cSld>
@@ -2215,8 +2173,31 @@
               <a:defRPr/>
             </a:pPr>
             <a:r>
-              <a:rPr lang="en-US" sz="1200" dirty="0"/>
-              <a:t>From my estimations, would still cost $20 for a single EC2 instance in the cloud, since it needs to be running for the whole month anyway.</a:t>
+              <a:rPr lang="en-US" dirty="0"/>
+              <a:t>Show the empty results folder before it gets populated</a:t>
+            </a:r>
+          </a:p>
+          <a:p>
+            <a:pPr marL="171450" marR="0" lvl="0" indent="-171450" algn="l" defTabSz="914400" rtl="0" eaLnBrk="1" fontAlgn="auto" latinLnBrk="0" hangingPunct="1">
+              <a:lnSpc>
+                <a:spcPct val="100000"/>
+              </a:lnSpc>
+              <a:spcBef>
+                <a:spcPts val="0"/>
+              </a:spcBef>
+              <a:spcAft>
+                <a:spcPts val="0"/>
+              </a:spcAft>
+              <a:buClrTx/>
+              <a:buSzTx/>
+              <a:buFont typeface="Arial" panose="020B0604020202020204" pitchFamily="34" charset="0"/>
+              <a:buChar char="•"/>
+              <a:tabLst/>
+              <a:defRPr/>
+            </a:pPr>
+            <a:r>
+              <a:rPr lang="en-US" dirty="0"/>
+              <a:t>Show Coiled dashboard before it finishes.</a:t>
             </a:r>
           </a:p>
           <a:p>
@@ -2250,7 +2231,7 @@
     </p:spTree>
     <p:extLst>
       <p:ext uri="{BB962C8B-B14F-4D97-AF65-F5344CB8AC3E}">
-        <p14:creationId xmlns:p14="http://schemas.microsoft.com/office/powerpoint/2010/main" val="1273437740"/>
+        <p14:creationId xmlns:p14="http://schemas.microsoft.com/office/powerpoint/2010/main" val="911103698"/>
       </p:ext>
     </p:extLst>
   </p:cSld>
@@ -2304,6 +2285,29 @@
           <a:bodyPr/>
           <a:lstStyle/>
           <a:p>
+            <a:pPr marL="171450" marR="0" lvl="0" indent="-171450" algn="l" defTabSz="914400" rtl="0" eaLnBrk="1" fontAlgn="auto" latinLnBrk="0" hangingPunct="1">
+              <a:lnSpc>
+                <a:spcPct val="100000"/>
+              </a:lnSpc>
+              <a:spcBef>
+                <a:spcPts val="0"/>
+              </a:spcBef>
+              <a:spcAft>
+                <a:spcPts val="0"/>
+              </a:spcAft>
+              <a:buClrTx/>
+              <a:buSzTx/>
+              <a:buFont typeface="Arial" panose="020B0604020202020204" pitchFamily="34" charset="0"/>
+              <a:buChar char="•"/>
+              <a:tabLst/>
+              <a:defRPr/>
+            </a:pPr>
+            <a:r>
+              <a:rPr lang="en-US" sz="1200" dirty="0"/>
+              <a:t>From my estimations, would still cost $20 for a single EC2 instance in the cloud, since it needs to be running for the whole month anyway.</a:t>
+            </a:r>
+          </a:p>
+          <a:p>
             <a:endParaRPr lang="en-US" dirty="0"/>
           </a:p>
         </p:txBody>
@@ -2334,7 +2338,7 @@
     </p:spTree>
     <p:extLst>
       <p:ext uri="{BB962C8B-B14F-4D97-AF65-F5344CB8AC3E}">
-        <p14:creationId xmlns:p14="http://schemas.microsoft.com/office/powerpoint/2010/main" val="2038104357"/>
+        <p14:creationId xmlns:p14="http://schemas.microsoft.com/office/powerpoint/2010/main" val="1273437740"/>
       </p:ext>
     </p:extLst>
   </p:cSld>
@@ -2388,52 +2392,6 @@
           <a:bodyPr/>
           <a:lstStyle/>
           <a:p>
-            <a:pPr marL="171450" marR="0" lvl="0" indent="-171450" algn="l" defTabSz="914400" rtl="0" eaLnBrk="1" fontAlgn="auto" latinLnBrk="0" hangingPunct="1">
-              <a:lnSpc>
-                <a:spcPct val="100000"/>
-              </a:lnSpc>
-              <a:spcBef>
-                <a:spcPts val="0"/>
-              </a:spcBef>
-              <a:spcAft>
-                <a:spcPts val="0"/>
-              </a:spcAft>
-              <a:buClrTx/>
-              <a:buSzTx/>
-              <a:buFont typeface="Arial" panose="020B0604020202020204" pitchFamily="34" charset="0"/>
-              <a:buChar char="•"/>
-              <a:tabLst/>
-              <a:defRPr/>
-            </a:pPr>
-            <a:r>
-              <a:rPr lang="en-US" sz="1200" dirty="0"/>
-              <a:t>Easy to make sure each worker has enough memory. This was sometimes a challenge for me when using a local cluster with Dask - Python did not seem good at memory management for local clusters? (need more investigation).</a:t>
-            </a:r>
-          </a:p>
-          <a:p>
-            <a:pPr marL="171450" marR="0" lvl="0" indent="-171450" algn="l" defTabSz="914400" rtl="0" eaLnBrk="1" fontAlgn="auto" latinLnBrk="0" hangingPunct="1">
-              <a:lnSpc>
-                <a:spcPct val="100000"/>
-              </a:lnSpc>
-              <a:spcBef>
-                <a:spcPts val="0"/>
-              </a:spcBef>
-              <a:spcAft>
-                <a:spcPts val="0"/>
-              </a:spcAft>
-              <a:buClrTx/>
-              <a:buSzTx/>
-              <a:buFont typeface="Arial" panose="020B0604020202020204" pitchFamily="34" charset="0"/>
-              <a:buChar char="•"/>
-              <a:tabLst/>
-              <a:defRPr/>
-            </a:pPr>
-            <a:r>
-              <a:rPr lang="en-US" sz="1200" dirty="0"/>
-              <a:t>Estimate that with more I could make the code ~30 % more efficient?</a:t>
-            </a:r>
-          </a:p>
-          <a:p>
             <a:endParaRPr lang="en-US" dirty="0"/>
           </a:p>
         </p:txBody>
@@ -2464,7 +2422,7 @@
     </p:spTree>
     <p:extLst>
       <p:ext uri="{BB962C8B-B14F-4D97-AF65-F5344CB8AC3E}">
-        <p14:creationId xmlns:p14="http://schemas.microsoft.com/office/powerpoint/2010/main" val="3066349935"/>
+        <p14:creationId xmlns:p14="http://schemas.microsoft.com/office/powerpoint/2010/main" val="2038104357"/>
       </p:ext>
     </p:extLst>
   </p:cSld>
@@ -2475,369 +2433,6 @@
 </file>
 
 <file path=ppt/notesSlides/notesSlide25.xml><?xml version="1.0" encoding="utf-8"?>
-<p:notes xmlns:a="http://schemas.openxmlformats.org/drawingml/2006/main" xmlns:r="http://schemas.openxmlformats.org/officeDocument/2006/relationships" xmlns:p="http://schemas.openxmlformats.org/presentationml/2006/main">
-  <p:cSld>
-    <p:spTree>
-      <p:nvGrpSpPr>
-        <p:cNvPr id="1" name="">
-          <a:extLst>
-            <a:ext uri="{FF2B5EF4-FFF2-40B4-BE49-F238E27FC236}">
-              <a16:creationId xmlns:a16="http://schemas.microsoft.com/office/drawing/2014/main" id="{D4839049-E0E9-A002-3109-3D92ADF79226}"/>
-            </a:ext>
-          </a:extLst>
-        </p:cNvPr>
-        <p:cNvGrpSpPr/>
-        <p:nvPr/>
-      </p:nvGrpSpPr>
-      <p:grpSpPr>
-        <a:xfrm>
-          <a:off x="0" y="0"/>
-          <a:ext cx="0" cy="0"/>
-          <a:chOff x="0" y="0"/>
-          <a:chExt cx="0" cy="0"/>
-        </a:xfrm>
-      </p:grpSpPr>
-      <p:sp>
-        <p:nvSpPr>
-          <p:cNvPr id="2" name="Slide Image Placeholder 1">
-            <a:extLst>
-              <a:ext uri="{FF2B5EF4-FFF2-40B4-BE49-F238E27FC236}">
-                <a16:creationId xmlns:a16="http://schemas.microsoft.com/office/drawing/2014/main" id="{A846D86F-8B70-9505-367A-85B7BB39F05F}"/>
-              </a:ext>
-            </a:extLst>
-          </p:cNvPr>
-          <p:cNvSpPr>
-            <a:spLocks noGrp="1" noRot="1" noChangeAspect="1"/>
-          </p:cNvSpPr>
-          <p:nvPr>
-            <p:ph type="sldImg"/>
-          </p:nvPr>
-        </p:nvSpPr>
-        <p:spPr/>
-      </p:sp>
-      <p:sp>
-        <p:nvSpPr>
-          <p:cNvPr id="3" name="Notes Placeholder 2">
-            <a:extLst>
-              <a:ext uri="{FF2B5EF4-FFF2-40B4-BE49-F238E27FC236}">
-                <a16:creationId xmlns:a16="http://schemas.microsoft.com/office/drawing/2014/main" id="{16EB78E3-938E-8B94-0F62-483821FEC529}"/>
-              </a:ext>
-            </a:extLst>
-          </p:cNvPr>
-          <p:cNvSpPr>
-            <a:spLocks noGrp="1"/>
-          </p:cNvSpPr>
-          <p:nvPr>
-            <p:ph type="body" idx="1"/>
-          </p:nvPr>
-        </p:nvSpPr>
-        <p:spPr/>
-        <p:txBody>
-          <a:bodyPr/>
-          <a:lstStyle/>
-          <a:p>
-            <a:r>
-              <a:rPr lang="en-US" b="1" dirty="0"/>
-              <a:t>Coiled Cluster</a:t>
-            </a:r>
-          </a:p>
-          <a:p>
-            <a:pPr marL="171450" indent="-171450">
-              <a:buFont typeface="Arial" panose="020B0604020202020204" pitchFamily="34" charset="0"/>
-              <a:buChar char="•"/>
-            </a:pPr>
-            <a:r>
-              <a:rPr lang="en-US" b="0" dirty="0"/>
-              <a:t>Dask cluster, so will work with Xarray built-in functions, or NumPy/Dask built-in functions.</a:t>
-            </a:r>
-          </a:p>
-        </p:txBody>
-      </p:sp>
-      <p:sp>
-        <p:nvSpPr>
-          <p:cNvPr id="4" name="Slide Number Placeholder 3">
-            <a:extLst>
-              <a:ext uri="{FF2B5EF4-FFF2-40B4-BE49-F238E27FC236}">
-                <a16:creationId xmlns:a16="http://schemas.microsoft.com/office/drawing/2014/main" id="{73CBB7A9-2091-EA85-1E7B-C0925B38004C}"/>
-              </a:ext>
-            </a:extLst>
-          </p:cNvPr>
-          <p:cNvSpPr>
-            <a:spLocks noGrp="1"/>
-          </p:cNvSpPr>
-          <p:nvPr>
-            <p:ph type="sldNum" sz="quarter" idx="5"/>
-          </p:nvPr>
-        </p:nvSpPr>
-        <p:spPr/>
-        <p:txBody>
-          <a:bodyPr/>
-          <a:lstStyle/>
-          <a:p>
-            <a:fld id="{9E44B825-9313-2040-A5EF-891CA2AE4290}" type="slidenum">
-              <a:rPr lang="en-US" smtClean="0"/>
-              <a:t>26</a:t>
-            </a:fld>
-            <a:endParaRPr lang="en-US"/>
-          </a:p>
-        </p:txBody>
-      </p:sp>
-    </p:spTree>
-    <p:extLst>
-      <p:ext uri="{BB962C8B-B14F-4D97-AF65-F5344CB8AC3E}">
-        <p14:creationId xmlns:p14="http://schemas.microsoft.com/office/powerpoint/2010/main" val="2479467762"/>
-      </p:ext>
-    </p:extLst>
-  </p:cSld>
-  <p:clrMapOvr>
-    <a:masterClrMapping/>
-  </p:clrMapOvr>
-</p:notes>
-</file>
-
-<file path=ppt/notesSlides/notesSlide26.xml><?xml version="1.0" encoding="utf-8"?>
-<p:notes xmlns:a="http://schemas.openxmlformats.org/drawingml/2006/main" xmlns:r="http://schemas.openxmlformats.org/officeDocument/2006/relationships" xmlns:p="http://schemas.openxmlformats.org/presentationml/2006/main">
-  <p:cSld>
-    <p:spTree>
-      <p:nvGrpSpPr>
-        <p:cNvPr id="1" name="">
-          <a:extLst>
-            <a:ext uri="{FF2B5EF4-FFF2-40B4-BE49-F238E27FC236}">
-              <a16:creationId xmlns:a16="http://schemas.microsoft.com/office/drawing/2014/main" id="{D4839049-E0E9-A002-3109-3D92ADF79226}"/>
-            </a:ext>
-          </a:extLst>
-        </p:cNvPr>
-        <p:cNvGrpSpPr/>
-        <p:nvPr/>
-      </p:nvGrpSpPr>
-      <p:grpSpPr>
-        <a:xfrm>
-          <a:off x="0" y="0"/>
-          <a:ext cx="0" cy="0"/>
-          <a:chOff x="0" y="0"/>
-          <a:chExt cx="0" cy="0"/>
-        </a:xfrm>
-      </p:grpSpPr>
-      <p:sp>
-        <p:nvSpPr>
-          <p:cNvPr id="2" name="Slide Image Placeholder 1">
-            <a:extLst>
-              <a:ext uri="{FF2B5EF4-FFF2-40B4-BE49-F238E27FC236}">
-                <a16:creationId xmlns:a16="http://schemas.microsoft.com/office/drawing/2014/main" id="{A846D86F-8B70-9505-367A-85B7BB39F05F}"/>
-              </a:ext>
-            </a:extLst>
-          </p:cNvPr>
-          <p:cNvSpPr>
-            <a:spLocks noGrp="1" noRot="1" noChangeAspect="1"/>
-          </p:cNvSpPr>
-          <p:nvPr>
-            <p:ph type="sldImg"/>
-          </p:nvPr>
-        </p:nvSpPr>
-        <p:spPr/>
-      </p:sp>
-      <p:sp>
-        <p:nvSpPr>
-          <p:cNvPr id="3" name="Notes Placeholder 2">
-            <a:extLst>
-              <a:ext uri="{FF2B5EF4-FFF2-40B4-BE49-F238E27FC236}">
-                <a16:creationId xmlns:a16="http://schemas.microsoft.com/office/drawing/2014/main" id="{16EB78E3-938E-8B94-0F62-483821FEC529}"/>
-              </a:ext>
-            </a:extLst>
-          </p:cNvPr>
-          <p:cNvSpPr>
-            <a:spLocks noGrp="1"/>
-          </p:cNvSpPr>
-          <p:nvPr>
-            <p:ph type="body" idx="1"/>
-          </p:nvPr>
-        </p:nvSpPr>
-        <p:spPr/>
-        <p:txBody>
-          <a:bodyPr/>
-          <a:lstStyle/>
-          <a:p>
-            <a:r>
-              <a:rPr lang="en-US" b="1" dirty="0"/>
-              <a:t>Coiled Cluster</a:t>
-            </a:r>
-          </a:p>
-          <a:p>
-            <a:pPr marL="171450" indent="-171450">
-              <a:buFont typeface="Arial" panose="020B0604020202020204" pitchFamily="34" charset="0"/>
-              <a:buChar char="•"/>
-            </a:pPr>
-            <a:r>
-              <a:rPr lang="en-US" b="0" dirty="0"/>
-              <a:t>Dask cluster, so will work with Xarray built-in functions, or NumPy/Dask built-in functions.</a:t>
-            </a:r>
-          </a:p>
-        </p:txBody>
-      </p:sp>
-      <p:sp>
-        <p:nvSpPr>
-          <p:cNvPr id="4" name="Slide Number Placeholder 3">
-            <a:extLst>
-              <a:ext uri="{FF2B5EF4-FFF2-40B4-BE49-F238E27FC236}">
-                <a16:creationId xmlns:a16="http://schemas.microsoft.com/office/drawing/2014/main" id="{73CBB7A9-2091-EA85-1E7B-C0925B38004C}"/>
-              </a:ext>
-            </a:extLst>
-          </p:cNvPr>
-          <p:cNvSpPr>
-            <a:spLocks noGrp="1"/>
-          </p:cNvSpPr>
-          <p:nvPr>
-            <p:ph type="sldNum" sz="quarter" idx="5"/>
-          </p:nvPr>
-        </p:nvSpPr>
-        <p:spPr/>
-        <p:txBody>
-          <a:bodyPr/>
-          <a:lstStyle/>
-          <a:p>
-            <a:fld id="{9E44B825-9313-2040-A5EF-891CA2AE4290}" type="slidenum">
-              <a:rPr lang="en-US" smtClean="0"/>
-              <a:t>27</a:t>
-            </a:fld>
-            <a:endParaRPr lang="en-US"/>
-          </a:p>
-        </p:txBody>
-      </p:sp>
-    </p:spTree>
-    <p:extLst>
-      <p:ext uri="{BB962C8B-B14F-4D97-AF65-F5344CB8AC3E}">
-        <p14:creationId xmlns:p14="http://schemas.microsoft.com/office/powerpoint/2010/main" val="614954732"/>
-      </p:ext>
-    </p:extLst>
-  </p:cSld>
-  <p:clrMapOvr>
-    <a:masterClrMapping/>
-  </p:clrMapOvr>
-</p:notes>
-</file>
-
-<file path=ppt/notesSlides/notesSlide27.xml><?xml version="1.0" encoding="utf-8"?>
-<p:notes xmlns:a="http://schemas.openxmlformats.org/drawingml/2006/main" xmlns:r="http://schemas.openxmlformats.org/officeDocument/2006/relationships" xmlns:p="http://schemas.openxmlformats.org/presentationml/2006/main">
-  <p:cSld>
-    <p:spTree>
-      <p:nvGrpSpPr>
-        <p:cNvPr id="1" name="">
-          <a:extLst>
-            <a:ext uri="{FF2B5EF4-FFF2-40B4-BE49-F238E27FC236}">
-              <a16:creationId xmlns:a16="http://schemas.microsoft.com/office/drawing/2014/main" id="{D4839049-E0E9-A002-3109-3D92ADF79226}"/>
-            </a:ext>
-          </a:extLst>
-        </p:cNvPr>
-        <p:cNvGrpSpPr/>
-        <p:nvPr/>
-      </p:nvGrpSpPr>
-      <p:grpSpPr>
-        <a:xfrm>
-          <a:off x="0" y="0"/>
-          <a:ext cx="0" cy="0"/>
-          <a:chOff x="0" y="0"/>
-          <a:chExt cx="0" cy="0"/>
-        </a:xfrm>
-      </p:grpSpPr>
-      <p:sp>
-        <p:nvSpPr>
-          <p:cNvPr id="2" name="Slide Image Placeholder 1">
-            <a:extLst>
-              <a:ext uri="{FF2B5EF4-FFF2-40B4-BE49-F238E27FC236}">
-                <a16:creationId xmlns:a16="http://schemas.microsoft.com/office/drawing/2014/main" id="{A846D86F-8B70-9505-367A-85B7BB39F05F}"/>
-              </a:ext>
-            </a:extLst>
-          </p:cNvPr>
-          <p:cNvSpPr>
-            <a:spLocks noGrp="1" noRot="1" noChangeAspect="1"/>
-          </p:cNvSpPr>
-          <p:nvPr>
-            <p:ph type="sldImg"/>
-          </p:nvPr>
-        </p:nvSpPr>
-        <p:spPr/>
-      </p:sp>
-      <p:sp>
-        <p:nvSpPr>
-          <p:cNvPr id="3" name="Notes Placeholder 2">
-            <a:extLst>
-              <a:ext uri="{FF2B5EF4-FFF2-40B4-BE49-F238E27FC236}">
-                <a16:creationId xmlns:a16="http://schemas.microsoft.com/office/drawing/2014/main" id="{16EB78E3-938E-8B94-0F62-483821FEC529}"/>
-              </a:ext>
-            </a:extLst>
-          </p:cNvPr>
-          <p:cNvSpPr>
-            <a:spLocks noGrp="1"/>
-          </p:cNvSpPr>
-          <p:nvPr>
-            <p:ph type="body" idx="1"/>
-          </p:nvPr>
-        </p:nvSpPr>
-        <p:spPr/>
-        <p:txBody>
-          <a:bodyPr/>
-          <a:lstStyle/>
-          <a:p>
-            <a:r>
-              <a:rPr lang="en-US" b="1" dirty="0"/>
-              <a:t>Coiled Cluster</a:t>
-            </a:r>
-          </a:p>
-          <a:p>
-            <a:pPr marL="171450" indent="-171450">
-              <a:buFont typeface="Arial" panose="020B0604020202020204" pitchFamily="34" charset="0"/>
-              <a:buChar char="•"/>
-            </a:pPr>
-            <a:r>
-              <a:rPr lang="en-US" b="0" dirty="0"/>
-              <a:t>Dask cluster, so will work with Xarray built-in functions, or NumPy/Dask built-in functions.</a:t>
-            </a:r>
-          </a:p>
-        </p:txBody>
-      </p:sp>
-      <p:sp>
-        <p:nvSpPr>
-          <p:cNvPr id="4" name="Slide Number Placeholder 3">
-            <a:extLst>
-              <a:ext uri="{FF2B5EF4-FFF2-40B4-BE49-F238E27FC236}">
-                <a16:creationId xmlns:a16="http://schemas.microsoft.com/office/drawing/2014/main" id="{73CBB7A9-2091-EA85-1E7B-C0925B38004C}"/>
-              </a:ext>
-            </a:extLst>
-          </p:cNvPr>
-          <p:cNvSpPr>
-            <a:spLocks noGrp="1"/>
-          </p:cNvSpPr>
-          <p:nvPr>
-            <p:ph type="sldNum" sz="quarter" idx="5"/>
-          </p:nvPr>
-        </p:nvSpPr>
-        <p:spPr/>
-        <p:txBody>
-          <a:bodyPr/>
-          <a:lstStyle/>
-          <a:p>
-            <a:fld id="{9E44B825-9313-2040-A5EF-891CA2AE4290}" type="slidenum">
-              <a:rPr lang="en-US" smtClean="0"/>
-              <a:t>28</a:t>
-            </a:fld>
-            <a:endParaRPr lang="en-US"/>
-          </a:p>
-        </p:txBody>
-      </p:sp>
-    </p:spTree>
-    <p:extLst>
-      <p:ext uri="{BB962C8B-B14F-4D97-AF65-F5344CB8AC3E}">
-        <p14:creationId xmlns:p14="http://schemas.microsoft.com/office/powerpoint/2010/main" val="2759679171"/>
-      </p:ext>
-    </p:extLst>
-  </p:cSld>
-  <p:clrMapOvr>
-    <a:masterClrMapping/>
-  </p:clrMapOvr>
-</p:notes>
-</file>
-
-<file path=ppt/notesSlides/notesSlide28.xml><?xml version="1.0" encoding="utf-8"?>
 <p:notes xmlns:a="http://schemas.openxmlformats.org/drawingml/2006/main" xmlns:r="http://schemas.openxmlformats.org/officeDocument/2006/relationships" xmlns:p="http://schemas.openxmlformats.org/presentationml/2006/main">
   <p:cSld>
     <p:spTree>
@@ -2899,8 +2494,8 @@
               <a:defRPr/>
             </a:pPr>
             <a:r>
-              <a:rPr lang="en-US" dirty="0"/>
-              <a:t>These are preprocessing steps for an EOF analysis, which we look to complete later this year.</a:t>
+              <a:rPr lang="en-US" sz="1200" dirty="0"/>
+              <a:t>Easy to make sure each worker has enough memory. This was sometimes a challenge for me when using a local cluster with Dask - Python did not seem good at memory management for local clusters? (need more investigation).</a:t>
             </a:r>
           </a:p>
           <a:p>
@@ -2922,8 +2517,8 @@
               <a:defRPr/>
             </a:pPr>
             <a:r>
-              <a:rPr lang="en-US" dirty="0"/>
-              <a:t>Don’t forget to open Coiled Dashboard.</a:t>
+              <a:rPr lang="en-US" sz="1200" dirty="0"/>
+              <a:t>Estimate that with more I could make the code ~30 % more efficient?</a:t>
             </a:r>
           </a:p>
           <a:p>
@@ -2948,7 +2543,7 @@
           <a:p>
             <a:fld id="{9E44B825-9313-2040-A5EF-891CA2AE4290}" type="slidenum">
               <a:rPr lang="en-US" smtClean="0"/>
-              <a:t>29</a:t>
+              <a:t>26</a:t>
             </a:fld>
             <a:endParaRPr lang="en-US"/>
           </a:p>
@@ -2957,7 +2552,7 @@
     </p:spTree>
     <p:extLst>
       <p:ext uri="{BB962C8B-B14F-4D97-AF65-F5344CB8AC3E}">
-        <p14:creationId xmlns:p14="http://schemas.microsoft.com/office/powerpoint/2010/main" val="85987867"/>
+        <p14:creationId xmlns:p14="http://schemas.microsoft.com/office/powerpoint/2010/main" val="3066349935"/>
       </p:ext>
     </p:extLst>
   </p:cSld>
@@ -2967,7 +2562,7 @@
 </p:notes>
 </file>
 
-<file path=ppt/notesSlides/notesSlide29.xml><?xml version="1.0" encoding="utf-8"?>
+<file path=ppt/notesSlides/notesSlide26.xml><?xml version="1.0" encoding="utf-8"?>
 <p:notes xmlns:a="http://schemas.openxmlformats.org/drawingml/2006/main" xmlns:r="http://schemas.openxmlformats.org/officeDocument/2006/relationships" xmlns:p="http://schemas.openxmlformats.org/presentationml/2006/main">
   <p:cSld>
     <p:spTree>
@@ -2975,7 +2570,7 @@
         <p:cNvPr id="1" name="">
           <a:extLst>
             <a:ext uri="{FF2B5EF4-FFF2-40B4-BE49-F238E27FC236}">
-              <a16:creationId xmlns:a16="http://schemas.microsoft.com/office/drawing/2014/main" id="{EDD2D8C2-59DD-7BE3-CDBE-9C794735A6E8}"/>
+              <a16:creationId xmlns:a16="http://schemas.microsoft.com/office/drawing/2014/main" id="{D4839049-E0E9-A002-3109-3D92ADF79226}"/>
             </a:ext>
           </a:extLst>
         </p:cNvPr>
@@ -2995,7 +2590,7 @@
           <p:cNvPr id="2" name="Slide Image Placeholder 1">
             <a:extLst>
               <a:ext uri="{FF2B5EF4-FFF2-40B4-BE49-F238E27FC236}">
-                <a16:creationId xmlns:a16="http://schemas.microsoft.com/office/drawing/2014/main" id="{EFCBD702-067D-F5DC-6633-D605BFC59D82}"/>
+                <a16:creationId xmlns:a16="http://schemas.microsoft.com/office/drawing/2014/main" id="{A846D86F-8B70-9505-367A-85B7BB39F05F}"/>
               </a:ext>
             </a:extLst>
           </p:cNvPr>
@@ -3013,10 +2608,355 @@
           <p:cNvPr id="3" name="Notes Placeholder 2">
             <a:extLst>
               <a:ext uri="{FF2B5EF4-FFF2-40B4-BE49-F238E27FC236}">
-                <a16:creationId xmlns:a16="http://schemas.microsoft.com/office/drawing/2014/main" id="{6F7EDC25-3859-8AC3-B0E6-88FB42D5C387}"/>
-              </a:ext>
-            </a:extLst>
-          </p:cNvPr>
+                <a16:creationId xmlns:a16="http://schemas.microsoft.com/office/drawing/2014/main" id="{16EB78E3-938E-8B94-0F62-483821FEC529}"/>
+              </a:ext>
+            </a:extLst>
+          </p:cNvPr>
+          <p:cNvSpPr>
+            <a:spLocks noGrp="1"/>
+          </p:cNvSpPr>
+          <p:nvPr>
+            <p:ph type="body" idx="1"/>
+          </p:nvPr>
+        </p:nvSpPr>
+        <p:spPr/>
+        <p:txBody>
+          <a:bodyPr/>
+          <a:lstStyle/>
+          <a:p>
+            <a:r>
+              <a:rPr lang="en-US" b="1" dirty="0"/>
+              <a:t>Coiled Cluster</a:t>
+            </a:r>
+          </a:p>
+          <a:p>
+            <a:pPr marL="171450" indent="-171450">
+              <a:buFont typeface="Arial" panose="020B0604020202020204" pitchFamily="34" charset="0"/>
+              <a:buChar char="•"/>
+            </a:pPr>
+            <a:r>
+              <a:rPr lang="en-US" b="0" dirty="0"/>
+              <a:t>Dask cluster, so will work with Xarray built-in functions, or NumPy/Dask built-in functions.</a:t>
+            </a:r>
+          </a:p>
+        </p:txBody>
+      </p:sp>
+      <p:sp>
+        <p:nvSpPr>
+          <p:cNvPr id="4" name="Slide Number Placeholder 3">
+            <a:extLst>
+              <a:ext uri="{FF2B5EF4-FFF2-40B4-BE49-F238E27FC236}">
+                <a16:creationId xmlns:a16="http://schemas.microsoft.com/office/drawing/2014/main" id="{73CBB7A9-2091-EA85-1E7B-C0925B38004C}"/>
+              </a:ext>
+            </a:extLst>
+          </p:cNvPr>
+          <p:cNvSpPr>
+            <a:spLocks noGrp="1"/>
+          </p:cNvSpPr>
+          <p:nvPr>
+            <p:ph type="sldNum" sz="quarter" idx="5"/>
+          </p:nvPr>
+        </p:nvSpPr>
+        <p:spPr/>
+        <p:txBody>
+          <a:bodyPr/>
+          <a:lstStyle/>
+          <a:p>
+            <a:fld id="{9E44B825-9313-2040-A5EF-891CA2AE4290}" type="slidenum">
+              <a:rPr lang="en-US" smtClean="0"/>
+              <a:t>27</a:t>
+            </a:fld>
+            <a:endParaRPr lang="en-US"/>
+          </a:p>
+        </p:txBody>
+      </p:sp>
+    </p:spTree>
+    <p:extLst>
+      <p:ext uri="{BB962C8B-B14F-4D97-AF65-F5344CB8AC3E}">
+        <p14:creationId xmlns:p14="http://schemas.microsoft.com/office/powerpoint/2010/main" val="2479467762"/>
+      </p:ext>
+    </p:extLst>
+  </p:cSld>
+  <p:clrMapOvr>
+    <a:masterClrMapping/>
+  </p:clrMapOvr>
+</p:notes>
+</file>
+
+<file path=ppt/notesSlides/notesSlide27.xml><?xml version="1.0" encoding="utf-8"?>
+<p:notes xmlns:a="http://schemas.openxmlformats.org/drawingml/2006/main" xmlns:r="http://schemas.openxmlformats.org/officeDocument/2006/relationships" xmlns:p="http://schemas.openxmlformats.org/presentationml/2006/main">
+  <p:cSld>
+    <p:spTree>
+      <p:nvGrpSpPr>
+        <p:cNvPr id="1" name="">
+          <a:extLst>
+            <a:ext uri="{FF2B5EF4-FFF2-40B4-BE49-F238E27FC236}">
+              <a16:creationId xmlns:a16="http://schemas.microsoft.com/office/drawing/2014/main" id="{D4839049-E0E9-A002-3109-3D92ADF79226}"/>
+            </a:ext>
+          </a:extLst>
+        </p:cNvPr>
+        <p:cNvGrpSpPr/>
+        <p:nvPr/>
+      </p:nvGrpSpPr>
+      <p:grpSpPr>
+        <a:xfrm>
+          <a:off x="0" y="0"/>
+          <a:ext cx="0" cy="0"/>
+          <a:chOff x="0" y="0"/>
+          <a:chExt cx="0" cy="0"/>
+        </a:xfrm>
+      </p:grpSpPr>
+      <p:sp>
+        <p:nvSpPr>
+          <p:cNvPr id="2" name="Slide Image Placeholder 1">
+            <a:extLst>
+              <a:ext uri="{FF2B5EF4-FFF2-40B4-BE49-F238E27FC236}">
+                <a16:creationId xmlns:a16="http://schemas.microsoft.com/office/drawing/2014/main" id="{A846D86F-8B70-9505-367A-85B7BB39F05F}"/>
+              </a:ext>
+            </a:extLst>
+          </p:cNvPr>
+          <p:cNvSpPr>
+            <a:spLocks noGrp="1" noRot="1" noChangeAspect="1"/>
+          </p:cNvSpPr>
+          <p:nvPr>
+            <p:ph type="sldImg"/>
+          </p:nvPr>
+        </p:nvSpPr>
+        <p:spPr/>
+      </p:sp>
+      <p:sp>
+        <p:nvSpPr>
+          <p:cNvPr id="3" name="Notes Placeholder 2">
+            <a:extLst>
+              <a:ext uri="{FF2B5EF4-FFF2-40B4-BE49-F238E27FC236}">
+                <a16:creationId xmlns:a16="http://schemas.microsoft.com/office/drawing/2014/main" id="{16EB78E3-938E-8B94-0F62-483821FEC529}"/>
+              </a:ext>
+            </a:extLst>
+          </p:cNvPr>
+          <p:cNvSpPr>
+            <a:spLocks noGrp="1"/>
+          </p:cNvSpPr>
+          <p:nvPr>
+            <p:ph type="body" idx="1"/>
+          </p:nvPr>
+        </p:nvSpPr>
+        <p:spPr/>
+        <p:txBody>
+          <a:bodyPr/>
+          <a:lstStyle/>
+          <a:p>
+            <a:r>
+              <a:rPr lang="en-US" b="1" dirty="0"/>
+              <a:t>Coiled Cluster</a:t>
+            </a:r>
+          </a:p>
+          <a:p>
+            <a:pPr marL="171450" indent="-171450">
+              <a:buFont typeface="Arial" panose="020B0604020202020204" pitchFamily="34" charset="0"/>
+              <a:buChar char="•"/>
+            </a:pPr>
+            <a:r>
+              <a:rPr lang="en-US" b="0" dirty="0"/>
+              <a:t>Dask cluster, so will work with Xarray built-in functions, or NumPy/Dask built-in functions.</a:t>
+            </a:r>
+          </a:p>
+        </p:txBody>
+      </p:sp>
+      <p:sp>
+        <p:nvSpPr>
+          <p:cNvPr id="4" name="Slide Number Placeholder 3">
+            <a:extLst>
+              <a:ext uri="{FF2B5EF4-FFF2-40B4-BE49-F238E27FC236}">
+                <a16:creationId xmlns:a16="http://schemas.microsoft.com/office/drawing/2014/main" id="{73CBB7A9-2091-EA85-1E7B-C0925B38004C}"/>
+              </a:ext>
+            </a:extLst>
+          </p:cNvPr>
+          <p:cNvSpPr>
+            <a:spLocks noGrp="1"/>
+          </p:cNvSpPr>
+          <p:nvPr>
+            <p:ph type="sldNum" sz="quarter" idx="5"/>
+          </p:nvPr>
+        </p:nvSpPr>
+        <p:spPr/>
+        <p:txBody>
+          <a:bodyPr/>
+          <a:lstStyle/>
+          <a:p>
+            <a:fld id="{9E44B825-9313-2040-A5EF-891CA2AE4290}" type="slidenum">
+              <a:rPr lang="en-US" smtClean="0"/>
+              <a:t>28</a:t>
+            </a:fld>
+            <a:endParaRPr lang="en-US"/>
+          </a:p>
+        </p:txBody>
+      </p:sp>
+    </p:spTree>
+    <p:extLst>
+      <p:ext uri="{BB962C8B-B14F-4D97-AF65-F5344CB8AC3E}">
+        <p14:creationId xmlns:p14="http://schemas.microsoft.com/office/powerpoint/2010/main" val="614954732"/>
+      </p:ext>
+    </p:extLst>
+  </p:cSld>
+  <p:clrMapOvr>
+    <a:masterClrMapping/>
+  </p:clrMapOvr>
+</p:notes>
+</file>
+
+<file path=ppt/notesSlides/notesSlide28.xml><?xml version="1.0" encoding="utf-8"?>
+<p:notes xmlns:a="http://schemas.openxmlformats.org/drawingml/2006/main" xmlns:r="http://schemas.openxmlformats.org/officeDocument/2006/relationships" xmlns:p="http://schemas.openxmlformats.org/presentationml/2006/main">
+  <p:cSld>
+    <p:spTree>
+      <p:nvGrpSpPr>
+        <p:cNvPr id="1" name="">
+          <a:extLst>
+            <a:ext uri="{FF2B5EF4-FFF2-40B4-BE49-F238E27FC236}">
+              <a16:creationId xmlns:a16="http://schemas.microsoft.com/office/drawing/2014/main" id="{D4839049-E0E9-A002-3109-3D92ADF79226}"/>
+            </a:ext>
+          </a:extLst>
+        </p:cNvPr>
+        <p:cNvGrpSpPr/>
+        <p:nvPr/>
+      </p:nvGrpSpPr>
+      <p:grpSpPr>
+        <a:xfrm>
+          <a:off x="0" y="0"/>
+          <a:ext cx="0" cy="0"/>
+          <a:chOff x="0" y="0"/>
+          <a:chExt cx="0" cy="0"/>
+        </a:xfrm>
+      </p:grpSpPr>
+      <p:sp>
+        <p:nvSpPr>
+          <p:cNvPr id="2" name="Slide Image Placeholder 1">
+            <a:extLst>
+              <a:ext uri="{FF2B5EF4-FFF2-40B4-BE49-F238E27FC236}">
+                <a16:creationId xmlns:a16="http://schemas.microsoft.com/office/drawing/2014/main" id="{A846D86F-8B70-9505-367A-85B7BB39F05F}"/>
+              </a:ext>
+            </a:extLst>
+          </p:cNvPr>
+          <p:cNvSpPr>
+            <a:spLocks noGrp="1" noRot="1" noChangeAspect="1"/>
+          </p:cNvSpPr>
+          <p:nvPr>
+            <p:ph type="sldImg"/>
+          </p:nvPr>
+        </p:nvSpPr>
+        <p:spPr/>
+      </p:sp>
+      <p:sp>
+        <p:nvSpPr>
+          <p:cNvPr id="3" name="Notes Placeholder 2">
+            <a:extLst>
+              <a:ext uri="{FF2B5EF4-FFF2-40B4-BE49-F238E27FC236}">
+                <a16:creationId xmlns:a16="http://schemas.microsoft.com/office/drawing/2014/main" id="{16EB78E3-938E-8B94-0F62-483821FEC529}"/>
+              </a:ext>
+            </a:extLst>
+          </p:cNvPr>
+          <p:cNvSpPr>
+            <a:spLocks noGrp="1"/>
+          </p:cNvSpPr>
+          <p:nvPr>
+            <p:ph type="body" idx="1"/>
+          </p:nvPr>
+        </p:nvSpPr>
+        <p:spPr/>
+        <p:txBody>
+          <a:bodyPr/>
+          <a:lstStyle/>
+          <a:p>
+            <a:r>
+              <a:rPr lang="en-US" b="1" dirty="0"/>
+              <a:t>Coiled Cluster</a:t>
+            </a:r>
+          </a:p>
+          <a:p>
+            <a:pPr marL="171450" indent="-171450">
+              <a:buFont typeface="Arial" panose="020B0604020202020204" pitchFamily="34" charset="0"/>
+              <a:buChar char="•"/>
+            </a:pPr>
+            <a:r>
+              <a:rPr lang="en-US" b="0" dirty="0"/>
+              <a:t>Dask cluster, so will work with Xarray built-in functions, or NumPy/Dask built-in functions.</a:t>
+            </a:r>
+          </a:p>
+        </p:txBody>
+      </p:sp>
+      <p:sp>
+        <p:nvSpPr>
+          <p:cNvPr id="4" name="Slide Number Placeholder 3">
+            <a:extLst>
+              <a:ext uri="{FF2B5EF4-FFF2-40B4-BE49-F238E27FC236}">
+                <a16:creationId xmlns:a16="http://schemas.microsoft.com/office/drawing/2014/main" id="{73CBB7A9-2091-EA85-1E7B-C0925B38004C}"/>
+              </a:ext>
+            </a:extLst>
+          </p:cNvPr>
+          <p:cNvSpPr>
+            <a:spLocks noGrp="1"/>
+          </p:cNvSpPr>
+          <p:nvPr>
+            <p:ph type="sldNum" sz="quarter" idx="5"/>
+          </p:nvPr>
+        </p:nvSpPr>
+        <p:spPr/>
+        <p:txBody>
+          <a:bodyPr/>
+          <a:lstStyle/>
+          <a:p>
+            <a:fld id="{9E44B825-9313-2040-A5EF-891CA2AE4290}" type="slidenum">
+              <a:rPr lang="en-US" smtClean="0"/>
+              <a:t>29</a:t>
+            </a:fld>
+            <a:endParaRPr lang="en-US"/>
+          </a:p>
+        </p:txBody>
+      </p:sp>
+    </p:spTree>
+    <p:extLst>
+      <p:ext uri="{BB962C8B-B14F-4D97-AF65-F5344CB8AC3E}">
+        <p14:creationId xmlns:p14="http://schemas.microsoft.com/office/powerpoint/2010/main" val="2759679171"/>
+      </p:ext>
+    </p:extLst>
+  </p:cSld>
+  <p:clrMapOvr>
+    <a:masterClrMapping/>
+  </p:clrMapOvr>
+</p:notes>
+</file>
+
+<file path=ppt/notesSlides/notesSlide29.xml><?xml version="1.0" encoding="utf-8"?>
+<p:notes xmlns:a="http://schemas.openxmlformats.org/drawingml/2006/main" xmlns:r="http://schemas.openxmlformats.org/officeDocument/2006/relationships" xmlns:p="http://schemas.openxmlformats.org/presentationml/2006/main">
+  <p:cSld>
+    <p:spTree>
+      <p:nvGrpSpPr>
+        <p:cNvPr id="1" name=""/>
+        <p:cNvGrpSpPr/>
+        <p:nvPr/>
+      </p:nvGrpSpPr>
+      <p:grpSpPr>
+        <a:xfrm>
+          <a:off x="0" y="0"/>
+          <a:ext cx="0" cy="0"/>
+          <a:chOff x="0" y="0"/>
+          <a:chExt cx="0" cy="0"/>
+        </a:xfrm>
+      </p:grpSpPr>
+      <p:sp>
+        <p:nvSpPr>
+          <p:cNvPr id="2" name="Slide Image Placeholder 1"/>
+          <p:cNvSpPr>
+            <a:spLocks noGrp="1" noRot="1" noChangeAspect="1"/>
+          </p:cNvSpPr>
+          <p:nvPr>
+            <p:ph type="sldImg"/>
+          </p:nvPr>
+        </p:nvSpPr>
+        <p:spPr/>
+      </p:sp>
+      <p:sp>
+        <p:nvSpPr>
+          <p:cNvPr id="3" name="Notes Placeholder 2"/>
           <p:cNvSpPr>
             <a:spLocks noGrp="1"/>
           </p:cNvSpPr>
@@ -3048,6 +2988,29 @@
             </a:pPr>
             <a:r>
               <a:rPr lang="en-US" dirty="0"/>
+              <a:t>These are preprocessing steps for an EOF analysis, which we look to complete later this year.</a:t>
+            </a:r>
+          </a:p>
+          <a:p>
+            <a:pPr marL="171450" marR="0" lvl="0" indent="-171450" algn="l" defTabSz="914400" rtl="0" eaLnBrk="1" fontAlgn="auto" latinLnBrk="0" hangingPunct="1">
+              <a:lnSpc>
+                <a:spcPct val="100000"/>
+              </a:lnSpc>
+              <a:spcBef>
+                <a:spcPts val="0"/>
+              </a:spcBef>
+              <a:spcAft>
+                <a:spcPts val="0"/>
+              </a:spcAft>
+              <a:buClrTx/>
+              <a:buSzTx/>
+              <a:buFont typeface="Arial" panose="020B0604020202020204" pitchFamily="34" charset="0"/>
+              <a:buChar char="•"/>
+              <a:tabLst/>
+              <a:defRPr/>
+            </a:pPr>
+            <a:r>
+              <a:rPr lang="en-US" dirty="0"/>
               <a:t>Don’t forget to open Coiled Dashboard.</a:t>
             </a:r>
           </a:p>
@@ -3058,13 +3021,7 @@
       </p:sp>
       <p:sp>
         <p:nvSpPr>
-          <p:cNvPr id="4" name="Slide Number Placeholder 3">
-            <a:extLst>
-              <a:ext uri="{FF2B5EF4-FFF2-40B4-BE49-F238E27FC236}">
-                <a16:creationId xmlns:a16="http://schemas.microsoft.com/office/drawing/2014/main" id="{809FB141-1205-E31F-4788-291EE4987460}"/>
-              </a:ext>
-            </a:extLst>
-          </p:cNvPr>
+          <p:cNvPr id="4" name="Slide Number Placeholder 3"/>
           <p:cNvSpPr>
             <a:spLocks noGrp="1"/>
           </p:cNvSpPr>
@@ -3088,7 +3045,7 @@
     </p:spTree>
     <p:extLst>
       <p:ext uri="{BB962C8B-B14F-4D97-AF65-F5344CB8AC3E}">
-        <p14:creationId xmlns:p14="http://schemas.microsoft.com/office/powerpoint/2010/main" val="2583138072"/>
+        <p14:creationId xmlns:p14="http://schemas.microsoft.com/office/powerpoint/2010/main" val="85987867"/>
       </p:ext>
     </p:extLst>
   </p:cSld>
@@ -3190,6 +3147,137 @@
   <p:cSld>
     <p:spTree>
       <p:nvGrpSpPr>
+        <p:cNvPr id="1" name="">
+          <a:extLst>
+            <a:ext uri="{FF2B5EF4-FFF2-40B4-BE49-F238E27FC236}">
+              <a16:creationId xmlns:a16="http://schemas.microsoft.com/office/drawing/2014/main" id="{EDD2D8C2-59DD-7BE3-CDBE-9C794735A6E8}"/>
+            </a:ext>
+          </a:extLst>
+        </p:cNvPr>
+        <p:cNvGrpSpPr/>
+        <p:nvPr/>
+      </p:nvGrpSpPr>
+      <p:grpSpPr>
+        <a:xfrm>
+          <a:off x="0" y="0"/>
+          <a:ext cx="0" cy="0"/>
+          <a:chOff x="0" y="0"/>
+          <a:chExt cx="0" cy="0"/>
+        </a:xfrm>
+      </p:grpSpPr>
+      <p:sp>
+        <p:nvSpPr>
+          <p:cNvPr id="2" name="Slide Image Placeholder 1">
+            <a:extLst>
+              <a:ext uri="{FF2B5EF4-FFF2-40B4-BE49-F238E27FC236}">
+                <a16:creationId xmlns:a16="http://schemas.microsoft.com/office/drawing/2014/main" id="{EFCBD702-067D-F5DC-6633-D605BFC59D82}"/>
+              </a:ext>
+            </a:extLst>
+          </p:cNvPr>
+          <p:cNvSpPr>
+            <a:spLocks noGrp="1" noRot="1" noChangeAspect="1"/>
+          </p:cNvSpPr>
+          <p:nvPr>
+            <p:ph type="sldImg"/>
+          </p:nvPr>
+        </p:nvSpPr>
+        <p:spPr/>
+      </p:sp>
+      <p:sp>
+        <p:nvSpPr>
+          <p:cNvPr id="3" name="Notes Placeholder 2">
+            <a:extLst>
+              <a:ext uri="{FF2B5EF4-FFF2-40B4-BE49-F238E27FC236}">
+                <a16:creationId xmlns:a16="http://schemas.microsoft.com/office/drawing/2014/main" id="{6F7EDC25-3859-8AC3-B0E6-88FB42D5C387}"/>
+              </a:ext>
+            </a:extLst>
+          </p:cNvPr>
+          <p:cNvSpPr>
+            <a:spLocks noGrp="1"/>
+          </p:cNvSpPr>
+          <p:nvPr>
+            <p:ph type="body" idx="1"/>
+          </p:nvPr>
+        </p:nvSpPr>
+        <p:spPr/>
+        <p:txBody>
+          <a:bodyPr/>
+          <a:lstStyle/>
+          <a:p>
+            <a:pPr marL="171450" marR="0" lvl="0" indent="-171450" algn="l" defTabSz="914400" rtl="0" eaLnBrk="1" fontAlgn="auto" latinLnBrk="0" hangingPunct="1">
+              <a:lnSpc>
+                <a:spcPct val="100000"/>
+              </a:lnSpc>
+              <a:spcBef>
+                <a:spcPts val="0"/>
+              </a:spcBef>
+              <a:spcAft>
+                <a:spcPts val="0"/>
+              </a:spcAft>
+              <a:buClrTx/>
+              <a:buSzTx/>
+              <a:buFont typeface="Arial" panose="020B0604020202020204" pitchFamily="34" charset="0"/>
+              <a:buChar char="•"/>
+              <a:tabLst/>
+              <a:defRPr/>
+            </a:pPr>
+            <a:r>
+              <a:rPr lang="en-US" dirty="0"/>
+              <a:t>Don’t forget to open Coiled Dashboard.</a:t>
+            </a:r>
+          </a:p>
+          <a:p>
+            <a:endParaRPr lang="en-US" dirty="0"/>
+          </a:p>
+        </p:txBody>
+      </p:sp>
+      <p:sp>
+        <p:nvSpPr>
+          <p:cNvPr id="4" name="Slide Number Placeholder 3">
+            <a:extLst>
+              <a:ext uri="{FF2B5EF4-FFF2-40B4-BE49-F238E27FC236}">
+                <a16:creationId xmlns:a16="http://schemas.microsoft.com/office/drawing/2014/main" id="{809FB141-1205-E31F-4788-291EE4987460}"/>
+              </a:ext>
+            </a:extLst>
+          </p:cNvPr>
+          <p:cNvSpPr>
+            <a:spLocks noGrp="1"/>
+          </p:cNvSpPr>
+          <p:nvPr>
+            <p:ph type="sldNum" sz="quarter" idx="5"/>
+          </p:nvPr>
+        </p:nvSpPr>
+        <p:spPr/>
+        <p:txBody>
+          <a:bodyPr/>
+          <a:lstStyle/>
+          <a:p>
+            <a:fld id="{9E44B825-9313-2040-A5EF-891CA2AE4290}" type="slidenum">
+              <a:rPr lang="en-US" smtClean="0"/>
+              <a:t>31</a:t>
+            </a:fld>
+            <a:endParaRPr lang="en-US"/>
+          </a:p>
+        </p:txBody>
+      </p:sp>
+    </p:spTree>
+    <p:extLst>
+      <p:ext uri="{BB962C8B-B14F-4D97-AF65-F5344CB8AC3E}">
+        <p14:creationId xmlns:p14="http://schemas.microsoft.com/office/powerpoint/2010/main" val="2583138072"/>
+      </p:ext>
+    </p:extLst>
+  </p:cSld>
+  <p:clrMapOvr>
+    <a:masterClrMapping/>
+  </p:clrMapOvr>
+</p:notes>
+</file>
+
+<file path=ppt/notesSlides/notesSlide31.xml><?xml version="1.0" encoding="utf-8"?>
+<p:notes xmlns:a="http://schemas.openxmlformats.org/drawingml/2006/main" xmlns:r="http://schemas.openxmlformats.org/officeDocument/2006/relationships" xmlns:p="http://schemas.openxmlformats.org/presentationml/2006/main">
+  <p:cSld>
+    <p:spTree>
+      <p:nvGrpSpPr>
         <p:cNvPr id="1" name=""/>
         <p:cNvGrpSpPr/>
         <p:nvPr/>
@@ -3253,7 +3341,7 @@
           <a:p>
             <a:fld id="{9E44B825-9313-2040-A5EF-891CA2AE4290}" type="slidenum">
               <a:rPr lang="en-US" smtClean="0"/>
-              <a:t>31</a:t>
+              <a:t>32</a:t>
             </a:fld>
             <a:endParaRPr lang="en-US"/>
           </a:p>
@@ -3272,7 +3360,7 @@
 </p:notes>
 </file>
 
-<file path=ppt/notesSlides/notesSlide31.xml><?xml version="1.0" encoding="utf-8"?>
+<file path=ppt/notesSlides/notesSlide32.xml><?xml version="1.0" encoding="utf-8"?>
 <p:notes xmlns:a="http://schemas.openxmlformats.org/drawingml/2006/main" xmlns:r="http://schemas.openxmlformats.org/officeDocument/2006/relationships" xmlns:p="http://schemas.openxmlformats.org/presentationml/2006/main">
   <p:cSld>
     <p:spTree>
@@ -3390,7 +3478,7 @@
           <a:p>
             <a:fld id="{9E44B825-9313-2040-A5EF-891CA2AE4290}" type="slidenum">
               <a:rPr lang="en-US" smtClean="0"/>
-              <a:t>32</a:t>
+              <a:t>33</a:t>
             </a:fld>
             <a:endParaRPr lang="en-US"/>
           </a:p>
@@ -4219,7 +4307,7 @@
           <a:p>
             <a:fld id="{2FB24A0C-D99E-2F45-8F78-00155E3DC712}" type="datetimeFigureOut">
               <a:rPr lang="en-US" smtClean="0"/>
-              <a:t>4/21/24</a:t>
+              <a:t>4/25/24</a:t>
             </a:fld>
             <a:endParaRPr lang="en-US"/>
           </a:p>
@@ -4417,7 +4505,7 @@
           <a:p>
             <a:fld id="{2FB24A0C-D99E-2F45-8F78-00155E3DC712}" type="datetimeFigureOut">
               <a:rPr lang="en-US" smtClean="0"/>
-              <a:t>4/21/24</a:t>
+              <a:t>4/25/24</a:t>
             </a:fld>
             <a:endParaRPr lang="en-US"/>
           </a:p>
@@ -4625,7 +4713,7 @@
           <a:p>
             <a:fld id="{2FB24A0C-D99E-2F45-8F78-00155E3DC712}" type="datetimeFigureOut">
               <a:rPr lang="en-US" smtClean="0"/>
-              <a:t>4/21/24</a:t>
+              <a:t>4/25/24</a:t>
             </a:fld>
             <a:endParaRPr lang="en-US"/>
           </a:p>
@@ -4823,7 +4911,7 @@
           <a:p>
             <a:fld id="{2FB24A0C-D99E-2F45-8F78-00155E3DC712}" type="datetimeFigureOut">
               <a:rPr lang="en-US" smtClean="0"/>
-              <a:t>4/21/24</a:t>
+              <a:t>4/25/24</a:t>
             </a:fld>
             <a:endParaRPr lang="en-US"/>
           </a:p>
@@ -5098,7 +5186,7 @@
           <a:p>
             <a:fld id="{2FB24A0C-D99E-2F45-8F78-00155E3DC712}" type="datetimeFigureOut">
               <a:rPr lang="en-US" smtClean="0"/>
-              <a:t>4/21/24</a:t>
+              <a:t>4/25/24</a:t>
             </a:fld>
             <a:endParaRPr lang="en-US"/>
           </a:p>
@@ -5363,7 +5451,7 @@
           <a:p>
             <a:fld id="{2FB24A0C-D99E-2F45-8F78-00155E3DC712}" type="datetimeFigureOut">
               <a:rPr lang="en-US" smtClean="0"/>
-              <a:t>4/21/24</a:t>
+              <a:t>4/25/24</a:t>
             </a:fld>
             <a:endParaRPr lang="en-US"/>
           </a:p>
@@ -5775,7 +5863,7 @@
           <a:p>
             <a:fld id="{2FB24A0C-D99E-2F45-8F78-00155E3DC712}" type="datetimeFigureOut">
               <a:rPr lang="en-US" smtClean="0"/>
-              <a:t>4/21/24</a:t>
+              <a:t>4/25/24</a:t>
             </a:fld>
             <a:endParaRPr lang="en-US"/>
           </a:p>
@@ -5916,7 +6004,7 @@
           <a:p>
             <a:fld id="{2FB24A0C-D99E-2F45-8F78-00155E3DC712}" type="datetimeFigureOut">
               <a:rPr lang="en-US" smtClean="0"/>
-              <a:t>4/21/24</a:t>
+              <a:t>4/25/24</a:t>
             </a:fld>
             <a:endParaRPr lang="en-US"/>
           </a:p>
@@ -6029,7 +6117,7 @@
           <a:p>
             <a:fld id="{2FB24A0C-D99E-2F45-8F78-00155E3DC712}" type="datetimeFigureOut">
               <a:rPr lang="en-US" smtClean="0"/>
-              <a:t>4/21/24</a:t>
+              <a:t>4/25/24</a:t>
             </a:fld>
             <a:endParaRPr lang="en-US"/>
           </a:p>
@@ -6340,7 +6428,7 @@
           <a:p>
             <a:fld id="{2FB24A0C-D99E-2F45-8F78-00155E3DC712}" type="datetimeFigureOut">
               <a:rPr lang="en-US" smtClean="0"/>
-              <a:t>4/21/24</a:t>
+              <a:t>4/25/24</a:t>
             </a:fld>
             <a:endParaRPr lang="en-US"/>
           </a:p>
@@ -6628,7 +6716,7 @@
           <a:p>
             <a:fld id="{2FB24A0C-D99E-2F45-8F78-00155E3DC712}" type="datetimeFigureOut">
               <a:rPr lang="en-US" smtClean="0"/>
-              <a:t>4/21/24</a:t>
+              <a:t>4/25/24</a:t>
             </a:fld>
             <a:endParaRPr lang="en-US"/>
           </a:p>
@@ -6869,7 +6957,7 @@
           <a:p>
             <a:fld id="{2FB24A0C-D99E-2F45-8F78-00155E3DC712}" type="datetimeFigureOut">
               <a:rPr lang="en-US" smtClean="0"/>
-              <a:t>4/21/24</a:t>
+              <a:t>4/25/24</a:t>
             </a:fld>
             <a:endParaRPr lang="en-US"/>
           </a:p>
@@ -7331,7 +7419,7 @@
                 <a:effectLst/>
                 <a:latin typeface="+mj-lt"/>
               </a:rPr>
-              <a:t>Exploring Coiled as a Solution for Earth Data Researchers Who want to Utilize Cloud and Parallel Computing without being a Cloud Expert</a:t>
+              <a:t>Exploring Coiled as a Solution for Earth Data Researchers to Utilize Cloud and Parallel Computing without being a Cloud Expert</a:t>
             </a:r>
             <a:endParaRPr lang="en-US" sz="3600" b="1" dirty="0">
               <a:latin typeface="+mj-lt"/>
@@ -7490,12 +7578,7 @@
               <a:avLst/>
             </a:prstGeom>
             <a:ln>
-              <a:solidFill>
-                <a:schemeClr val="accent2">
-                  <a:lumMod val="60000"/>
-                  <a:lumOff val="40000"/>
-                </a:schemeClr>
-              </a:solidFill>
+              <a:noFill/>
             </a:ln>
           </p:spPr>
         </p:pic>
@@ -7673,12 +7756,7 @@
               <a:avLst/>
             </a:prstGeom>
             <a:ln>
-              <a:solidFill>
-                <a:schemeClr val="accent2">
-                  <a:lumMod val="60000"/>
-                  <a:lumOff val="40000"/>
-                </a:schemeClr>
-              </a:solidFill>
+              <a:noFill/>
             </a:ln>
           </p:spPr>
         </p:pic>
@@ -8516,182 +8594,6 @@
           </a:graphicData>
         </a:graphic>
       </p:graphicFrame>
-      <p:sp>
-        <p:nvSpPr>
-          <p:cNvPr id="3" name="Oval 2">
-            <a:extLst>
-              <a:ext uri="{FF2B5EF4-FFF2-40B4-BE49-F238E27FC236}">
-                <a16:creationId xmlns:a16="http://schemas.microsoft.com/office/drawing/2014/main" id="{C4EFF80D-B847-13EA-7B2D-93F94F812966}"/>
-              </a:ext>
-            </a:extLst>
-          </p:cNvPr>
-          <p:cNvSpPr/>
-          <p:nvPr/>
-        </p:nvSpPr>
-        <p:spPr>
-          <a:xfrm>
-            <a:off x="1968722" y="2498076"/>
-            <a:ext cx="2897436" cy="930924"/>
-          </a:xfrm>
-          <a:prstGeom prst="ellipse">
-            <a:avLst/>
-          </a:prstGeom>
-          <a:noFill/>
-        </p:spPr>
-        <p:style>
-          <a:lnRef idx="2">
-            <a:schemeClr val="accent1">
-              <a:shade val="15000"/>
-            </a:schemeClr>
-          </a:lnRef>
-          <a:fillRef idx="1">
-            <a:schemeClr val="accent1"/>
-          </a:fillRef>
-          <a:effectRef idx="0">
-            <a:schemeClr val="accent1"/>
-          </a:effectRef>
-          <a:fontRef idx="minor">
-            <a:schemeClr val="lt1"/>
-          </a:fontRef>
-        </p:style>
-        <p:txBody>
-          <a:bodyPr rtlCol="0" anchor="ctr"/>
-          <a:lstStyle/>
-          <a:p>
-            <a:pPr algn="ctr"/>
-            <a:endParaRPr lang="en-US"/>
-          </a:p>
-        </p:txBody>
-      </p:sp>
-      <p:sp>
-        <p:nvSpPr>
-          <p:cNvPr id="4" name="Oval 3">
-            <a:extLst>
-              <a:ext uri="{FF2B5EF4-FFF2-40B4-BE49-F238E27FC236}">
-                <a16:creationId xmlns:a16="http://schemas.microsoft.com/office/drawing/2014/main" id="{73141D56-A53E-5EFE-A8E5-DBEF9081BC3D}"/>
-              </a:ext>
-            </a:extLst>
-          </p:cNvPr>
-          <p:cNvSpPr/>
-          <p:nvPr/>
-        </p:nvSpPr>
-        <p:spPr>
-          <a:xfrm>
-            <a:off x="7209701" y="3213282"/>
-            <a:ext cx="2897436" cy="739047"/>
-          </a:xfrm>
-          <a:prstGeom prst="ellipse">
-            <a:avLst/>
-          </a:prstGeom>
-          <a:noFill/>
-        </p:spPr>
-        <p:style>
-          <a:lnRef idx="2">
-            <a:schemeClr val="accent1">
-              <a:shade val="15000"/>
-            </a:schemeClr>
-          </a:lnRef>
-          <a:fillRef idx="1">
-            <a:schemeClr val="accent1"/>
-          </a:fillRef>
-          <a:effectRef idx="0">
-            <a:schemeClr val="accent1"/>
-          </a:effectRef>
-          <a:fontRef idx="minor">
-            <a:schemeClr val="lt1"/>
-          </a:fontRef>
-        </p:style>
-        <p:txBody>
-          <a:bodyPr rtlCol="0" anchor="ctr"/>
-          <a:lstStyle/>
-          <a:p>
-            <a:pPr algn="ctr"/>
-            <a:endParaRPr lang="en-US"/>
-          </a:p>
-        </p:txBody>
-      </p:sp>
-      <p:sp>
-        <p:nvSpPr>
-          <p:cNvPr id="5" name="TextBox 4">
-            <a:extLst>
-              <a:ext uri="{FF2B5EF4-FFF2-40B4-BE49-F238E27FC236}">
-                <a16:creationId xmlns:a16="http://schemas.microsoft.com/office/drawing/2014/main" id="{A4550BFD-4A52-354E-EB71-E0A7093C3154}"/>
-              </a:ext>
-            </a:extLst>
-          </p:cNvPr>
-          <p:cNvSpPr txBox="1"/>
-          <p:nvPr/>
-        </p:nvSpPr>
-        <p:spPr>
-          <a:xfrm>
-            <a:off x="6347971" y="566886"/>
-            <a:ext cx="2575896" cy="738664"/>
-          </a:xfrm>
-          <a:prstGeom prst="rect">
-            <a:avLst/>
-          </a:prstGeom>
-          <a:noFill/>
-        </p:spPr>
-        <p:txBody>
-          <a:bodyPr wrap="square" rtlCol="0">
-            <a:spAutoFit/>
-          </a:bodyPr>
-          <a:lstStyle/>
-          <a:p>
-            <a:r>
-              <a:rPr lang="en-US" sz="1400" dirty="0"/>
-              <a:t>(A researcher may only be coming to the table with knowledge in the circled areas)</a:t>
-            </a:r>
-          </a:p>
-        </p:txBody>
-      </p:sp>
-      <p:sp>
-        <p:nvSpPr>
-          <p:cNvPr id="6" name="Oval 5">
-            <a:extLst>
-              <a:ext uri="{FF2B5EF4-FFF2-40B4-BE49-F238E27FC236}">
-                <a16:creationId xmlns:a16="http://schemas.microsoft.com/office/drawing/2014/main" id="{EB3F516A-DCFD-8D86-F1C8-05C97EAACCF1}"/>
-              </a:ext>
-            </a:extLst>
-          </p:cNvPr>
-          <p:cNvSpPr/>
-          <p:nvPr/>
-        </p:nvSpPr>
-        <p:spPr>
-          <a:xfrm>
-            <a:off x="5869429" y="392128"/>
-            <a:ext cx="3333837" cy="1088179"/>
-          </a:xfrm>
-          <a:prstGeom prst="ellipse">
-            <a:avLst/>
-          </a:prstGeom>
-          <a:noFill/>
-        </p:spPr>
-        <p:style>
-          <a:lnRef idx="2">
-            <a:schemeClr val="accent1">
-              <a:shade val="15000"/>
-            </a:schemeClr>
-          </a:lnRef>
-          <a:fillRef idx="1">
-            <a:schemeClr val="accent1"/>
-          </a:fillRef>
-          <a:effectRef idx="0">
-            <a:schemeClr val="accent1"/>
-          </a:effectRef>
-          <a:fontRef idx="minor">
-            <a:schemeClr val="lt1"/>
-          </a:fontRef>
-        </p:style>
-        <p:txBody>
-          <a:bodyPr rtlCol="0" anchor="ctr"/>
-          <a:lstStyle/>
-          <a:p>
-            <a:pPr algn="ctr"/>
-            <a:endParaRPr lang="en-US"/>
-          </a:p>
-        </p:txBody>
-      </p:sp>
     </p:spTree>
     <p:extLst>
       <p:ext uri="{BB962C8B-B14F-4D97-AF65-F5344CB8AC3E}">
@@ -8785,13 +8687,845 @@
           <p:cNvGraphicFramePr>
             <a:graphicFrameLocks noGrp="1"/>
           </p:cNvGraphicFramePr>
-          <p:nvPr>
-            <p:extLst>
-              <p:ext uri="{D42A27DB-BD31-4B8C-83A1-F6EECF244321}">
-                <p14:modId xmlns:p14="http://schemas.microsoft.com/office/powerpoint/2010/main" val="1433697928"/>
-              </p:ext>
-            </p:extLst>
-          </p:nvPr>
+          <p:nvPr/>
+        </p:nvGraphicFramePr>
+        <p:xfrm>
+          <a:off x="1968722" y="1586138"/>
+          <a:ext cx="8064685" cy="4365653"/>
+        </p:xfrm>
+        <a:graphic>
+          <a:graphicData uri="http://schemas.openxmlformats.org/drawingml/2006/table">
+            <a:tbl>
+              <a:tblPr firstRow="1" bandRow="1">
+                <a:tableStyleId>{5C22544A-7EE6-4342-B048-85BDC9FD1C3A}</a:tableStyleId>
+              </a:tblPr>
+              <a:tblGrid>
+                <a:gridCol w="2791355">
+                  <a:extLst>
+                    <a:ext uri="{9D8B030D-6E8A-4147-A177-3AD203B41FA5}">
+                      <a16:colId xmlns:a16="http://schemas.microsoft.com/office/drawing/2014/main" val="3943098780"/>
+                    </a:ext>
+                  </a:extLst>
+                </a:gridCol>
+                <a:gridCol w="2585102">
+                  <a:extLst>
+                    <a:ext uri="{9D8B030D-6E8A-4147-A177-3AD203B41FA5}">
+                      <a16:colId xmlns:a16="http://schemas.microsoft.com/office/drawing/2014/main" val="2116301904"/>
+                    </a:ext>
+                  </a:extLst>
+                </a:gridCol>
+                <a:gridCol w="2688228">
+                  <a:extLst>
+                    <a:ext uri="{9D8B030D-6E8A-4147-A177-3AD203B41FA5}">
+                      <a16:colId xmlns:a16="http://schemas.microsoft.com/office/drawing/2014/main" val="118287566"/>
+                    </a:ext>
+                  </a:extLst>
+                </a:gridCol>
+              </a:tblGrid>
+              <a:tr h="606489">
+                <a:tc>
+                  <a:txBody>
+                    <a:bodyPr/>
+                    <a:lstStyle/>
+                    <a:p>
+                      <a:pPr algn="ctr"/>
+                      <a:r>
+                        <a:rPr lang="en-US" b="1" dirty="0">
+                          <a:solidFill>
+                            <a:schemeClr val="tx1"/>
+                          </a:solidFill>
+                          <a:latin typeface="+mn-lt"/>
+                        </a:rPr>
+                        <a:t>Scientific Computing with Python and Dask</a:t>
+                      </a:r>
+                    </a:p>
+                  </a:txBody>
+                  <a:tcPr anchor="ctr">
+                    <a:lnL w="28575" cap="flat" cmpd="sng" algn="ctr">
+                      <a:solidFill>
+                        <a:schemeClr val="tx1"/>
+                      </a:solidFill>
+                      <a:prstDash val="solid"/>
+                      <a:round/>
+                      <a:headEnd type="none" w="med" len="med"/>
+                      <a:tailEnd type="none" w="med" len="med"/>
+                    </a:lnL>
+                    <a:lnR w="12700" cap="flat" cmpd="sng" algn="ctr">
+                      <a:solidFill>
+                        <a:schemeClr val="tx1"/>
+                      </a:solidFill>
+                      <a:prstDash val="solid"/>
+                      <a:round/>
+                      <a:headEnd type="none" w="med" len="med"/>
+                      <a:tailEnd type="none" w="med" len="med"/>
+                    </a:lnR>
+                    <a:lnT w="28575" cap="flat" cmpd="sng" algn="ctr">
+                      <a:solidFill>
+                        <a:schemeClr val="tx1"/>
+                      </a:solidFill>
+                      <a:prstDash val="solid"/>
+                      <a:round/>
+                      <a:headEnd type="none" w="med" len="med"/>
+                      <a:tailEnd type="none" w="med" len="med"/>
+                    </a:lnT>
+                    <a:lnB w="9525" cap="flat" cmpd="sng" algn="ctr">
+                      <a:solidFill>
+                        <a:schemeClr val="tx1"/>
+                      </a:solidFill>
+                      <a:prstDash val="solid"/>
+                      <a:round/>
+                      <a:headEnd type="none" w="med" len="med"/>
+                      <a:tailEnd type="none" w="med" len="med"/>
+                    </a:lnB>
+                    <a:solidFill>
+                      <a:schemeClr val="tx2">
+                        <a:lumMod val="40000"/>
+                        <a:lumOff val="60000"/>
+                      </a:schemeClr>
+                    </a:solidFill>
+                  </a:tcPr>
+                </a:tc>
+                <a:tc>
+                  <a:txBody>
+                    <a:bodyPr/>
+                    <a:lstStyle/>
+                    <a:p>
+                      <a:pPr algn="ctr"/>
+                      <a:r>
+                        <a:rPr lang="en-US" b="1" dirty="0">
+                          <a:solidFill>
+                            <a:schemeClr val="tx1"/>
+                          </a:solidFill>
+                          <a:latin typeface="+mn-lt"/>
+                        </a:rPr>
+                        <a:t>AWS Infrastructure</a:t>
+                      </a:r>
+                    </a:p>
+                  </a:txBody>
+                  <a:tcPr anchor="ctr">
+                    <a:lnL w="12700" cap="flat" cmpd="sng" algn="ctr">
+                      <a:solidFill>
+                        <a:schemeClr val="tx1"/>
+                      </a:solidFill>
+                      <a:prstDash val="solid"/>
+                      <a:round/>
+                      <a:headEnd type="none" w="med" len="med"/>
+                      <a:tailEnd type="none" w="med" len="med"/>
+                    </a:lnL>
+                    <a:lnR w="12700" cap="flat" cmpd="sng" algn="ctr">
+                      <a:solidFill>
+                        <a:schemeClr val="tx1"/>
+                      </a:solidFill>
+                      <a:prstDash val="solid"/>
+                      <a:round/>
+                      <a:headEnd type="none" w="med" len="med"/>
+                      <a:tailEnd type="none" w="med" len="med"/>
+                    </a:lnR>
+                    <a:lnT w="28575" cap="flat" cmpd="sng" algn="ctr">
+                      <a:solidFill>
+                        <a:schemeClr val="tx1"/>
+                      </a:solidFill>
+                      <a:prstDash val="solid"/>
+                      <a:round/>
+                      <a:headEnd type="none" w="med" len="med"/>
+                      <a:tailEnd type="none" w="med" len="med"/>
+                    </a:lnT>
+                    <a:lnB w="9525" cap="flat" cmpd="sng" algn="ctr">
+                      <a:solidFill>
+                        <a:schemeClr val="tx1"/>
+                      </a:solidFill>
+                      <a:prstDash val="solid"/>
+                      <a:round/>
+                      <a:headEnd type="none" w="med" len="med"/>
+                      <a:tailEnd type="none" w="med" len="med"/>
+                    </a:lnB>
+                    <a:solidFill>
+                      <a:schemeClr val="tx2">
+                        <a:lumMod val="40000"/>
+                        <a:lumOff val="60000"/>
+                      </a:schemeClr>
+                    </a:solidFill>
+                  </a:tcPr>
+                </a:tc>
+                <a:tc>
+                  <a:txBody>
+                    <a:bodyPr/>
+                    <a:lstStyle/>
+                    <a:p>
+                      <a:pPr algn="ctr"/>
+                      <a:r>
+                        <a:rPr lang="en-US" b="1" dirty="0">
+                          <a:solidFill>
+                            <a:schemeClr val="tx1"/>
+                          </a:solidFill>
+                          <a:latin typeface="+mn-lt"/>
+                        </a:rPr>
+                        <a:t>Other software/technical knowledge</a:t>
+                      </a:r>
+                    </a:p>
+                  </a:txBody>
+                  <a:tcPr anchor="ctr">
+                    <a:lnL w="12700" cap="flat" cmpd="sng" algn="ctr">
+                      <a:solidFill>
+                        <a:schemeClr val="tx1"/>
+                      </a:solidFill>
+                      <a:prstDash val="solid"/>
+                      <a:round/>
+                      <a:headEnd type="none" w="med" len="med"/>
+                      <a:tailEnd type="none" w="med" len="med"/>
+                    </a:lnL>
+                    <a:lnR w="28575" cap="flat" cmpd="sng" algn="ctr">
+                      <a:solidFill>
+                        <a:schemeClr val="tx1"/>
+                      </a:solidFill>
+                      <a:prstDash val="solid"/>
+                      <a:round/>
+                      <a:headEnd type="none" w="med" len="med"/>
+                      <a:tailEnd type="none" w="med" len="med"/>
+                    </a:lnR>
+                    <a:lnT w="28575" cap="flat" cmpd="sng" algn="ctr">
+                      <a:solidFill>
+                        <a:schemeClr val="tx1"/>
+                      </a:solidFill>
+                      <a:prstDash val="solid"/>
+                      <a:round/>
+                      <a:headEnd type="none" w="med" len="med"/>
+                      <a:tailEnd type="none" w="med" len="med"/>
+                    </a:lnT>
+                    <a:lnB w="9525" cap="flat" cmpd="sng" algn="ctr">
+                      <a:solidFill>
+                        <a:schemeClr val="tx1"/>
+                      </a:solidFill>
+                      <a:prstDash val="solid"/>
+                      <a:round/>
+                      <a:headEnd type="none" w="med" len="med"/>
+                      <a:tailEnd type="none" w="med" len="med"/>
+                    </a:lnB>
+                    <a:solidFill>
+                      <a:schemeClr val="tx2">
+                        <a:lumMod val="40000"/>
+                        <a:lumOff val="60000"/>
+                      </a:schemeClr>
+                    </a:solidFill>
+                  </a:tcPr>
+                </a:tc>
+                <a:extLst>
+                  <a:ext uri="{0D108BD9-81ED-4DB2-BD59-A6C34878D82A}">
+                    <a16:rowId xmlns:a16="http://schemas.microsoft.com/office/drawing/2014/main" val="1557618133"/>
+                  </a:ext>
+                </a:extLst>
+              </a:tr>
+              <a:tr h="3725573">
+                <a:tc>
+                  <a:txBody>
+                    <a:bodyPr/>
+                    <a:lstStyle/>
+                    <a:p>
+                      <a:pPr algn="ctr">
+                        <a:spcBef>
+                          <a:spcPts val="0"/>
+                        </a:spcBef>
+                        <a:spcAft>
+                          <a:spcPts val="0"/>
+                        </a:spcAft>
+                      </a:pPr>
+                      <a:r>
+                        <a:rPr lang="en-US" b="0" dirty="0">
+                          <a:latin typeface="+mn-lt"/>
+                        </a:rPr>
+                        <a:t>Effective Python, NumPy, Xarray, Dask syntax</a:t>
+                      </a:r>
+                    </a:p>
+                    <a:p>
+                      <a:pPr algn="ctr">
+                        <a:spcBef>
+                          <a:spcPts val="0"/>
+                        </a:spcBef>
+                        <a:spcAft>
+                          <a:spcPts val="0"/>
+                        </a:spcAft>
+                      </a:pPr>
+                      <a:endParaRPr lang="en-US" b="0" dirty="0">
+                        <a:latin typeface="+mn-lt"/>
+                      </a:endParaRPr>
+                    </a:p>
+                    <a:p>
+                      <a:pPr algn="ctr">
+                        <a:spcBef>
+                          <a:spcPts val="0"/>
+                        </a:spcBef>
+                        <a:spcAft>
+                          <a:spcPts val="0"/>
+                        </a:spcAft>
+                      </a:pPr>
+                      <a:r>
+                        <a:rPr lang="en-US" b="0" dirty="0">
+                          <a:latin typeface="+mn-lt"/>
+                        </a:rPr>
+                        <a:t>Understanding of parallelization methods and which one to apply</a:t>
+                      </a:r>
+                    </a:p>
+                    <a:p>
+                      <a:pPr algn="ctr">
+                        <a:spcBef>
+                          <a:spcPts val="0"/>
+                        </a:spcBef>
+                        <a:spcAft>
+                          <a:spcPts val="0"/>
+                        </a:spcAft>
+                      </a:pPr>
+                      <a:endParaRPr lang="en-US" b="0" dirty="0">
+                        <a:latin typeface="+mn-lt"/>
+                      </a:endParaRPr>
+                    </a:p>
+                    <a:p>
+                      <a:pPr algn="ctr">
+                        <a:spcBef>
+                          <a:spcPts val="0"/>
+                        </a:spcBef>
+                        <a:spcAft>
+                          <a:spcPts val="0"/>
+                        </a:spcAft>
+                      </a:pPr>
+                      <a:r>
+                        <a:rPr lang="en-US" b="0" dirty="0">
+                          <a:latin typeface="+mn-lt"/>
+                        </a:rPr>
+                        <a:t>Code and cluster optimization</a:t>
+                      </a:r>
+                    </a:p>
+                    <a:p>
+                      <a:pPr algn="ctr">
+                        <a:spcBef>
+                          <a:spcPts val="0"/>
+                        </a:spcBef>
+                      </a:pPr>
+                      <a:endParaRPr lang="en-US" b="0" dirty="0">
+                        <a:latin typeface="+mn-lt"/>
+                      </a:endParaRPr>
+                    </a:p>
+                  </a:txBody>
+                  <a:tcPr anchor="ctr">
+                    <a:lnL w="28575" cap="flat" cmpd="sng" algn="ctr">
+                      <a:solidFill>
+                        <a:schemeClr val="tx1"/>
+                      </a:solidFill>
+                      <a:prstDash val="solid"/>
+                      <a:round/>
+                      <a:headEnd type="none" w="med" len="med"/>
+                      <a:tailEnd type="none" w="med" len="med"/>
+                    </a:lnL>
+                    <a:lnR w="12700" cap="flat" cmpd="sng" algn="ctr">
+                      <a:solidFill>
+                        <a:schemeClr val="tx1"/>
+                      </a:solidFill>
+                      <a:prstDash val="solid"/>
+                      <a:round/>
+                      <a:headEnd type="none" w="med" len="med"/>
+                      <a:tailEnd type="none" w="med" len="med"/>
+                    </a:lnR>
+                    <a:lnT w="9525" cap="flat" cmpd="sng" algn="ctr">
+                      <a:solidFill>
+                        <a:schemeClr val="tx1"/>
+                      </a:solidFill>
+                      <a:prstDash val="solid"/>
+                      <a:round/>
+                      <a:headEnd type="none" w="med" len="med"/>
+                      <a:tailEnd type="none" w="med" len="med"/>
+                    </a:lnT>
+                    <a:lnB w="28575" cap="flat" cmpd="sng" algn="ctr">
+                      <a:solidFill>
+                        <a:schemeClr val="tx1"/>
+                      </a:solidFill>
+                      <a:prstDash val="solid"/>
+                      <a:round/>
+                      <a:headEnd type="none" w="med" len="med"/>
+                      <a:tailEnd type="none" w="med" len="med"/>
+                    </a:lnB>
+                    <a:noFill/>
+                  </a:tcPr>
+                </a:tc>
+                <a:tc>
+                  <a:txBody>
+                    <a:bodyPr/>
+                    <a:lstStyle/>
+                    <a:p>
+                      <a:pPr algn="ctr"/>
+                      <a:endParaRPr lang="en-US" b="0" dirty="0">
+                        <a:solidFill>
+                          <a:schemeClr val="tx1"/>
+                        </a:solidFill>
+                        <a:latin typeface="+mn-lt"/>
+                      </a:endParaRPr>
+                    </a:p>
+                    <a:p>
+                      <a:pPr algn="ctr"/>
+                      <a:r>
+                        <a:rPr lang="en-US" b="0" dirty="0">
+                          <a:solidFill>
+                            <a:schemeClr val="tx1"/>
+                          </a:solidFill>
+                          <a:latin typeface="+mn-lt"/>
+                        </a:rPr>
+                        <a:t>Basic setup/usage</a:t>
+                      </a:r>
+                    </a:p>
+                    <a:p>
+                      <a:pPr algn="ctr"/>
+                      <a:endParaRPr lang="en-US" b="0" dirty="0">
+                        <a:solidFill>
+                          <a:schemeClr val="tx1"/>
+                        </a:solidFill>
+                        <a:latin typeface="+mn-lt"/>
+                      </a:endParaRPr>
+                    </a:p>
+                    <a:p>
+                      <a:pPr algn="ctr"/>
+                      <a:r>
+                        <a:rPr lang="en-US" b="0" dirty="0">
+                          <a:solidFill>
+                            <a:schemeClr val="tx1"/>
+                          </a:solidFill>
+                          <a:latin typeface="+mn-lt"/>
+                        </a:rPr>
+                        <a:t>Spinning up &amp; connecting to EC2 instances</a:t>
+                      </a:r>
+                    </a:p>
+                    <a:p>
+                      <a:pPr algn="ctr"/>
+                      <a:endParaRPr lang="en-US" b="0" dirty="0">
+                        <a:solidFill>
+                          <a:schemeClr val="tx1"/>
+                        </a:solidFill>
+                        <a:latin typeface="+mn-lt"/>
+                      </a:endParaRPr>
+                    </a:p>
+                    <a:p>
+                      <a:pPr algn="ctr"/>
+                      <a:r>
+                        <a:rPr lang="en-US" b="0" dirty="0">
+                          <a:solidFill>
+                            <a:schemeClr val="tx1"/>
+                          </a:solidFill>
+                          <a:latin typeface="+mn-lt"/>
+                        </a:rPr>
+                        <a:t>Lambda functions</a:t>
+                      </a:r>
+                    </a:p>
+                    <a:p>
+                      <a:pPr algn="ctr"/>
+                      <a:endParaRPr lang="en-US" b="0" dirty="0">
+                        <a:solidFill>
+                          <a:schemeClr val="tx1"/>
+                        </a:solidFill>
+                        <a:latin typeface="+mn-lt"/>
+                      </a:endParaRPr>
+                    </a:p>
+                    <a:p>
+                      <a:pPr algn="ctr"/>
+                      <a:r>
+                        <a:rPr lang="en-US" b="0" dirty="0">
+                          <a:solidFill>
+                            <a:schemeClr val="tx1"/>
+                          </a:solidFill>
+                          <a:latin typeface="+mn-lt"/>
+                        </a:rPr>
+                        <a:t>Requirements for multi-VM, distributed clusters?</a:t>
+                      </a:r>
+                    </a:p>
+                    <a:p>
+                      <a:pPr algn="ctr"/>
+                      <a:endParaRPr lang="en-US" b="0" dirty="0">
+                        <a:solidFill>
+                          <a:schemeClr val="tx1"/>
+                        </a:solidFill>
+                        <a:highlight>
+                          <a:srgbClr val="FFFF00"/>
+                        </a:highlight>
+                        <a:latin typeface="+mn-lt"/>
+                      </a:endParaRPr>
+                    </a:p>
+                    <a:p>
+                      <a:pPr algn="ctr"/>
+                      <a:r>
+                        <a:rPr lang="en-US" b="0" dirty="0">
+                          <a:solidFill>
+                            <a:schemeClr val="tx1"/>
+                          </a:solidFill>
+                          <a:latin typeface="+mn-lt"/>
+                        </a:rPr>
+                        <a:t>Cost Tracking</a:t>
+                      </a:r>
+                    </a:p>
+                    <a:p>
+                      <a:pPr algn="ctr"/>
+                      <a:endParaRPr lang="en-US" b="0" dirty="0">
+                        <a:solidFill>
+                          <a:schemeClr val="tx1"/>
+                        </a:solidFill>
+                        <a:latin typeface="+mn-lt"/>
+                      </a:endParaRPr>
+                    </a:p>
+                  </a:txBody>
+                  <a:tcPr anchor="ctr">
+                    <a:lnL w="12700" cap="flat" cmpd="sng" algn="ctr">
+                      <a:solidFill>
+                        <a:schemeClr val="tx1"/>
+                      </a:solidFill>
+                      <a:prstDash val="solid"/>
+                      <a:round/>
+                      <a:headEnd type="none" w="med" len="med"/>
+                      <a:tailEnd type="none" w="med" len="med"/>
+                    </a:lnL>
+                    <a:lnR w="12700" cap="flat" cmpd="sng" algn="ctr">
+                      <a:solidFill>
+                        <a:schemeClr val="tx1"/>
+                      </a:solidFill>
+                      <a:prstDash val="solid"/>
+                      <a:round/>
+                      <a:headEnd type="none" w="med" len="med"/>
+                      <a:tailEnd type="none" w="med" len="med"/>
+                    </a:lnR>
+                    <a:lnT w="9525" cap="flat" cmpd="sng" algn="ctr">
+                      <a:solidFill>
+                        <a:schemeClr val="tx1"/>
+                      </a:solidFill>
+                      <a:prstDash val="solid"/>
+                      <a:round/>
+                      <a:headEnd type="none" w="med" len="med"/>
+                      <a:tailEnd type="none" w="med" len="med"/>
+                    </a:lnT>
+                    <a:lnB w="28575" cap="flat" cmpd="sng" algn="ctr">
+                      <a:solidFill>
+                        <a:schemeClr val="tx1"/>
+                      </a:solidFill>
+                      <a:prstDash val="solid"/>
+                      <a:round/>
+                      <a:headEnd type="none" w="med" len="med"/>
+                      <a:tailEnd type="none" w="med" len="med"/>
+                    </a:lnB>
+                    <a:noFill/>
+                  </a:tcPr>
+                </a:tc>
+                <a:tc>
+                  <a:txBody>
+                    <a:bodyPr/>
+                    <a:lstStyle/>
+                    <a:p>
+                      <a:pPr algn="ctr"/>
+                      <a:r>
+                        <a:rPr lang="en-US" b="0" dirty="0">
+                          <a:solidFill>
+                            <a:schemeClr val="tx1"/>
+                          </a:solidFill>
+                          <a:latin typeface="+mn-lt"/>
+                        </a:rPr>
+                        <a:t>Docker</a:t>
+                      </a:r>
+                    </a:p>
+                    <a:p>
+                      <a:pPr algn="ctr"/>
+                      <a:endParaRPr lang="en-US" b="0" dirty="0">
+                        <a:solidFill>
+                          <a:schemeClr val="tx1"/>
+                        </a:solidFill>
+                        <a:latin typeface="+mn-lt"/>
+                      </a:endParaRPr>
+                    </a:p>
+                    <a:p>
+                      <a:pPr algn="ctr"/>
+                      <a:r>
+                        <a:rPr lang="en-US" b="0" dirty="0">
+                          <a:solidFill>
+                            <a:schemeClr val="tx1"/>
+                          </a:solidFill>
+                          <a:latin typeface="+mn-lt"/>
+                        </a:rPr>
+                        <a:t>Linux shell / bash scripting</a:t>
+                      </a:r>
+                    </a:p>
+                    <a:p>
+                      <a:pPr algn="ctr"/>
+                      <a:endParaRPr lang="en-US" b="0" dirty="0">
+                        <a:solidFill>
+                          <a:schemeClr val="tx1"/>
+                        </a:solidFill>
+                        <a:latin typeface="+mn-lt"/>
+                      </a:endParaRPr>
+                    </a:p>
+                    <a:p>
+                      <a:pPr algn="ctr"/>
+                      <a:r>
+                        <a:rPr lang="en-US" b="0" dirty="0">
+                          <a:solidFill>
+                            <a:schemeClr val="tx1"/>
+                          </a:solidFill>
+                          <a:latin typeface="+mn-lt"/>
+                        </a:rPr>
+                        <a:t>Ensuring VM’s have EDL creds, AWS creds, software environments</a:t>
+                      </a:r>
+                    </a:p>
+                    <a:p>
+                      <a:pPr algn="ctr"/>
+                      <a:endParaRPr lang="en-US" b="0" dirty="0">
+                        <a:solidFill>
+                          <a:schemeClr val="tx1"/>
+                        </a:solidFill>
+                        <a:latin typeface="+mn-lt"/>
+                      </a:endParaRPr>
+                    </a:p>
+                    <a:p>
+                      <a:pPr algn="ctr"/>
+                      <a:r>
+                        <a:rPr lang="en-US" b="0" dirty="0">
+                          <a:solidFill>
+                            <a:schemeClr val="tx1"/>
+                          </a:solidFill>
+                          <a:latin typeface="+mn-lt"/>
+                        </a:rPr>
+                        <a:t>Anything else?</a:t>
+                      </a:r>
+                    </a:p>
+                  </a:txBody>
+                  <a:tcPr anchor="ctr">
+                    <a:lnL w="12700" cap="flat" cmpd="sng" algn="ctr">
+                      <a:solidFill>
+                        <a:schemeClr val="tx1"/>
+                      </a:solidFill>
+                      <a:prstDash val="solid"/>
+                      <a:round/>
+                      <a:headEnd type="none" w="med" len="med"/>
+                      <a:tailEnd type="none" w="med" len="med"/>
+                    </a:lnL>
+                    <a:lnR w="28575" cap="flat" cmpd="sng" algn="ctr">
+                      <a:solidFill>
+                        <a:schemeClr val="tx1"/>
+                      </a:solidFill>
+                      <a:prstDash val="solid"/>
+                      <a:round/>
+                      <a:headEnd type="none" w="med" len="med"/>
+                      <a:tailEnd type="none" w="med" len="med"/>
+                    </a:lnR>
+                    <a:lnT w="9525" cap="flat" cmpd="sng" algn="ctr">
+                      <a:solidFill>
+                        <a:schemeClr val="tx1"/>
+                      </a:solidFill>
+                      <a:prstDash val="solid"/>
+                      <a:round/>
+                      <a:headEnd type="none" w="med" len="med"/>
+                      <a:tailEnd type="none" w="med" len="med"/>
+                    </a:lnT>
+                    <a:lnB w="28575" cap="flat" cmpd="sng" algn="ctr">
+                      <a:solidFill>
+                        <a:schemeClr val="tx1"/>
+                      </a:solidFill>
+                      <a:prstDash val="solid"/>
+                      <a:round/>
+                      <a:headEnd type="none" w="med" len="med"/>
+                      <a:tailEnd type="none" w="med" len="med"/>
+                    </a:lnB>
+                    <a:noFill/>
+                  </a:tcPr>
+                </a:tc>
+                <a:extLst>
+                  <a:ext uri="{0D108BD9-81ED-4DB2-BD59-A6C34878D82A}">
+                    <a16:rowId xmlns:a16="http://schemas.microsoft.com/office/drawing/2014/main" val="1117381047"/>
+                  </a:ext>
+                </a:extLst>
+              </a:tr>
+            </a:tbl>
+          </a:graphicData>
+        </a:graphic>
+      </p:graphicFrame>
+      <p:sp>
+        <p:nvSpPr>
+          <p:cNvPr id="7" name="Oval 6">
+            <a:extLst>
+              <a:ext uri="{FF2B5EF4-FFF2-40B4-BE49-F238E27FC236}">
+                <a16:creationId xmlns:a16="http://schemas.microsoft.com/office/drawing/2014/main" id="{563A7273-49C6-B43F-2E59-AFFBF9997ADA}"/>
+              </a:ext>
+            </a:extLst>
+          </p:cNvPr>
+          <p:cNvSpPr/>
+          <p:nvPr/>
+        </p:nvSpPr>
+        <p:spPr>
+          <a:xfrm>
+            <a:off x="1761068" y="1507067"/>
+            <a:ext cx="8518050" cy="4826000"/>
+          </a:xfrm>
+          <a:prstGeom prst="ellipse">
+            <a:avLst/>
+          </a:prstGeom>
+          <a:noFill/>
+          <a:ln w="28575">
+            <a:solidFill>
+              <a:srgbClr val="A12429"/>
+            </a:solidFill>
+          </a:ln>
+        </p:spPr>
+        <p:style>
+          <a:lnRef idx="2">
+            <a:schemeClr val="accent1">
+              <a:shade val="15000"/>
+            </a:schemeClr>
+          </a:lnRef>
+          <a:fillRef idx="1">
+            <a:schemeClr val="accent1"/>
+          </a:fillRef>
+          <a:effectRef idx="0">
+            <a:schemeClr val="accent1"/>
+          </a:effectRef>
+          <a:fontRef idx="minor">
+            <a:schemeClr val="lt1"/>
+          </a:fontRef>
+        </p:style>
+        <p:txBody>
+          <a:bodyPr rtlCol="0" anchor="ctr"/>
+          <a:lstStyle/>
+          <a:p>
+            <a:pPr algn="ctr"/>
+            <a:endParaRPr lang="en-US" dirty="0"/>
+          </a:p>
+        </p:txBody>
+      </p:sp>
+      <p:sp>
+        <p:nvSpPr>
+          <p:cNvPr id="8" name="TextBox 7">
+            <a:extLst>
+              <a:ext uri="{FF2B5EF4-FFF2-40B4-BE49-F238E27FC236}">
+                <a16:creationId xmlns:a16="http://schemas.microsoft.com/office/drawing/2014/main" id="{1C3B5DD5-30CD-2A7B-08E2-CB350BF2D5FE}"/>
+              </a:ext>
+            </a:extLst>
+          </p:cNvPr>
+          <p:cNvSpPr txBox="1"/>
+          <p:nvPr/>
+        </p:nvSpPr>
+        <p:spPr>
+          <a:xfrm>
+            <a:off x="4852882" y="1095402"/>
+            <a:ext cx="2296364" cy="369332"/>
+          </a:xfrm>
+          <a:prstGeom prst="rect">
+            <a:avLst/>
+          </a:prstGeom>
+          <a:noFill/>
+          <a:ln>
+            <a:noFill/>
+          </a:ln>
+        </p:spPr>
+        <p:txBody>
+          <a:bodyPr wrap="square" rtlCol="0">
+            <a:spAutoFit/>
+          </a:bodyPr>
+          <a:lstStyle/>
+          <a:p>
+            <a:pPr algn="ctr"/>
+            <a:r>
+              <a:rPr lang="en-US" b="1" dirty="0">
+                <a:solidFill>
+                  <a:srgbClr val="A12429"/>
+                </a:solidFill>
+              </a:rPr>
+              <a:t>Troubleshooting</a:t>
+            </a:r>
+          </a:p>
+        </p:txBody>
+      </p:sp>
+    </p:spTree>
+    <p:extLst>
+      <p:ext uri="{BB962C8B-B14F-4D97-AF65-F5344CB8AC3E}">
+        <p14:creationId xmlns:p14="http://schemas.microsoft.com/office/powerpoint/2010/main" val="1554730230"/>
+      </p:ext>
+    </p:extLst>
+  </p:cSld>
+  <p:clrMapOvr>
+    <a:masterClrMapping/>
+  </p:clrMapOvr>
+</p:sld>
+</file>
+
+<file path=ppt/slides/slide13.xml><?xml version="1.0" encoding="utf-8"?>
+<p:sld xmlns:a="http://schemas.openxmlformats.org/drawingml/2006/main" xmlns:r="http://schemas.openxmlformats.org/officeDocument/2006/relationships" xmlns:p="http://schemas.openxmlformats.org/presentationml/2006/main">
+  <p:cSld>
+    <p:spTree>
+      <p:nvGrpSpPr>
+        <p:cNvPr id="1" name=""/>
+        <p:cNvGrpSpPr/>
+        <p:nvPr/>
+      </p:nvGrpSpPr>
+      <p:grpSpPr>
+        <a:xfrm>
+          <a:off x="0" y="0"/>
+          <a:ext cx="0" cy="0"/>
+          <a:chOff x="0" y="0"/>
+          <a:chExt cx="0" cy="0"/>
+        </a:xfrm>
+      </p:grpSpPr>
+      <p:sp>
+        <p:nvSpPr>
+          <p:cNvPr id="15" name="TextBox 14">
+            <a:extLst>
+              <a:ext uri="{FF2B5EF4-FFF2-40B4-BE49-F238E27FC236}">
+                <a16:creationId xmlns:a16="http://schemas.microsoft.com/office/drawing/2014/main" id="{9283EFE8-665B-C921-466E-F3360D35EBFD}"/>
+              </a:ext>
+            </a:extLst>
+          </p:cNvPr>
+          <p:cNvSpPr txBox="1"/>
+          <p:nvPr/>
+        </p:nvSpPr>
+        <p:spPr>
+          <a:xfrm>
+            <a:off x="352205" y="197554"/>
+            <a:ext cx="4538577" cy="738664"/>
+          </a:xfrm>
+          <a:prstGeom prst="rect">
+            <a:avLst/>
+          </a:prstGeom>
+          <a:noFill/>
+          <a:ln w="57150">
+            <a:solidFill>
+              <a:schemeClr val="accent2">
+                <a:lumMod val="60000"/>
+                <a:lumOff val="40000"/>
+              </a:schemeClr>
+            </a:solidFill>
+          </a:ln>
+        </p:spPr>
+        <p:txBody>
+          <a:bodyPr wrap="square" rtlCol="0">
+            <a:spAutoFit/>
+          </a:bodyPr>
+          <a:lstStyle/>
+          <a:p>
+            <a:pPr algn="ctr"/>
+            <a:r>
+              <a:rPr lang="en-US" sz="2400" b="1" dirty="0"/>
+              <a:t>2. Challenges</a:t>
+            </a:r>
+          </a:p>
+          <a:p>
+            <a:pPr algn="ctr"/>
+            <a:r>
+              <a:rPr lang="en-US" dirty="0"/>
+              <a:t>Knowledge required establish these workflows</a:t>
+            </a:r>
+          </a:p>
+        </p:txBody>
+      </p:sp>
+      <p:graphicFrame>
+        <p:nvGraphicFramePr>
+          <p:cNvPr id="2" name="Table 1">
+            <a:extLst>
+              <a:ext uri="{FF2B5EF4-FFF2-40B4-BE49-F238E27FC236}">
+                <a16:creationId xmlns:a16="http://schemas.microsoft.com/office/drawing/2014/main" id="{F416D8E9-AEA1-F3AC-558A-01D86D89F305}"/>
+              </a:ext>
+            </a:extLst>
+          </p:cNvPr>
+          <p:cNvGraphicFramePr>
+            <a:graphicFrameLocks noGrp="1"/>
+          </p:cNvGraphicFramePr>
+          <p:nvPr/>
         </p:nvGraphicFramePr>
         <p:xfrm>
           <a:off x="1968722" y="1586138"/>
@@ -9446,7 +10180,183 @@
           <p:cNvPr id="3" name="Oval 2">
             <a:extLst>
               <a:ext uri="{FF2B5EF4-FFF2-40B4-BE49-F238E27FC236}">
-                <a16:creationId xmlns:a16="http://schemas.microsoft.com/office/drawing/2014/main" id="{80EA9E6E-47EB-1858-E76A-DFD6142882BA}"/>
+                <a16:creationId xmlns:a16="http://schemas.microsoft.com/office/drawing/2014/main" id="{C4EFF80D-B847-13EA-7B2D-93F94F812966}"/>
+              </a:ext>
+            </a:extLst>
+          </p:cNvPr>
+          <p:cNvSpPr/>
+          <p:nvPr/>
+        </p:nvSpPr>
+        <p:spPr>
+          <a:xfrm>
+            <a:off x="1968722" y="2498076"/>
+            <a:ext cx="2897436" cy="930924"/>
+          </a:xfrm>
+          <a:prstGeom prst="ellipse">
+            <a:avLst/>
+          </a:prstGeom>
+          <a:noFill/>
+        </p:spPr>
+        <p:style>
+          <a:lnRef idx="2">
+            <a:schemeClr val="accent1">
+              <a:shade val="15000"/>
+            </a:schemeClr>
+          </a:lnRef>
+          <a:fillRef idx="1">
+            <a:schemeClr val="accent1"/>
+          </a:fillRef>
+          <a:effectRef idx="0">
+            <a:schemeClr val="accent1"/>
+          </a:effectRef>
+          <a:fontRef idx="minor">
+            <a:schemeClr val="lt1"/>
+          </a:fontRef>
+        </p:style>
+        <p:txBody>
+          <a:bodyPr rtlCol="0" anchor="ctr"/>
+          <a:lstStyle/>
+          <a:p>
+            <a:pPr algn="ctr"/>
+            <a:endParaRPr lang="en-US"/>
+          </a:p>
+        </p:txBody>
+      </p:sp>
+      <p:sp>
+        <p:nvSpPr>
+          <p:cNvPr id="4" name="Oval 3">
+            <a:extLst>
+              <a:ext uri="{FF2B5EF4-FFF2-40B4-BE49-F238E27FC236}">
+                <a16:creationId xmlns:a16="http://schemas.microsoft.com/office/drawing/2014/main" id="{73141D56-A53E-5EFE-A8E5-DBEF9081BC3D}"/>
+              </a:ext>
+            </a:extLst>
+          </p:cNvPr>
+          <p:cNvSpPr/>
+          <p:nvPr/>
+        </p:nvSpPr>
+        <p:spPr>
+          <a:xfrm>
+            <a:off x="7209701" y="3213282"/>
+            <a:ext cx="2897436" cy="739047"/>
+          </a:xfrm>
+          <a:prstGeom prst="ellipse">
+            <a:avLst/>
+          </a:prstGeom>
+          <a:noFill/>
+        </p:spPr>
+        <p:style>
+          <a:lnRef idx="2">
+            <a:schemeClr val="accent1">
+              <a:shade val="15000"/>
+            </a:schemeClr>
+          </a:lnRef>
+          <a:fillRef idx="1">
+            <a:schemeClr val="accent1"/>
+          </a:fillRef>
+          <a:effectRef idx="0">
+            <a:schemeClr val="accent1"/>
+          </a:effectRef>
+          <a:fontRef idx="minor">
+            <a:schemeClr val="lt1"/>
+          </a:fontRef>
+        </p:style>
+        <p:txBody>
+          <a:bodyPr rtlCol="0" anchor="ctr"/>
+          <a:lstStyle/>
+          <a:p>
+            <a:pPr algn="ctr"/>
+            <a:endParaRPr lang="en-US"/>
+          </a:p>
+        </p:txBody>
+      </p:sp>
+      <p:sp>
+        <p:nvSpPr>
+          <p:cNvPr id="5" name="TextBox 4">
+            <a:extLst>
+              <a:ext uri="{FF2B5EF4-FFF2-40B4-BE49-F238E27FC236}">
+                <a16:creationId xmlns:a16="http://schemas.microsoft.com/office/drawing/2014/main" id="{A4550BFD-4A52-354E-EB71-E0A7093C3154}"/>
+              </a:ext>
+            </a:extLst>
+          </p:cNvPr>
+          <p:cNvSpPr txBox="1"/>
+          <p:nvPr/>
+        </p:nvSpPr>
+        <p:spPr>
+          <a:xfrm>
+            <a:off x="7426234" y="436328"/>
+            <a:ext cx="2575896" cy="738664"/>
+          </a:xfrm>
+          <a:prstGeom prst="rect">
+            <a:avLst/>
+          </a:prstGeom>
+          <a:noFill/>
+        </p:spPr>
+        <p:txBody>
+          <a:bodyPr wrap="square" rtlCol="0">
+            <a:spAutoFit/>
+          </a:bodyPr>
+          <a:lstStyle/>
+          <a:p>
+            <a:r>
+              <a:rPr lang="en-US" sz="1400" dirty="0"/>
+              <a:t>(A researcher may only be coming to the table with knowledge in these areas)</a:t>
+            </a:r>
+          </a:p>
+        </p:txBody>
+      </p:sp>
+      <p:sp>
+        <p:nvSpPr>
+          <p:cNvPr id="6" name="Oval 5">
+            <a:extLst>
+              <a:ext uri="{FF2B5EF4-FFF2-40B4-BE49-F238E27FC236}">
+                <a16:creationId xmlns:a16="http://schemas.microsoft.com/office/drawing/2014/main" id="{EB3F516A-DCFD-8D86-F1C8-05C97EAACCF1}"/>
+              </a:ext>
+            </a:extLst>
+          </p:cNvPr>
+          <p:cNvSpPr/>
+          <p:nvPr/>
+        </p:nvSpPr>
+        <p:spPr>
+          <a:xfrm>
+            <a:off x="6945281" y="288454"/>
+            <a:ext cx="3333837" cy="1088179"/>
+          </a:xfrm>
+          <a:prstGeom prst="ellipse">
+            <a:avLst/>
+          </a:prstGeom>
+          <a:noFill/>
+        </p:spPr>
+        <p:style>
+          <a:lnRef idx="2">
+            <a:schemeClr val="accent1">
+              <a:shade val="15000"/>
+            </a:schemeClr>
+          </a:lnRef>
+          <a:fillRef idx="1">
+            <a:schemeClr val="accent1"/>
+          </a:fillRef>
+          <a:effectRef idx="0">
+            <a:schemeClr val="accent1"/>
+          </a:effectRef>
+          <a:fontRef idx="minor">
+            <a:schemeClr val="lt1"/>
+          </a:fontRef>
+        </p:style>
+        <p:txBody>
+          <a:bodyPr rtlCol="0" anchor="ctr"/>
+          <a:lstStyle/>
+          <a:p>
+            <a:pPr algn="ctr"/>
+            <a:endParaRPr lang="en-US"/>
+          </a:p>
+        </p:txBody>
+      </p:sp>
+      <p:sp>
+        <p:nvSpPr>
+          <p:cNvPr id="7" name="Oval 6">
+            <a:extLst>
+              <a:ext uri="{FF2B5EF4-FFF2-40B4-BE49-F238E27FC236}">
+                <a16:creationId xmlns:a16="http://schemas.microsoft.com/office/drawing/2014/main" id="{FC43E12D-1806-45C4-987B-41A56541889A}"/>
               </a:ext>
             </a:extLst>
           </p:cNvPr>
@@ -9495,10 +10405,10 @@
       </p:sp>
       <p:sp>
         <p:nvSpPr>
-          <p:cNvPr id="4" name="TextBox 3">
-            <a:extLst>
-              <a:ext uri="{FF2B5EF4-FFF2-40B4-BE49-F238E27FC236}">
-                <a16:creationId xmlns:a16="http://schemas.microsoft.com/office/drawing/2014/main" id="{FF319772-F0A6-C7F3-73BA-50975E35ADB1}"/>
+          <p:cNvPr id="8" name="TextBox 7">
+            <a:extLst>
+              <a:ext uri="{FF2B5EF4-FFF2-40B4-BE49-F238E27FC236}">
+                <a16:creationId xmlns:a16="http://schemas.microsoft.com/office/drawing/2014/main" id="{DE7CAE42-6B5C-ABAE-03DA-22A0A1184B34}"/>
               </a:ext>
             </a:extLst>
           </p:cNvPr>
@@ -9536,10 +10446,90 @@
           </a:p>
         </p:txBody>
       </p:sp>
+      <p:cxnSp>
+        <p:nvCxnSpPr>
+          <p:cNvPr id="10" name="Straight Connector 9">
+            <a:extLst>
+              <a:ext uri="{FF2B5EF4-FFF2-40B4-BE49-F238E27FC236}">
+                <a16:creationId xmlns:a16="http://schemas.microsoft.com/office/drawing/2014/main" id="{E7420157-4C8D-F310-90D0-4E9B1B945644}"/>
+              </a:ext>
+            </a:extLst>
+          </p:cNvPr>
+          <p:cNvCxnSpPr>
+            <a:cxnSpLocks/>
+            <a:stCxn id="3" idx="7"/>
+            <a:endCxn id="6" idx="4"/>
+          </p:cNvCxnSpPr>
+          <p:nvPr/>
+        </p:nvCxnSpPr>
+        <p:spPr>
+          <a:xfrm flipV="1">
+            <a:off x="4441838" y="1376633"/>
+            <a:ext cx="4170362" cy="1257774"/>
+          </a:xfrm>
+          <a:prstGeom prst="line">
+            <a:avLst/>
+          </a:prstGeom>
+        </p:spPr>
+        <p:style>
+          <a:lnRef idx="1">
+            <a:schemeClr val="accent1"/>
+          </a:lnRef>
+          <a:fillRef idx="0">
+            <a:schemeClr val="accent1"/>
+          </a:fillRef>
+          <a:effectRef idx="0">
+            <a:schemeClr val="accent1"/>
+          </a:effectRef>
+          <a:fontRef idx="minor">
+            <a:schemeClr val="tx1"/>
+          </a:fontRef>
+        </p:style>
+      </p:cxnSp>
+      <p:cxnSp>
+        <p:nvCxnSpPr>
+          <p:cNvPr id="12" name="Straight Connector 11">
+            <a:extLst>
+              <a:ext uri="{FF2B5EF4-FFF2-40B4-BE49-F238E27FC236}">
+                <a16:creationId xmlns:a16="http://schemas.microsoft.com/office/drawing/2014/main" id="{46606559-9E14-20F7-F941-B1B29BAB45B8}"/>
+              </a:ext>
+            </a:extLst>
+          </p:cNvPr>
+          <p:cNvCxnSpPr>
+            <a:cxnSpLocks/>
+            <a:stCxn id="4" idx="0"/>
+            <a:endCxn id="6" idx="4"/>
+          </p:cNvCxnSpPr>
+          <p:nvPr/>
+        </p:nvCxnSpPr>
+        <p:spPr>
+          <a:xfrm flipH="1" flipV="1">
+            <a:off x="8612200" y="1376633"/>
+            <a:ext cx="46219" cy="1836649"/>
+          </a:xfrm>
+          <a:prstGeom prst="line">
+            <a:avLst/>
+          </a:prstGeom>
+        </p:spPr>
+        <p:style>
+          <a:lnRef idx="1">
+            <a:schemeClr val="accent1"/>
+          </a:lnRef>
+          <a:fillRef idx="0">
+            <a:schemeClr val="accent1"/>
+          </a:fillRef>
+          <a:effectRef idx="0">
+            <a:schemeClr val="accent1"/>
+          </a:effectRef>
+          <a:fontRef idx="minor">
+            <a:schemeClr val="tx1"/>
+          </a:fontRef>
+        </p:style>
+      </p:cxnSp>
     </p:spTree>
     <p:extLst>
       <p:ext uri="{BB962C8B-B14F-4D97-AF65-F5344CB8AC3E}">
-        <p14:creationId xmlns:p14="http://schemas.microsoft.com/office/powerpoint/2010/main" val="2539800748"/>
+        <p14:creationId xmlns:p14="http://schemas.microsoft.com/office/powerpoint/2010/main" val="3082627735"/>
       </p:ext>
     </p:extLst>
   </p:cSld>
@@ -9549,7 +10539,7 @@
 </p:sld>
 </file>
 
-<file path=ppt/slides/slide13.xml><?xml version="1.0" encoding="utf-8"?>
+<file path=ppt/slides/slide14.xml><?xml version="1.0" encoding="utf-8"?>
 <p:sld xmlns:a="http://schemas.openxmlformats.org/drawingml/2006/main" xmlns:r="http://schemas.openxmlformats.org/officeDocument/2006/relationships" xmlns:p="http://schemas.openxmlformats.org/presentationml/2006/main">
   <p:cSld>
     <p:spTree>
@@ -10562,7 +11552,7 @@
 </p:sld>
 </file>
 
-<file path=ppt/slides/slide14.xml><?xml version="1.0" encoding="utf-8"?>
+<file path=ppt/slides/slide15.xml><?xml version="1.0" encoding="utf-8"?>
 <p:sld xmlns:a="http://schemas.openxmlformats.org/drawingml/2006/main" xmlns:r="http://schemas.openxmlformats.org/officeDocument/2006/relationships" xmlns:p="http://schemas.openxmlformats.org/presentationml/2006/main">
   <p:cSld>
     <p:spTree>
@@ -10645,7 +11635,7 @@
         <p:spPr>
           <a:xfrm>
             <a:off x="1602827" y="1735551"/>
-            <a:ext cx="8986345" cy="3724096"/>
+            <a:ext cx="8986345" cy="2739211"/>
           </a:xfrm>
           <a:prstGeom prst="rect">
             <a:avLst/>
@@ -10679,7 +11669,7 @@
               <a:rPr lang="en-US" sz="2000" b="1" dirty="0">
                 <a:latin typeface="+mj-lt"/>
               </a:rPr>
-              <a:t>Summing up my understanding of Coiled in a couple sentences:</a:t>
+              <a:t>Summing up my view of Coiled in a few sentences:</a:t>
             </a:r>
           </a:p>
           <a:p>
@@ -10694,7 +11684,7 @@
               <a:rPr lang="en-US" sz="2000" dirty="0">
                 <a:latin typeface="+mj-lt"/>
               </a:rPr>
-              <a:t>Coiled is not an alternative to AWS services. Rather, it is a wrapper around them, making it easy to spin up those resources from a Python Script or </a:t>
+              <a:t>Coiled is not an alternative to AWS services. Rather, it is a wrapper around them, making it easy to spin up resources from a Python Script or </a:t>
             </a:r>
             <a:r>
               <a:rPr lang="en-US" sz="2000" dirty="0" err="1">
@@ -10706,29 +11696,7 @@
               <a:rPr lang="en-US" sz="2000" dirty="0">
                 <a:latin typeface="+mj-lt"/>
               </a:rPr>
-              <a:t> Notebook, and get your code running on them, even if you are not a software/AWS expert. With your Coiled dashboard it is also easy to monitor resources used and estimate costs for yourself and teammates. </a:t>
-            </a:r>
-          </a:p>
-          <a:p>
-            <a:pPr algn="ctr"/>
-            <a:endParaRPr lang="en-US" sz="2400" dirty="0">
-              <a:latin typeface="+mj-lt"/>
-            </a:endParaRPr>
-          </a:p>
-          <a:p>
-            <a:pPr algn="ctr"/>
-            <a:r>
-              <a:rPr lang="en-US" sz="2000" dirty="0">
-                <a:latin typeface="+mj-lt"/>
-                <a:hlinkClick r:id="rId3"/>
-              </a:rPr>
-              <a:t>https://docs.coiled.io/user_guide/why.html</a:t>
-            </a:r>
-            <a:r>
-              <a:rPr lang="en-US" sz="2000" dirty="0">
-                <a:latin typeface="+mj-lt"/>
-              </a:rPr>
-              <a:t> </a:t>
+              <a:t> Notebook and run your code on them, even if you are not a software/AWS expert. With Coiled dashboard it is easy to monitor resources and costs for yourself and teammates. </a:t>
             </a:r>
           </a:p>
           <a:p>
@@ -10752,7 +11720,7 @@
 </p:sld>
 </file>
 
-<file path=ppt/slides/slide15.xml><?xml version="1.0" encoding="utf-8"?>
+<file path=ppt/slides/slide16.xml><?xml version="1.0" encoding="utf-8"?>
 <p:sld xmlns:a="http://schemas.openxmlformats.org/drawingml/2006/main" xmlns:r="http://schemas.openxmlformats.org/officeDocument/2006/relationships" xmlns:p="http://schemas.openxmlformats.org/presentationml/2006/main">
   <p:cSld>
     <p:spTree>
@@ -11954,7 +12922,7 @@
 </p:sld>
 </file>
 
-<file path=ppt/slides/slide16.xml><?xml version="1.0" encoding="utf-8"?>
+<file path=ppt/slides/slide17.xml><?xml version="1.0" encoding="utf-8"?>
 <p:sld xmlns:a="http://schemas.openxmlformats.org/drawingml/2006/main" xmlns:r="http://schemas.openxmlformats.org/officeDocument/2006/relationships" xmlns:p="http://schemas.openxmlformats.org/presentationml/2006/main">
   <p:cSld>
     <p:spTree>
@@ -12038,7 +13006,7 @@
 </p:sld>
 </file>
 
-<file path=ppt/slides/slide17.xml><?xml version="1.0" encoding="utf-8"?>
+<file path=ppt/slides/slide18.xml><?xml version="1.0" encoding="utf-8"?>
 <p:sld xmlns:a="http://schemas.openxmlformats.org/drawingml/2006/main" xmlns:r="http://schemas.openxmlformats.org/officeDocument/2006/relationships" xmlns:p="http://schemas.openxmlformats.org/presentationml/2006/main">
   <p:cSld>
     <p:spTree>
@@ -12675,7 +13643,7 @@
 </p:sld>
 </file>
 
-<file path=ppt/slides/slide18.xml><?xml version="1.0" encoding="utf-8"?>
+<file path=ppt/slides/slide19.xml><?xml version="1.0" encoding="utf-8"?>
 <p:sld xmlns:a="http://schemas.openxmlformats.org/drawingml/2006/main" xmlns:r="http://schemas.openxmlformats.org/officeDocument/2006/relationships" xmlns:p="http://schemas.openxmlformats.org/presentationml/2006/main">
   <p:cSld>
     <p:spTree>
@@ -13568,1302 +14536,6 @@
     <p:extLst>
       <p:ext uri="{BB962C8B-B14F-4D97-AF65-F5344CB8AC3E}">
         <p14:creationId xmlns:p14="http://schemas.microsoft.com/office/powerpoint/2010/main" val="3482036215"/>
-      </p:ext>
-    </p:extLst>
-  </p:cSld>
-  <p:clrMapOvr>
-    <a:masterClrMapping/>
-  </p:clrMapOvr>
-</p:sld>
-</file>
-
-<file path=ppt/slides/slide19.xml><?xml version="1.0" encoding="utf-8"?>
-<p:sld xmlns:a="http://schemas.openxmlformats.org/drawingml/2006/main" xmlns:r="http://schemas.openxmlformats.org/officeDocument/2006/relationships" xmlns:p="http://schemas.openxmlformats.org/presentationml/2006/main">
-  <p:cSld>
-    <p:spTree>
-      <p:nvGrpSpPr>
-        <p:cNvPr id="1" name="">
-          <a:extLst>
-            <a:ext uri="{FF2B5EF4-FFF2-40B4-BE49-F238E27FC236}">
-              <a16:creationId xmlns:a16="http://schemas.microsoft.com/office/drawing/2014/main" id="{D086D059-4C0B-C976-87C1-F422C5A8B02C}"/>
-            </a:ext>
-          </a:extLst>
-        </p:cNvPr>
-        <p:cNvGrpSpPr/>
-        <p:nvPr/>
-      </p:nvGrpSpPr>
-      <p:grpSpPr>
-        <a:xfrm>
-          <a:off x="0" y="0"/>
-          <a:ext cx="0" cy="0"/>
-          <a:chOff x="0" y="0"/>
-          <a:chExt cx="0" cy="0"/>
-        </a:xfrm>
-      </p:grpSpPr>
-      <p:grpSp>
-        <p:nvGrpSpPr>
-          <p:cNvPr id="13" name="Group 12">
-            <a:extLst>
-              <a:ext uri="{FF2B5EF4-FFF2-40B4-BE49-F238E27FC236}">
-                <a16:creationId xmlns:a16="http://schemas.microsoft.com/office/drawing/2014/main" id="{70D12BFD-B6CC-DB06-1DC1-94FA8F02E5DE}"/>
-              </a:ext>
-            </a:extLst>
-          </p:cNvPr>
-          <p:cNvGrpSpPr/>
-          <p:nvPr/>
-        </p:nvGrpSpPr>
-        <p:grpSpPr>
-          <a:xfrm>
-            <a:off x="4608485" y="359762"/>
-            <a:ext cx="7231310" cy="4561030"/>
-            <a:chOff x="2864623" y="913991"/>
-            <a:chExt cx="7231310" cy="4724454"/>
-          </a:xfrm>
-        </p:grpSpPr>
-        <p:pic>
-          <p:nvPicPr>
-            <p:cNvPr id="14" name="Picture 13">
-              <a:extLst>
-                <a:ext uri="{FF2B5EF4-FFF2-40B4-BE49-F238E27FC236}">
-                  <a16:creationId xmlns:a16="http://schemas.microsoft.com/office/drawing/2014/main" id="{6A6E93F8-E523-8E6A-AEBE-1E6A71503C5A}"/>
-                </a:ext>
-              </a:extLst>
-            </p:cNvPr>
-            <p:cNvPicPr>
-              <a:picLocks noChangeAspect="1"/>
-            </p:cNvPicPr>
-            <p:nvPr/>
-          </p:nvPicPr>
-          <p:blipFill rotWithShape="1">
-            <a:blip r:embed="rId3"/>
-            <a:srcRect l="9115" t="15264" r="8316" b="12809"/>
-            <a:stretch/>
-          </p:blipFill>
-          <p:spPr>
-            <a:xfrm>
-              <a:off x="2864623" y="913991"/>
-              <a:ext cx="7231310" cy="4724454"/>
-            </a:xfrm>
-            <a:prstGeom prst="rect">
-              <a:avLst/>
-            </a:prstGeom>
-          </p:spPr>
-        </p:pic>
-        <p:sp>
-          <p:nvSpPr>
-            <p:cNvPr id="15" name="Rectangle 14">
-              <a:extLst>
-                <a:ext uri="{FF2B5EF4-FFF2-40B4-BE49-F238E27FC236}">
-                  <a16:creationId xmlns:a16="http://schemas.microsoft.com/office/drawing/2014/main" id="{0017AAC2-CE0A-51D0-2FBD-10419DC55319}"/>
-                </a:ext>
-              </a:extLst>
-            </p:cNvPr>
-            <p:cNvSpPr/>
-            <p:nvPr/>
-          </p:nvSpPr>
-          <p:spPr>
-            <a:xfrm>
-              <a:off x="4506011" y="2491033"/>
-              <a:ext cx="4138367" cy="2137528"/>
-            </a:xfrm>
-            <a:prstGeom prst="rect">
-              <a:avLst/>
-            </a:prstGeom>
-            <a:solidFill>
-              <a:schemeClr val="bg1"/>
-            </a:solidFill>
-            <a:ln>
-              <a:noFill/>
-            </a:ln>
-          </p:spPr>
-          <p:style>
-            <a:lnRef idx="2">
-              <a:schemeClr val="accent1">
-                <a:shade val="15000"/>
-              </a:schemeClr>
-            </a:lnRef>
-            <a:fillRef idx="1">
-              <a:schemeClr val="accent1"/>
-            </a:fillRef>
-            <a:effectRef idx="0">
-              <a:schemeClr val="accent1"/>
-            </a:effectRef>
-            <a:fontRef idx="minor">
-              <a:schemeClr val="lt1"/>
-            </a:fontRef>
-          </p:style>
-          <p:txBody>
-            <a:bodyPr rtlCol="0" anchor="ctr"/>
-            <a:lstStyle/>
-            <a:p>
-              <a:pPr algn="ctr"/>
-              <a:endParaRPr lang="en-US"/>
-            </a:p>
-          </p:txBody>
-        </p:sp>
-      </p:grpSp>
-      <p:sp>
-        <p:nvSpPr>
-          <p:cNvPr id="44" name="TextBox 43">
-            <a:extLst>
-              <a:ext uri="{FF2B5EF4-FFF2-40B4-BE49-F238E27FC236}">
-                <a16:creationId xmlns:a16="http://schemas.microsoft.com/office/drawing/2014/main" id="{FBDDCF72-1D93-8702-202A-95793EC80FA5}"/>
-              </a:ext>
-            </a:extLst>
-          </p:cNvPr>
-          <p:cNvSpPr txBox="1"/>
-          <p:nvPr/>
-        </p:nvSpPr>
-        <p:spPr>
-          <a:xfrm>
-            <a:off x="6583783" y="1404980"/>
-            <a:ext cx="728768" cy="276999"/>
-          </a:xfrm>
-          <a:prstGeom prst="rect">
-            <a:avLst/>
-          </a:prstGeom>
-          <a:solidFill>
-            <a:schemeClr val="bg1"/>
-          </a:solidFill>
-        </p:spPr>
-        <p:txBody>
-          <a:bodyPr wrap="square" rtlCol="0">
-            <a:spAutoFit/>
-          </a:bodyPr>
-          <a:lstStyle/>
-          <a:p>
-            <a:pPr algn="ctr"/>
-            <a:r>
-              <a:rPr lang="en-US" sz="1200" dirty="0">
-                <a:latin typeface="Times New Roman" panose="02020603050405020304" pitchFamily="18" charset="0"/>
-                <a:cs typeface="Times New Roman" panose="02020603050405020304" pitchFamily="18" charset="0"/>
-              </a:rPr>
-              <a:t>F(x</a:t>
-            </a:r>
-            <a:r>
-              <a:rPr lang="en-US" sz="1200" baseline="-25000" dirty="0">
-                <a:latin typeface="Times New Roman" panose="02020603050405020304" pitchFamily="18" charset="0"/>
-                <a:cs typeface="Times New Roman" panose="02020603050405020304" pitchFamily="18" charset="0"/>
-              </a:rPr>
-              <a:t>1</a:t>
-            </a:r>
-            <a:r>
-              <a:rPr lang="en-US" sz="1200" dirty="0">
-                <a:latin typeface="Times New Roman" panose="02020603050405020304" pitchFamily="18" charset="0"/>
-                <a:cs typeface="Times New Roman" panose="02020603050405020304" pitchFamily="18" charset="0"/>
-              </a:rPr>
-              <a:t>, x</a:t>
-            </a:r>
-            <a:r>
-              <a:rPr lang="en-US" sz="1200" baseline="-25000" dirty="0">
-                <a:latin typeface="Times New Roman" panose="02020603050405020304" pitchFamily="18" charset="0"/>
-                <a:cs typeface="Times New Roman" panose="02020603050405020304" pitchFamily="18" charset="0"/>
-              </a:rPr>
-              <a:t>2</a:t>
-            </a:r>
-            <a:r>
-              <a:rPr lang="en-US" sz="1200" dirty="0">
-                <a:latin typeface="Times New Roman" panose="02020603050405020304" pitchFamily="18" charset="0"/>
-                <a:cs typeface="Times New Roman" panose="02020603050405020304" pitchFamily="18" charset="0"/>
-              </a:rPr>
-              <a:t>)</a:t>
-            </a:r>
-          </a:p>
-        </p:txBody>
-      </p:sp>
-      <p:sp>
-        <p:nvSpPr>
-          <p:cNvPr id="3" name="TextBox 2">
-            <a:extLst>
-              <a:ext uri="{FF2B5EF4-FFF2-40B4-BE49-F238E27FC236}">
-                <a16:creationId xmlns:a16="http://schemas.microsoft.com/office/drawing/2014/main" id="{BBD24D75-FB65-8B77-A9F4-7B9F77CEDBA5}"/>
-              </a:ext>
-            </a:extLst>
-          </p:cNvPr>
-          <p:cNvSpPr txBox="1"/>
-          <p:nvPr/>
-        </p:nvSpPr>
-        <p:spPr>
-          <a:xfrm>
-            <a:off x="352205" y="197554"/>
-            <a:ext cx="4538577" cy="738664"/>
-          </a:xfrm>
-          <a:prstGeom prst="rect">
-            <a:avLst/>
-          </a:prstGeom>
-          <a:noFill/>
-          <a:ln w="57150">
-            <a:solidFill>
-              <a:schemeClr val="accent2">
-                <a:lumMod val="60000"/>
-                <a:lumOff val="40000"/>
-              </a:schemeClr>
-            </a:solidFill>
-          </a:ln>
-        </p:spPr>
-        <p:txBody>
-          <a:bodyPr wrap="square" rtlCol="0">
-            <a:spAutoFit/>
-          </a:bodyPr>
-          <a:lstStyle/>
-          <a:p>
-            <a:pPr algn="ctr"/>
-            <a:r>
-              <a:rPr lang="en-US" sz="2400" b="1" dirty="0"/>
-              <a:t>3. Coiled Workflows</a:t>
-            </a:r>
-          </a:p>
-          <a:p>
-            <a:pPr algn="ctr"/>
-            <a:r>
-              <a:rPr lang="en-US" dirty="0"/>
-              <a:t>Coiled Function Intro</a:t>
-            </a:r>
-          </a:p>
-        </p:txBody>
-      </p:sp>
-      <p:sp>
-        <p:nvSpPr>
-          <p:cNvPr id="43" name="TextBox 42">
-            <a:extLst>
-              <a:ext uri="{FF2B5EF4-FFF2-40B4-BE49-F238E27FC236}">
-                <a16:creationId xmlns:a16="http://schemas.microsoft.com/office/drawing/2014/main" id="{5AEF0077-8A3D-E012-A916-478A5A8F35C4}"/>
-              </a:ext>
-            </a:extLst>
-          </p:cNvPr>
-          <p:cNvSpPr txBox="1"/>
-          <p:nvPr/>
-        </p:nvSpPr>
-        <p:spPr>
-          <a:xfrm>
-            <a:off x="8195634" y="1349123"/>
-            <a:ext cx="728768" cy="276999"/>
-          </a:xfrm>
-          <a:prstGeom prst="rect">
-            <a:avLst/>
-          </a:prstGeom>
-          <a:solidFill>
-            <a:schemeClr val="bg1"/>
-          </a:solidFill>
-        </p:spPr>
-        <p:txBody>
-          <a:bodyPr wrap="square" rtlCol="0">
-            <a:spAutoFit/>
-          </a:bodyPr>
-          <a:lstStyle/>
-          <a:p>
-            <a:pPr algn="ctr"/>
-            <a:r>
-              <a:rPr lang="en-US" sz="1200" dirty="0">
-                <a:latin typeface="Times New Roman" panose="02020603050405020304" pitchFamily="18" charset="0"/>
-                <a:cs typeface="Times New Roman" panose="02020603050405020304" pitchFamily="18" charset="0"/>
-              </a:rPr>
-              <a:t>F(x</a:t>
-            </a:r>
-            <a:r>
-              <a:rPr lang="en-US" sz="1200" baseline="-25000" dirty="0">
-                <a:latin typeface="Times New Roman" panose="02020603050405020304" pitchFamily="18" charset="0"/>
-                <a:cs typeface="Times New Roman" panose="02020603050405020304" pitchFamily="18" charset="0"/>
-              </a:rPr>
-              <a:t>1</a:t>
-            </a:r>
-            <a:r>
-              <a:rPr lang="en-US" sz="1200" dirty="0">
-                <a:latin typeface="Times New Roman" panose="02020603050405020304" pitchFamily="18" charset="0"/>
-                <a:cs typeface="Times New Roman" panose="02020603050405020304" pitchFamily="18" charset="0"/>
-              </a:rPr>
-              <a:t>, x</a:t>
-            </a:r>
-            <a:r>
-              <a:rPr lang="en-US" sz="1200" baseline="-25000" dirty="0">
-                <a:latin typeface="Times New Roman" panose="02020603050405020304" pitchFamily="18" charset="0"/>
-                <a:cs typeface="Times New Roman" panose="02020603050405020304" pitchFamily="18" charset="0"/>
-              </a:rPr>
-              <a:t>2</a:t>
-            </a:r>
-            <a:r>
-              <a:rPr lang="en-US" sz="1200" dirty="0">
-                <a:latin typeface="Times New Roman" panose="02020603050405020304" pitchFamily="18" charset="0"/>
-                <a:cs typeface="Times New Roman" panose="02020603050405020304" pitchFamily="18" charset="0"/>
-              </a:rPr>
-              <a:t>)</a:t>
-            </a:r>
-          </a:p>
-        </p:txBody>
-      </p:sp>
-      <p:pic>
-        <p:nvPicPr>
-          <p:cNvPr id="7" name="Picture 6">
-            <a:extLst>
-              <a:ext uri="{FF2B5EF4-FFF2-40B4-BE49-F238E27FC236}">
-                <a16:creationId xmlns:a16="http://schemas.microsoft.com/office/drawing/2014/main" id="{89A88C6C-FBFF-680C-884A-E75F7A508BF6}"/>
-              </a:ext>
-            </a:extLst>
-          </p:cNvPr>
-          <p:cNvPicPr>
-            <a:picLocks noChangeAspect="1"/>
-          </p:cNvPicPr>
-          <p:nvPr/>
-        </p:nvPicPr>
-        <p:blipFill>
-          <a:blip r:embed="rId4"/>
-          <a:stretch>
-            <a:fillRect/>
-          </a:stretch>
-        </p:blipFill>
-        <p:spPr>
-          <a:xfrm>
-            <a:off x="1976763" y="4831956"/>
-            <a:ext cx="4452933" cy="1799897"/>
-          </a:xfrm>
-          <a:prstGeom prst="rect">
-            <a:avLst/>
-          </a:prstGeom>
-        </p:spPr>
-      </p:pic>
-      <p:grpSp>
-        <p:nvGrpSpPr>
-          <p:cNvPr id="35" name="Group 34">
-            <a:extLst>
-              <a:ext uri="{FF2B5EF4-FFF2-40B4-BE49-F238E27FC236}">
-                <a16:creationId xmlns:a16="http://schemas.microsoft.com/office/drawing/2014/main" id="{4199A24F-39B7-4BE2-BCE3-209DC0738CC5}"/>
-              </a:ext>
-            </a:extLst>
-          </p:cNvPr>
-          <p:cNvGrpSpPr/>
-          <p:nvPr/>
-        </p:nvGrpSpPr>
-        <p:grpSpPr>
-          <a:xfrm>
-            <a:off x="6717402" y="1644229"/>
-            <a:ext cx="645526" cy="510293"/>
-            <a:chOff x="6253267" y="1135664"/>
-            <a:chExt cx="645526" cy="510293"/>
-          </a:xfrm>
-        </p:grpSpPr>
-        <p:pic>
-          <p:nvPicPr>
-            <p:cNvPr id="23" name="Picture 2">
-              <a:extLst>
-                <a:ext uri="{FF2B5EF4-FFF2-40B4-BE49-F238E27FC236}">
-                  <a16:creationId xmlns:a16="http://schemas.microsoft.com/office/drawing/2014/main" id="{376CC7B0-B536-8DC1-3322-58DC98CCD8F6}"/>
-                </a:ext>
-              </a:extLst>
-            </p:cNvPr>
-            <p:cNvPicPr>
-              <a:picLocks noChangeAspect="1" noChangeArrowheads="1"/>
-            </p:cNvPicPr>
-            <p:nvPr/>
-          </p:nvPicPr>
-          <p:blipFill rotWithShape="1">
-            <a:blip r:embed="rId5">
-              <a:extLst>
-                <a:ext uri="{28A0092B-C50C-407E-A947-70E740481C1C}">
-                  <a14:useLocalDpi xmlns:a14="http://schemas.microsoft.com/office/drawing/2010/main" val="0"/>
-                </a:ext>
-              </a:extLst>
-            </a:blip>
-            <a:srcRect l="62586" t="70805" r="27168" b="12100"/>
-            <a:stretch/>
-          </p:blipFill>
-          <p:spPr bwMode="auto">
-            <a:xfrm>
-              <a:off x="6253267" y="1135664"/>
-              <a:ext cx="543769" cy="510293"/>
-            </a:xfrm>
-            <a:prstGeom prst="rect">
-              <a:avLst/>
-            </a:prstGeom>
-            <a:noFill/>
-            <a:extLst>
-              <a:ext uri="{909E8E84-426E-40DD-AFC4-6F175D3DCCD1}">
-                <a14:hiddenFill xmlns:a14="http://schemas.microsoft.com/office/drawing/2010/main">
-                  <a:solidFill>
-                    <a:srgbClr val="FFFFFF"/>
-                  </a:solidFill>
-                </a14:hiddenFill>
-              </a:ext>
-            </a:extLst>
-          </p:spPr>
-        </p:pic>
-        <p:sp>
-          <p:nvSpPr>
-            <p:cNvPr id="34" name="Rectangle 33">
-              <a:extLst>
-                <a:ext uri="{FF2B5EF4-FFF2-40B4-BE49-F238E27FC236}">
-                  <a16:creationId xmlns:a16="http://schemas.microsoft.com/office/drawing/2014/main" id="{E3B40972-D031-453C-9FD3-B0C41B68236C}"/>
-                </a:ext>
-              </a:extLst>
-            </p:cNvPr>
-            <p:cNvSpPr/>
-            <p:nvPr/>
-          </p:nvSpPr>
-          <p:spPr>
-            <a:xfrm>
-              <a:off x="6699900" y="1275990"/>
-              <a:ext cx="198893" cy="164815"/>
-            </a:xfrm>
-            <a:prstGeom prst="rect">
-              <a:avLst/>
-            </a:prstGeom>
-            <a:solidFill>
-              <a:schemeClr val="bg1"/>
-            </a:solidFill>
-            <a:ln>
-              <a:noFill/>
-            </a:ln>
-          </p:spPr>
-          <p:style>
-            <a:lnRef idx="2">
-              <a:schemeClr val="accent1">
-                <a:shade val="15000"/>
-              </a:schemeClr>
-            </a:lnRef>
-            <a:fillRef idx="1">
-              <a:schemeClr val="accent1"/>
-            </a:fillRef>
-            <a:effectRef idx="0">
-              <a:schemeClr val="accent1"/>
-            </a:effectRef>
-            <a:fontRef idx="minor">
-              <a:schemeClr val="lt1"/>
-            </a:fontRef>
-          </p:style>
-          <p:txBody>
-            <a:bodyPr rtlCol="0" anchor="ctr"/>
-            <a:lstStyle/>
-            <a:p>
-              <a:pPr algn="ctr"/>
-              <a:endParaRPr lang="en-US"/>
-            </a:p>
-          </p:txBody>
-        </p:sp>
-      </p:grpSp>
-      <p:grpSp>
-        <p:nvGrpSpPr>
-          <p:cNvPr id="36" name="Group 35">
-            <a:extLst>
-              <a:ext uri="{FF2B5EF4-FFF2-40B4-BE49-F238E27FC236}">
-                <a16:creationId xmlns:a16="http://schemas.microsoft.com/office/drawing/2014/main" id="{1EE8EC83-D8EA-5D35-00AE-48C493861212}"/>
-              </a:ext>
-            </a:extLst>
-          </p:cNvPr>
-          <p:cNvGrpSpPr/>
-          <p:nvPr/>
-        </p:nvGrpSpPr>
-        <p:grpSpPr>
-          <a:xfrm>
-            <a:off x="7550108" y="1627105"/>
-            <a:ext cx="645526" cy="510293"/>
-            <a:chOff x="6253267" y="1135664"/>
-            <a:chExt cx="645526" cy="510293"/>
-          </a:xfrm>
-        </p:grpSpPr>
-        <p:pic>
-          <p:nvPicPr>
-            <p:cNvPr id="37" name="Picture 2">
-              <a:extLst>
-                <a:ext uri="{FF2B5EF4-FFF2-40B4-BE49-F238E27FC236}">
-                  <a16:creationId xmlns:a16="http://schemas.microsoft.com/office/drawing/2014/main" id="{094DC992-6529-0603-A3EC-3C4532D0CDDC}"/>
-                </a:ext>
-              </a:extLst>
-            </p:cNvPr>
-            <p:cNvPicPr>
-              <a:picLocks noChangeAspect="1" noChangeArrowheads="1"/>
-            </p:cNvPicPr>
-            <p:nvPr/>
-          </p:nvPicPr>
-          <p:blipFill rotWithShape="1">
-            <a:blip r:embed="rId5">
-              <a:extLst>
-                <a:ext uri="{28A0092B-C50C-407E-A947-70E740481C1C}">
-                  <a14:useLocalDpi xmlns:a14="http://schemas.microsoft.com/office/drawing/2010/main" val="0"/>
-                </a:ext>
-              </a:extLst>
-            </a:blip>
-            <a:srcRect l="62586" t="70805" r="27168" b="12100"/>
-            <a:stretch/>
-          </p:blipFill>
-          <p:spPr bwMode="auto">
-            <a:xfrm>
-              <a:off x="6253267" y="1135664"/>
-              <a:ext cx="543769" cy="510293"/>
-            </a:xfrm>
-            <a:prstGeom prst="rect">
-              <a:avLst/>
-            </a:prstGeom>
-            <a:noFill/>
-            <a:extLst>
-              <a:ext uri="{909E8E84-426E-40DD-AFC4-6F175D3DCCD1}">
-                <a14:hiddenFill xmlns:a14="http://schemas.microsoft.com/office/drawing/2010/main">
-                  <a:solidFill>
-                    <a:srgbClr val="FFFFFF"/>
-                  </a:solidFill>
-                </a14:hiddenFill>
-              </a:ext>
-            </a:extLst>
-          </p:spPr>
-        </p:pic>
-        <p:sp>
-          <p:nvSpPr>
-            <p:cNvPr id="38" name="Rectangle 37">
-              <a:extLst>
-                <a:ext uri="{FF2B5EF4-FFF2-40B4-BE49-F238E27FC236}">
-                  <a16:creationId xmlns:a16="http://schemas.microsoft.com/office/drawing/2014/main" id="{4E138537-A935-1AB6-978E-157106577352}"/>
-                </a:ext>
-              </a:extLst>
-            </p:cNvPr>
-            <p:cNvSpPr/>
-            <p:nvPr/>
-          </p:nvSpPr>
-          <p:spPr>
-            <a:xfrm>
-              <a:off x="6699900" y="1275990"/>
-              <a:ext cx="198893" cy="164815"/>
-            </a:xfrm>
-            <a:prstGeom prst="rect">
-              <a:avLst/>
-            </a:prstGeom>
-            <a:solidFill>
-              <a:schemeClr val="bg1"/>
-            </a:solidFill>
-            <a:ln>
-              <a:noFill/>
-            </a:ln>
-          </p:spPr>
-          <p:style>
-            <a:lnRef idx="2">
-              <a:schemeClr val="accent1">
-                <a:shade val="15000"/>
-              </a:schemeClr>
-            </a:lnRef>
-            <a:fillRef idx="1">
-              <a:schemeClr val="accent1"/>
-            </a:fillRef>
-            <a:effectRef idx="0">
-              <a:schemeClr val="accent1"/>
-            </a:effectRef>
-            <a:fontRef idx="minor">
-              <a:schemeClr val="lt1"/>
-            </a:fontRef>
-          </p:style>
-          <p:txBody>
-            <a:bodyPr rtlCol="0" anchor="ctr"/>
-            <a:lstStyle/>
-            <a:p>
-              <a:pPr algn="ctr"/>
-              <a:endParaRPr lang="en-US"/>
-            </a:p>
-          </p:txBody>
-        </p:sp>
-      </p:grpSp>
-      <p:grpSp>
-        <p:nvGrpSpPr>
-          <p:cNvPr id="39" name="Group 38">
-            <a:extLst>
-              <a:ext uri="{FF2B5EF4-FFF2-40B4-BE49-F238E27FC236}">
-                <a16:creationId xmlns:a16="http://schemas.microsoft.com/office/drawing/2014/main" id="{36B3C316-D9D3-282B-3F1F-B83A6E6E6969}"/>
-              </a:ext>
-            </a:extLst>
-          </p:cNvPr>
-          <p:cNvGrpSpPr/>
-          <p:nvPr/>
-        </p:nvGrpSpPr>
-        <p:grpSpPr>
-          <a:xfrm>
-            <a:off x="8349654" y="1605906"/>
-            <a:ext cx="645526" cy="510293"/>
-            <a:chOff x="6253267" y="1135664"/>
-            <a:chExt cx="645526" cy="510293"/>
-          </a:xfrm>
-        </p:grpSpPr>
-        <p:pic>
-          <p:nvPicPr>
-            <p:cNvPr id="40" name="Picture 2">
-              <a:extLst>
-                <a:ext uri="{FF2B5EF4-FFF2-40B4-BE49-F238E27FC236}">
-                  <a16:creationId xmlns:a16="http://schemas.microsoft.com/office/drawing/2014/main" id="{89FEAADD-28A7-A41A-643B-F7740E9E84AE}"/>
-                </a:ext>
-              </a:extLst>
-            </p:cNvPr>
-            <p:cNvPicPr>
-              <a:picLocks noChangeAspect="1" noChangeArrowheads="1"/>
-            </p:cNvPicPr>
-            <p:nvPr/>
-          </p:nvPicPr>
-          <p:blipFill rotWithShape="1">
-            <a:blip r:embed="rId5">
-              <a:extLst>
-                <a:ext uri="{28A0092B-C50C-407E-A947-70E740481C1C}">
-                  <a14:useLocalDpi xmlns:a14="http://schemas.microsoft.com/office/drawing/2010/main" val="0"/>
-                </a:ext>
-              </a:extLst>
-            </a:blip>
-            <a:srcRect l="62586" t="70805" r="27168" b="12100"/>
-            <a:stretch/>
-          </p:blipFill>
-          <p:spPr bwMode="auto">
-            <a:xfrm>
-              <a:off x="6253267" y="1135664"/>
-              <a:ext cx="543769" cy="510293"/>
-            </a:xfrm>
-            <a:prstGeom prst="rect">
-              <a:avLst/>
-            </a:prstGeom>
-            <a:noFill/>
-            <a:extLst>
-              <a:ext uri="{909E8E84-426E-40DD-AFC4-6F175D3DCCD1}">
-                <a14:hiddenFill xmlns:a14="http://schemas.microsoft.com/office/drawing/2010/main">
-                  <a:solidFill>
-                    <a:srgbClr val="FFFFFF"/>
-                  </a:solidFill>
-                </a14:hiddenFill>
-              </a:ext>
-            </a:extLst>
-          </p:spPr>
-        </p:pic>
-        <p:sp>
-          <p:nvSpPr>
-            <p:cNvPr id="41" name="Rectangle 40">
-              <a:extLst>
-                <a:ext uri="{FF2B5EF4-FFF2-40B4-BE49-F238E27FC236}">
-                  <a16:creationId xmlns:a16="http://schemas.microsoft.com/office/drawing/2014/main" id="{DD514E0A-D3C1-D2E0-5088-8C6144429C03}"/>
-                </a:ext>
-              </a:extLst>
-            </p:cNvPr>
-            <p:cNvSpPr/>
-            <p:nvPr/>
-          </p:nvSpPr>
-          <p:spPr>
-            <a:xfrm>
-              <a:off x="6699900" y="1275990"/>
-              <a:ext cx="198893" cy="164815"/>
-            </a:xfrm>
-            <a:prstGeom prst="rect">
-              <a:avLst/>
-            </a:prstGeom>
-            <a:solidFill>
-              <a:schemeClr val="bg1"/>
-            </a:solidFill>
-            <a:ln>
-              <a:noFill/>
-            </a:ln>
-          </p:spPr>
-          <p:style>
-            <a:lnRef idx="2">
-              <a:schemeClr val="accent1">
-                <a:shade val="15000"/>
-              </a:schemeClr>
-            </a:lnRef>
-            <a:fillRef idx="1">
-              <a:schemeClr val="accent1"/>
-            </a:fillRef>
-            <a:effectRef idx="0">
-              <a:schemeClr val="accent1"/>
-            </a:effectRef>
-            <a:fontRef idx="minor">
-              <a:schemeClr val="lt1"/>
-            </a:fontRef>
-          </p:style>
-          <p:txBody>
-            <a:bodyPr rtlCol="0" anchor="ctr"/>
-            <a:lstStyle/>
-            <a:p>
-              <a:pPr algn="ctr"/>
-              <a:endParaRPr lang="en-US"/>
-            </a:p>
-          </p:txBody>
-        </p:sp>
-      </p:grpSp>
-      <p:pic>
-        <p:nvPicPr>
-          <p:cNvPr id="12" name="Picture 2">
-            <a:extLst>
-              <a:ext uri="{FF2B5EF4-FFF2-40B4-BE49-F238E27FC236}">
-                <a16:creationId xmlns:a16="http://schemas.microsoft.com/office/drawing/2014/main" id="{7FEE5BF8-59E6-1662-634D-0466345ECF15}"/>
-              </a:ext>
-            </a:extLst>
-          </p:cNvPr>
-          <p:cNvPicPr>
-            <a:picLocks noChangeAspect="1" noChangeArrowheads="1"/>
-          </p:cNvPicPr>
-          <p:nvPr/>
-        </p:nvPicPr>
-        <p:blipFill rotWithShape="1">
-          <a:blip r:embed="rId5">
-            <a:extLst>
-              <a:ext uri="{28A0092B-C50C-407E-A947-70E740481C1C}">
-                <a14:useLocalDpi xmlns:a14="http://schemas.microsoft.com/office/drawing/2010/main" val="0"/>
-              </a:ext>
-            </a:extLst>
-          </a:blip>
-          <a:srcRect l="43879" t="66973" r="46121" b="10240"/>
-          <a:stretch/>
-        </p:blipFill>
-        <p:spPr bwMode="auto">
-          <a:xfrm>
-            <a:off x="1367163" y="3628541"/>
-            <a:ext cx="1219200" cy="1562749"/>
-          </a:xfrm>
-          <a:prstGeom prst="rect">
-            <a:avLst/>
-          </a:prstGeom>
-          <a:noFill/>
-          <a:extLst>
-            <a:ext uri="{909E8E84-426E-40DD-AFC4-6F175D3DCCD1}">
-              <a14:hiddenFill xmlns:a14="http://schemas.microsoft.com/office/drawing/2010/main">
-                <a:solidFill>
-                  <a:srgbClr val="FFFFFF"/>
-                </a:solidFill>
-              </a14:hiddenFill>
-            </a:ext>
-          </a:extLst>
-        </p:spPr>
-      </p:pic>
-      <p:sp>
-        <p:nvSpPr>
-          <p:cNvPr id="51" name="TextBox 50">
-            <a:extLst>
-              <a:ext uri="{FF2B5EF4-FFF2-40B4-BE49-F238E27FC236}">
-                <a16:creationId xmlns:a16="http://schemas.microsoft.com/office/drawing/2014/main" id="{21AFEBDB-0C9E-1BE9-673B-C99364C2BBA4}"/>
-              </a:ext>
-            </a:extLst>
-          </p:cNvPr>
-          <p:cNvSpPr txBox="1"/>
-          <p:nvPr/>
-        </p:nvSpPr>
-        <p:spPr>
-          <a:xfrm>
-            <a:off x="7426139" y="1353350"/>
-            <a:ext cx="728768" cy="276999"/>
-          </a:xfrm>
-          <a:prstGeom prst="rect">
-            <a:avLst/>
-          </a:prstGeom>
-          <a:solidFill>
-            <a:schemeClr val="bg1"/>
-          </a:solidFill>
-        </p:spPr>
-        <p:txBody>
-          <a:bodyPr wrap="square" rtlCol="0">
-            <a:spAutoFit/>
-          </a:bodyPr>
-          <a:lstStyle/>
-          <a:p>
-            <a:pPr algn="ctr"/>
-            <a:r>
-              <a:rPr lang="en-US" sz="1200" dirty="0">
-                <a:latin typeface="Times New Roman" panose="02020603050405020304" pitchFamily="18" charset="0"/>
-                <a:cs typeface="Times New Roman" panose="02020603050405020304" pitchFamily="18" charset="0"/>
-              </a:rPr>
-              <a:t>F(x</a:t>
-            </a:r>
-            <a:r>
-              <a:rPr lang="en-US" sz="1200" baseline="-25000" dirty="0">
-                <a:latin typeface="Times New Roman" panose="02020603050405020304" pitchFamily="18" charset="0"/>
-                <a:cs typeface="Times New Roman" panose="02020603050405020304" pitchFamily="18" charset="0"/>
-              </a:rPr>
-              <a:t>1</a:t>
-            </a:r>
-            <a:r>
-              <a:rPr lang="en-US" sz="1200" dirty="0">
-                <a:latin typeface="Times New Roman" panose="02020603050405020304" pitchFamily="18" charset="0"/>
-                <a:cs typeface="Times New Roman" panose="02020603050405020304" pitchFamily="18" charset="0"/>
-              </a:rPr>
-              <a:t>, x</a:t>
-            </a:r>
-            <a:r>
-              <a:rPr lang="en-US" sz="1200" baseline="-25000" dirty="0">
-                <a:latin typeface="Times New Roman" panose="02020603050405020304" pitchFamily="18" charset="0"/>
-                <a:cs typeface="Times New Roman" panose="02020603050405020304" pitchFamily="18" charset="0"/>
-              </a:rPr>
-              <a:t>2</a:t>
-            </a:r>
-            <a:r>
-              <a:rPr lang="en-US" sz="1200" dirty="0">
-                <a:latin typeface="Times New Roman" panose="02020603050405020304" pitchFamily="18" charset="0"/>
-                <a:cs typeface="Times New Roman" panose="02020603050405020304" pitchFamily="18" charset="0"/>
-              </a:rPr>
-              <a:t>)</a:t>
-            </a:r>
-          </a:p>
-        </p:txBody>
-      </p:sp>
-      <p:grpSp>
-        <p:nvGrpSpPr>
-          <p:cNvPr id="18" name="Group 17">
-            <a:extLst>
-              <a:ext uri="{FF2B5EF4-FFF2-40B4-BE49-F238E27FC236}">
-                <a16:creationId xmlns:a16="http://schemas.microsoft.com/office/drawing/2014/main" id="{9C3FA2C1-1435-4FA4-C4D5-9A722E8BCC77}"/>
-              </a:ext>
-            </a:extLst>
-          </p:cNvPr>
-          <p:cNvGrpSpPr/>
-          <p:nvPr/>
-        </p:nvGrpSpPr>
-        <p:grpSpPr>
-          <a:xfrm>
-            <a:off x="9823441" y="2344418"/>
-            <a:ext cx="1145294" cy="1299002"/>
-            <a:chOff x="7004068" y="1225613"/>
-            <a:chExt cx="1712604" cy="1789187"/>
-          </a:xfrm>
-        </p:grpSpPr>
-        <p:pic>
-          <p:nvPicPr>
-            <p:cNvPr id="19" name="Picture 18">
-              <a:extLst>
-                <a:ext uri="{FF2B5EF4-FFF2-40B4-BE49-F238E27FC236}">
-                  <a16:creationId xmlns:a16="http://schemas.microsoft.com/office/drawing/2014/main" id="{D1B899A3-EF8E-D2D5-9EFE-334FFBF311E1}"/>
-                </a:ext>
-              </a:extLst>
-            </p:cNvPr>
-            <p:cNvPicPr>
-              <a:picLocks noChangeAspect="1" noChangeArrowheads="1"/>
-            </p:cNvPicPr>
-            <p:nvPr/>
-          </p:nvPicPr>
-          <p:blipFill rotWithShape="1">
-            <a:blip r:embed="rId5">
-              <a:extLst>
-                <a:ext uri="{28A0092B-C50C-407E-A947-70E740481C1C}">
-                  <a14:useLocalDpi xmlns:a14="http://schemas.microsoft.com/office/drawing/2010/main" val="0"/>
-                </a:ext>
-              </a:extLst>
-            </a:blip>
-            <a:srcRect l="56293" t="32337" r="34742" b="50000"/>
-            <a:stretch/>
-          </p:blipFill>
-          <p:spPr bwMode="auto">
-            <a:xfrm>
-              <a:off x="7004068" y="1225613"/>
-              <a:ext cx="1568742" cy="1738437"/>
-            </a:xfrm>
-            <a:prstGeom prst="rect">
-              <a:avLst/>
-            </a:prstGeom>
-            <a:noFill/>
-            <a:extLst>
-              <a:ext uri="{909E8E84-426E-40DD-AFC4-6F175D3DCCD1}">
-                <a14:hiddenFill xmlns:a14="http://schemas.microsoft.com/office/drawing/2010/main">
-                  <a:solidFill>
-                    <a:srgbClr val="FFFFFF"/>
-                  </a:solidFill>
-                </a14:hiddenFill>
-              </a:ext>
-            </a:extLst>
-          </p:spPr>
-        </p:pic>
-        <p:sp>
-          <p:nvSpPr>
-            <p:cNvPr id="20" name="Rectangle 19">
-              <a:extLst>
-                <a:ext uri="{FF2B5EF4-FFF2-40B4-BE49-F238E27FC236}">
-                  <a16:creationId xmlns:a16="http://schemas.microsoft.com/office/drawing/2014/main" id="{5D10E93B-5A82-C564-1547-0C5AB46C8D74}"/>
-                </a:ext>
-              </a:extLst>
-            </p:cNvPr>
-            <p:cNvSpPr/>
-            <p:nvPr/>
-          </p:nvSpPr>
-          <p:spPr>
-            <a:xfrm>
-              <a:off x="8414693" y="2785351"/>
-              <a:ext cx="301979" cy="229449"/>
-            </a:xfrm>
-            <a:prstGeom prst="rect">
-              <a:avLst/>
-            </a:prstGeom>
-            <a:solidFill>
-              <a:schemeClr val="bg1"/>
-            </a:solidFill>
-            <a:ln>
-              <a:noFill/>
-            </a:ln>
-          </p:spPr>
-          <p:style>
-            <a:lnRef idx="2">
-              <a:schemeClr val="accent1">
-                <a:shade val="15000"/>
-              </a:schemeClr>
-            </a:lnRef>
-            <a:fillRef idx="1">
-              <a:schemeClr val="accent1"/>
-            </a:fillRef>
-            <a:effectRef idx="0">
-              <a:schemeClr val="accent1"/>
-            </a:effectRef>
-            <a:fontRef idx="minor">
-              <a:schemeClr val="lt1"/>
-            </a:fontRef>
-          </p:style>
-          <p:txBody>
-            <a:bodyPr rtlCol="0" anchor="ctr"/>
-            <a:lstStyle/>
-            <a:p>
-              <a:pPr algn="ctr"/>
-              <a:endParaRPr lang="en-US"/>
-            </a:p>
-          </p:txBody>
-        </p:sp>
-      </p:grpSp>
-      <p:sp>
-        <p:nvSpPr>
-          <p:cNvPr id="4" name="TextBox 3">
-            <a:extLst>
-              <a:ext uri="{FF2B5EF4-FFF2-40B4-BE49-F238E27FC236}">
-                <a16:creationId xmlns:a16="http://schemas.microsoft.com/office/drawing/2014/main" id="{70DBDDB2-DF39-955A-DABD-5EB487E751C8}"/>
-              </a:ext>
-            </a:extLst>
-          </p:cNvPr>
-          <p:cNvSpPr txBox="1"/>
-          <p:nvPr/>
-        </p:nvSpPr>
-        <p:spPr>
-          <a:xfrm>
-            <a:off x="443491" y="1254424"/>
-            <a:ext cx="4120214" cy="1723549"/>
-          </a:xfrm>
-          <a:prstGeom prst="rect">
-            <a:avLst/>
-          </a:prstGeom>
-          <a:noFill/>
-        </p:spPr>
-        <p:txBody>
-          <a:bodyPr wrap="square" rtlCol="0">
-            <a:spAutoFit/>
-          </a:bodyPr>
-          <a:lstStyle/>
-          <a:p>
-            <a:pPr>
-              <a:spcAft>
-                <a:spcPts val="600"/>
-              </a:spcAft>
-            </a:pPr>
-            <a:r>
-              <a:rPr lang="en-US" sz="1600" b="1" dirty="0"/>
-              <a:t>Workflow:</a:t>
-            </a:r>
-          </a:p>
-          <a:p>
-            <a:pPr marL="342900" indent="-342900">
-              <a:spcAft>
-                <a:spcPts val="600"/>
-              </a:spcAft>
-              <a:buAutoNum type="arabicPeriod"/>
-            </a:pPr>
-            <a:r>
-              <a:rPr lang="en-US" sz="1600" dirty="0"/>
-              <a:t>Choose a function that Coiled will replicate over multiple VM’s.</a:t>
-            </a:r>
-          </a:p>
-          <a:p>
-            <a:pPr marL="342900" indent="-342900">
-              <a:spcAft>
-                <a:spcPts val="600"/>
-              </a:spcAft>
-              <a:buAutoNum type="arabicPeriod"/>
-            </a:pPr>
-            <a:r>
-              <a:rPr lang="en-US" sz="1600" dirty="0"/>
-              <a:t>VM’s each access PO.DAAC data, process it with the function, and return to the notebook.</a:t>
-            </a:r>
-          </a:p>
-        </p:txBody>
-      </p:sp>
-      <p:cxnSp>
-        <p:nvCxnSpPr>
-          <p:cNvPr id="5" name="Straight Arrow Connector 4">
-            <a:extLst>
-              <a:ext uri="{FF2B5EF4-FFF2-40B4-BE49-F238E27FC236}">
-                <a16:creationId xmlns:a16="http://schemas.microsoft.com/office/drawing/2014/main" id="{F95F1E11-4993-23DF-8E95-6A2F2EB616B2}"/>
-              </a:ext>
-            </a:extLst>
-          </p:cNvPr>
-          <p:cNvCxnSpPr>
-            <a:cxnSpLocks/>
-            <a:endCxn id="40" idx="2"/>
-          </p:cNvCxnSpPr>
-          <p:nvPr/>
-        </p:nvCxnSpPr>
-        <p:spPr>
-          <a:xfrm flipH="1" flipV="1">
-            <a:off x="8621539" y="2116199"/>
-            <a:ext cx="1195445" cy="974712"/>
-          </a:xfrm>
-          <a:prstGeom prst="straightConnector1">
-            <a:avLst/>
-          </a:prstGeom>
-          <a:ln>
-            <a:tailEnd type="triangle"/>
-          </a:ln>
-        </p:spPr>
-        <p:style>
-          <a:lnRef idx="1">
-            <a:schemeClr val="dk1"/>
-          </a:lnRef>
-          <a:fillRef idx="0">
-            <a:schemeClr val="dk1"/>
-          </a:fillRef>
-          <a:effectRef idx="0">
-            <a:schemeClr val="dk1"/>
-          </a:effectRef>
-          <a:fontRef idx="minor">
-            <a:schemeClr val="tx1"/>
-          </a:fontRef>
-        </p:style>
-      </p:cxnSp>
-      <p:cxnSp>
-        <p:nvCxnSpPr>
-          <p:cNvPr id="6" name="Straight Arrow Connector 5">
-            <a:extLst>
-              <a:ext uri="{FF2B5EF4-FFF2-40B4-BE49-F238E27FC236}">
-                <a16:creationId xmlns:a16="http://schemas.microsoft.com/office/drawing/2014/main" id="{958CD98C-5CE9-AC10-C1C8-5EBFC9E50552}"/>
-              </a:ext>
-            </a:extLst>
-          </p:cNvPr>
-          <p:cNvCxnSpPr>
-            <a:cxnSpLocks/>
-            <a:endCxn id="37" idx="2"/>
-          </p:cNvCxnSpPr>
-          <p:nvPr/>
-        </p:nvCxnSpPr>
-        <p:spPr>
-          <a:xfrm flipH="1" flipV="1">
-            <a:off x="7821993" y="2137398"/>
-            <a:ext cx="1994991" cy="939363"/>
-          </a:xfrm>
-          <a:prstGeom prst="straightConnector1">
-            <a:avLst/>
-          </a:prstGeom>
-          <a:ln>
-            <a:tailEnd type="triangle"/>
-          </a:ln>
-        </p:spPr>
-        <p:style>
-          <a:lnRef idx="1">
-            <a:schemeClr val="dk1"/>
-          </a:lnRef>
-          <a:fillRef idx="0">
-            <a:schemeClr val="dk1"/>
-          </a:fillRef>
-          <a:effectRef idx="0">
-            <a:schemeClr val="dk1"/>
-          </a:effectRef>
-          <a:fontRef idx="minor">
-            <a:schemeClr val="tx1"/>
-          </a:fontRef>
-        </p:style>
-      </p:cxnSp>
-      <p:cxnSp>
-        <p:nvCxnSpPr>
-          <p:cNvPr id="8" name="Straight Arrow Connector 7">
-            <a:extLst>
-              <a:ext uri="{FF2B5EF4-FFF2-40B4-BE49-F238E27FC236}">
-                <a16:creationId xmlns:a16="http://schemas.microsoft.com/office/drawing/2014/main" id="{5001B4BD-65C8-86D3-51CF-FDF45BD26EE4}"/>
-              </a:ext>
-            </a:extLst>
-          </p:cNvPr>
-          <p:cNvCxnSpPr>
-            <a:cxnSpLocks/>
-          </p:cNvCxnSpPr>
-          <p:nvPr/>
-        </p:nvCxnSpPr>
-        <p:spPr>
-          <a:xfrm flipH="1" flipV="1">
-            <a:off x="7027333" y="2166193"/>
-            <a:ext cx="2796108" cy="910568"/>
-          </a:xfrm>
-          <a:prstGeom prst="straightConnector1">
-            <a:avLst/>
-          </a:prstGeom>
-          <a:ln>
-            <a:tailEnd type="triangle"/>
-          </a:ln>
-        </p:spPr>
-        <p:style>
-          <a:lnRef idx="1">
-            <a:schemeClr val="dk1"/>
-          </a:lnRef>
-          <a:fillRef idx="0">
-            <a:schemeClr val="dk1"/>
-          </a:fillRef>
-          <a:effectRef idx="0">
-            <a:schemeClr val="dk1"/>
-          </a:effectRef>
-          <a:fontRef idx="minor">
-            <a:schemeClr val="tx1"/>
-          </a:fontRef>
-        </p:style>
-      </p:cxnSp>
-      <p:cxnSp>
-        <p:nvCxnSpPr>
-          <p:cNvPr id="10" name="Straight Arrow Connector 9">
-            <a:extLst>
-              <a:ext uri="{FF2B5EF4-FFF2-40B4-BE49-F238E27FC236}">
-                <a16:creationId xmlns:a16="http://schemas.microsoft.com/office/drawing/2014/main" id="{B72046C4-2B48-2743-A847-BD6A9B8C335D}"/>
-              </a:ext>
-            </a:extLst>
-          </p:cNvPr>
-          <p:cNvCxnSpPr>
-            <a:cxnSpLocks/>
-          </p:cNvCxnSpPr>
-          <p:nvPr/>
-        </p:nvCxnSpPr>
-        <p:spPr>
-          <a:xfrm flipH="1">
-            <a:off x="3710674" y="2137398"/>
-            <a:ext cx="4819224" cy="1858437"/>
-          </a:xfrm>
-          <a:prstGeom prst="straightConnector1">
-            <a:avLst/>
-          </a:prstGeom>
-          <a:ln>
-            <a:tailEnd type="triangle"/>
-          </a:ln>
-        </p:spPr>
-        <p:style>
-          <a:lnRef idx="1">
-            <a:schemeClr val="dk1"/>
-          </a:lnRef>
-          <a:fillRef idx="0">
-            <a:schemeClr val="dk1"/>
-          </a:fillRef>
-          <a:effectRef idx="0">
-            <a:schemeClr val="dk1"/>
-          </a:effectRef>
-          <a:fontRef idx="minor">
-            <a:schemeClr val="tx1"/>
-          </a:fontRef>
-        </p:style>
-      </p:cxnSp>
-      <p:cxnSp>
-        <p:nvCxnSpPr>
-          <p:cNvPr id="11" name="Straight Arrow Connector 10">
-            <a:extLst>
-              <a:ext uri="{FF2B5EF4-FFF2-40B4-BE49-F238E27FC236}">
-                <a16:creationId xmlns:a16="http://schemas.microsoft.com/office/drawing/2014/main" id="{25CFE03A-2DB3-FE15-82AE-C902F5F4297F}"/>
-              </a:ext>
-            </a:extLst>
-          </p:cNvPr>
-          <p:cNvCxnSpPr>
-            <a:cxnSpLocks/>
-          </p:cNvCxnSpPr>
-          <p:nvPr/>
-        </p:nvCxnSpPr>
-        <p:spPr>
-          <a:xfrm flipH="1">
-            <a:off x="3710674" y="2154522"/>
-            <a:ext cx="4025415" cy="1841313"/>
-          </a:xfrm>
-          <a:prstGeom prst="straightConnector1">
-            <a:avLst/>
-          </a:prstGeom>
-          <a:ln>
-            <a:tailEnd type="triangle"/>
-          </a:ln>
-        </p:spPr>
-        <p:style>
-          <a:lnRef idx="1">
-            <a:schemeClr val="dk1"/>
-          </a:lnRef>
-          <a:fillRef idx="0">
-            <a:schemeClr val="dk1"/>
-          </a:fillRef>
-          <a:effectRef idx="0">
-            <a:schemeClr val="dk1"/>
-          </a:effectRef>
-          <a:fontRef idx="minor">
-            <a:schemeClr val="tx1"/>
-          </a:fontRef>
-        </p:style>
-      </p:cxnSp>
-      <p:cxnSp>
-        <p:nvCxnSpPr>
-          <p:cNvPr id="16" name="Straight Arrow Connector 15">
-            <a:extLst>
-              <a:ext uri="{FF2B5EF4-FFF2-40B4-BE49-F238E27FC236}">
-                <a16:creationId xmlns:a16="http://schemas.microsoft.com/office/drawing/2014/main" id="{75AF1356-8614-4A78-A03C-9C1E3D1DC9B7}"/>
-              </a:ext>
-            </a:extLst>
-          </p:cNvPr>
-          <p:cNvCxnSpPr>
-            <a:cxnSpLocks/>
-          </p:cNvCxnSpPr>
-          <p:nvPr/>
-        </p:nvCxnSpPr>
-        <p:spPr>
-          <a:xfrm flipH="1">
-            <a:off x="3710674" y="2204517"/>
-            <a:ext cx="3242273" cy="1791318"/>
-          </a:xfrm>
-          <a:prstGeom prst="straightConnector1">
-            <a:avLst/>
-          </a:prstGeom>
-          <a:ln>
-            <a:tailEnd type="triangle"/>
-          </a:ln>
-        </p:spPr>
-        <p:style>
-          <a:lnRef idx="1">
-            <a:schemeClr val="dk1"/>
-          </a:lnRef>
-          <a:fillRef idx="0">
-            <a:schemeClr val="dk1"/>
-          </a:fillRef>
-          <a:effectRef idx="0">
-            <a:schemeClr val="dk1"/>
-          </a:effectRef>
-          <a:fontRef idx="minor">
-            <a:schemeClr val="tx1"/>
-          </a:fontRef>
-        </p:style>
-      </p:cxnSp>
-      <p:sp>
-        <p:nvSpPr>
-          <p:cNvPr id="42" name="TextBox 41">
-            <a:extLst>
-              <a:ext uri="{FF2B5EF4-FFF2-40B4-BE49-F238E27FC236}">
-                <a16:creationId xmlns:a16="http://schemas.microsoft.com/office/drawing/2014/main" id="{2F1FFAA3-1AEE-40CB-F41C-5FC634CFACD2}"/>
-              </a:ext>
-            </a:extLst>
-          </p:cNvPr>
-          <p:cNvSpPr txBox="1"/>
-          <p:nvPr/>
-        </p:nvSpPr>
-        <p:spPr>
-          <a:xfrm>
-            <a:off x="5489885" y="2866866"/>
-            <a:ext cx="728768" cy="276999"/>
-          </a:xfrm>
-          <a:prstGeom prst="rect">
-            <a:avLst/>
-          </a:prstGeom>
-          <a:solidFill>
-            <a:schemeClr val="bg1"/>
-          </a:solidFill>
-        </p:spPr>
-        <p:txBody>
-          <a:bodyPr wrap="square" rtlCol="0">
-            <a:spAutoFit/>
-          </a:bodyPr>
-          <a:lstStyle/>
-          <a:p>
-            <a:pPr algn="ctr"/>
-            <a:r>
-              <a:rPr lang="en-US" sz="1200" dirty="0">
-                <a:latin typeface="Times New Roman" panose="02020603050405020304" pitchFamily="18" charset="0"/>
-                <a:cs typeface="Times New Roman" panose="02020603050405020304" pitchFamily="18" charset="0"/>
-              </a:rPr>
-              <a:t>results</a:t>
-            </a:r>
-          </a:p>
-        </p:txBody>
-      </p:sp>
-    </p:spTree>
-    <p:extLst>
-      <p:ext uri="{BB962C8B-B14F-4D97-AF65-F5344CB8AC3E}">
-        <p14:creationId xmlns:p14="http://schemas.microsoft.com/office/powerpoint/2010/main" val="1217366882"/>
       </p:ext>
     </p:extLst>
   </p:cSld>
@@ -15123,12 +14795,7 @@
               <a:avLst/>
             </a:prstGeom>
             <a:ln>
-              <a:solidFill>
-                <a:schemeClr val="accent2">
-                  <a:lumMod val="60000"/>
-                  <a:lumOff val="40000"/>
-                </a:schemeClr>
-              </a:solidFill>
+              <a:noFill/>
             </a:ln>
           </p:spPr>
         </p:pic>
@@ -15306,12 +14973,7 @@
               <a:avLst/>
             </a:prstGeom>
             <a:ln>
-              <a:solidFill>
-                <a:schemeClr val="accent2">
-                  <a:lumMod val="60000"/>
-                  <a:lumOff val="40000"/>
-                </a:schemeClr>
-              </a:solidFill>
+              <a:noFill/>
             </a:ln>
           </p:spPr>
         </p:pic>
@@ -15330,6 +14992,1302 @@
 </file>
 
 <file path=ppt/slides/slide20.xml><?xml version="1.0" encoding="utf-8"?>
+<p:sld xmlns:a="http://schemas.openxmlformats.org/drawingml/2006/main" xmlns:r="http://schemas.openxmlformats.org/officeDocument/2006/relationships" xmlns:p="http://schemas.openxmlformats.org/presentationml/2006/main">
+  <p:cSld>
+    <p:spTree>
+      <p:nvGrpSpPr>
+        <p:cNvPr id="1" name="">
+          <a:extLst>
+            <a:ext uri="{FF2B5EF4-FFF2-40B4-BE49-F238E27FC236}">
+              <a16:creationId xmlns:a16="http://schemas.microsoft.com/office/drawing/2014/main" id="{D086D059-4C0B-C976-87C1-F422C5A8B02C}"/>
+            </a:ext>
+          </a:extLst>
+        </p:cNvPr>
+        <p:cNvGrpSpPr/>
+        <p:nvPr/>
+      </p:nvGrpSpPr>
+      <p:grpSpPr>
+        <a:xfrm>
+          <a:off x="0" y="0"/>
+          <a:ext cx="0" cy="0"/>
+          <a:chOff x="0" y="0"/>
+          <a:chExt cx="0" cy="0"/>
+        </a:xfrm>
+      </p:grpSpPr>
+      <p:grpSp>
+        <p:nvGrpSpPr>
+          <p:cNvPr id="13" name="Group 12">
+            <a:extLst>
+              <a:ext uri="{FF2B5EF4-FFF2-40B4-BE49-F238E27FC236}">
+                <a16:creationId xmlns:a16="http://schemas.microsoft.com/office/drawing/2014/main" id="{70D12BFD-B6CC-DB06-1DC1-94FA8F02E5DE}"/>
+              </a:ext>
+            </a:extLst>
+          </p:cNvPr>
+          <p:cNvGrpSpPr/>
+          <p:nvPr/>
+        </p:nvGrpSpPr>
+        <p:grpSpPr>
+          <a:xfrm>
+            <a:off x="4608485" y="359762"/>
+            <a:ext cx="7231310" cy="4561030"/>
+            <a:chOff x="2864623" y="913991"/>
+            <a:chExt cx="7231310" cy="4724454"/>
+          </a:xfrm>
+        </p:grpSpPr>
+        <p:pic>
+          <p:nvPicPr>
+            <p:cNvPr id="14" name="Picture 13">
+              <a:extLst>
+                <a:ext uri="{FF2B5EF4-FFF2-40B4-BE49-F238E27FC236}">
+                  <a16:creationId xmlns:a16="http://schemas.microsoft.com/office/drawing/2014/main" id="{6A6E93F8-E523-8E6A-AEBE-1E6A71503C5A}"/>
+                </a:ext>
+              </a:extLst>
+            </p:cNvPr>
+            <p:cNvPicPr>
+              <a:picLocks noChangeAspect="1"/>
+            </p:cNvPicPr>
+            <p:nvPr/>
+          </p:nvPicPr>
+          <p:blipFill rotWithShape="1">
+            <a:blip r:embed="rId3"/>
+            <a:srcRect l="9115" t="15264" r="8316" b="12809"/>
+            <a:stretch/>
+          </p:blipFill>
+          <p:spPr>
+            <a:xfrm>
+              <a:off x="2864623" y="913991"/>
+              <a:ext cx="7231310" cy="4724454"/>
+            </a:xfrm>
+            <a:prstGeom prst="rect">
+              <a:avLst/>
+            </a:prstGeom>
+          </p:spPr>
+        </p:pic>
+        <p:sp>
+          <p:nvSpPr>
+            <p:cNvPr id="15" name="Rectangle 14">
+              <a:extLst>
+                <a:ext uri="{FF2B5EF4-FFF2-40B4-BE49-F238E27FC236}">
+                  <a16:creationId xmlns:a16="http://schemas.microsoft.com/office/drawing/2014/main" id="{0017AAC2-CE0A-51D0-2FBD-10419DC55319}"/>
+                </a:ext>
+              </a:extLst>
+            </p:cNvPr>
+            <p:cNvSpPr/>
+            <p:nvPr/>
+          </p:nvSpPr>
+          <p:spPr>
+            <a:xfrm>
+              <a:off x="4506011" y="2491033"/>
+              <a:ext cx="4138367" cy="2137528"/>
+            </a:xfrm>
+            <a:prstGeom prst="rect">
+              <a:avLst/>
+            </a:prstGeom>
+            <a:solidFill>
+              <a:schemeClr val="bg1"/>
+            </a:solidFill>
+            <a:ln>
+              <a:noFill/>
+            </a:ln>
+          </p:spPr>
+          <p:style>
+            <a:lnRef idx="2">
+              <a:schemeClr val="accent1">
+                <a:shade val="15000"/>
+              </a:schemeClr>
+            </a:lnRef>
+            <a:fillRef idx="1">
+              <a:schemeClr val="accent1"/>
+            </a:fillRef>
+            <a:effectRef idx="0">
+              <a:schemeClr val="accent1"/>
+            </a:effectRef>
+            <a:fontRef idx="minor">
+              <a:schemeClr val="lt1"/>
+            </a:fontRef>
+          </p:style>
+          <p:txBody>
+            <a:bodyPr rtlCol="0" anchor="ctr"/>
+            <a:lstStyle/>
+            <a:p>
+              <a:pPr algn="ctr"/>
+              <a:endParaRPr lang="en-US"/>
+            </a:p>
+          </p:txBody>
+        </p:sp>
+      </p:grpSp>
+      <p:sp>
+        <p:nvSpPr>
+          <p:cNvPr id="44" name="TextBox 43">
+            <a:extLst>
+              <a:ext uri="{FF2B5EF4-FFF2-40B4-BE49-F238E27FC236}">
+                <a16:creationId xmlns:a16="http://schemas.microsoft.com/office/drawing/2014/main" id="{FBDDCF72-1D93-8702-202A-95793EC80FA5}"/>
+              </a:ext>
+            </a:extLst>
+          </p:cNvPr>
+          <p:cNvSpPr txBox="1"/>
+          <p:nvPr/>
+        </p:nvSpPr>
+        <p:spPr>
+          <a:xfrm>
+            <a:off x="6583783" y="1404980"/>
+            <a:ext cx="728768" cy="276999"/>
+          </a:xfrm>
+          <a:prstGeom prst="rect">
+            <a:avLst/>
+          </a:prstGeom>
+          <a:solidFill>
+            <a:schemeClr val="bg1"/>
+          </a:solidFill>
+        </p:spPr>
+        <p:txBody>
+          <a:bodyPr wrap="square" rtlCol="0">
+            <a:spAutoFit/>
+          </a:bodyPr>
+          <a:lstStyle/>
+          <a:p>
+            <a:pPr algn="ctr"/>
+            <a:r>
+              <a:rPr lang="en-US" sz="1200" dirty="0">
+                <a:latin typeface="Times New Roman" panose="02020603050405020304" pitchFamily="18" charset="0"/>
+                <a:cs typeface="Times New Roman" panose="02020603050405020304" pitchFamily="18" charset="0"/>
+              </a:rPr>
+              <a:t>F(x</a:t>
+            </a:r>
+            <a:r>
+              <a:rPr lang="en-US" sz="1200" baseline="-25000" dirty="0">
+                <a:latin typeface="Times New Roman" panose="02020603050405020304" pitchFamily="18" charset="0"/>
+                <a:cs typeface="Times New Roman" panose="02020603050405020304" pitchFamily="18" charset="0"/>
+              </a:rPr>
+              <a:t>1</a:t>
+            </a:r>
+            <a:r>
+              <a:rPr lang="en-US" sz="1200" dirty="0">
+                <a:latin typeface="Times New Roman" panose="02020603050405020304" pitchFamily="18" charset="0"/>
+                <a:cs typeface="Times New Roman" panose="02020603050405020304" pitchFamily="18" charset="0"/>
+              </a:rPr>
+              <a:t>, x</a:t>
+            </a:r>
+            <a:r>
+              <a:rPr lang="en-US" sz="1200" baseline="-25000" dirty="0">
+                <a:latin typeface="Times New Roman" panose="02020603050405020304" pitchFamily="18" charset="0"/>
+                <a:cs typeface="Times New Roman" panose="02020603050405020304" pitchFamily="18" charset="0"/>
+              </a:rPr>
+              <a:t>2</a:t>
+            </a:r>
+            <a:r>
+              <a:rPr lang="en-US" sz="1200" dirty="0">
+                <a:latin typeface="Times New Roman" panose="02020603050405020304" pitchFamily="18" charset="0"/>
+                <a:cs typeface="Times New Roman" panose="02020603050405020304" pitchFamily="18" charset="0"/>
+              </a:rPr>
+              <a:t>)</a:t>
+            </a:r>
+          </a:p>
+        </p:txBody>
+      </p:sp>
+      <p:sp>
+        <p:nvSpPr>
+          <p:cNvPr id="3" name="TextBox 2">
+            <a:extLst>
+              <a:ext uri="{FF2B5EF4-FFF2-40B4-BE49-F238E27FC236}">
+                <a16:creationId xmlns:a16="http://schemas.microsoft.com/office/drawing/2014/main" id="{BBD24D75-FB65-8B77-A9F4-7B9F77CEDBA5}"/>
+              </a:ext>
+            </a:extLst>
+          </p:cNvPr>
+          <p:cNvSpPr txBox="1"/>
+          <p:nvPr/>
+        </p:nvSpPr>
+        <p:spPr>
+          <a:xfrm>
+            <a:off x="352205" y="197554"/>
+            <a:ext cx="4538577" cy="738664"/>
+          </a:xfrm>
+          <a:prstGeom prst="rect">
+            <a:avLst/>
+          </a:prstGeom>
+          <a:noFill/>
+          <a:ln w="57150">
+            <a:solidFill>
+              <a:schemeClr val="accent2">
+                <a:lumMod val="60000"/>
+                <a:lumOff val="40000"/>
+              </a:schemeClr>
+            </a:solidFill>
+          </a:ln>
+        </p:spPr>
+        <p:txBody>
+          <a:bodyPr wrap="square" rtlCol="0">
+            <a:spAutoFit/>
+          </a:bodyPr>
+          <a:lstStyle/>
+          <a:p>
+            <a:pPr algn="ctr"/>
+            <a:r>
+              <a:rPr lang="en-US" sz="2400" b="1" dirty="0"/>
+              <a:t>3. Coiled Workflows</a:t>
+            </a:r>
+          </a:p>
+          <a:p>
+            <a:pPr algn="ctr"/>
+            <a:r>
+              <a:rPr lang="en-US" dirty="0"/>
+              <a:t>Coiled Function Intro</a:t>
+            </a:r>
+          </a:p>
+        </p:txBody>
+      </p:sp>
+      <p:sp>
+        <p:nvSpPr>
+          <p:cNvPr id="43" name="TextBox 42">
+            <a:extLst>
+              <a:ext uri="{FF2B5EF4-FFF2-40B4-BE49-F238E27FC236}">
+                <a16:creationId xmlns:a16="http://schemas.microsoft.com/office/drawing/2014/main" id="{5AEF0077-8A3D-E012-A916-478A5A8F35C4}"/>
+              </a:ext>
+            </a:extLst>
+          </p:cNvPr>
+          <p:cNvSpPr txBox="1"/>
+          <p:nvPr/>
+        </p:nvSpPr>
+        <p:spPr>
+          <a:xfrm>
+            <a:off x="8195634" y="1349123"/>
+            <a:ext cx="728768" cy="276999"/>
+          </a:xfrm>
+          <a:prstGeom prst="rect">
+            <a:avLst/>
+          </a:prstGeom>
+          <a:solidFill>
+            <a:schemeClr val="bg1"/>
+          </a:solidFill>
+        </p:spPr>
+        <p:txBody>
+          <a:bodyPr wrap="square" rtlCol="0">
+            <a:spAutoFit/>
+          </a:bodyPr>
+          <a:lstStyle/>
+          <a:p>
+            <a:pPr algn="ctr"/>
+            <a:r>
+              <a:rPr lang="en-US" sz="1200" dirty="0">
+                <a:latin typeface="Times New Roman" panose="02020603050405020304" pitchFamily="18" charset="0"/>
+                <a:cs typeface="Times New Roman" panose="02020603050405020304" pitchFamily="18" charset="0"/>
+              </a:rPr>
+              <a:t>F(x</a:t>
+            </a:r>
+            <a:r>
+              <a:rPr lang="en-US" sz="1200" baseline="-25000" dirty="0">
+                <a:latin typeface="Times New Roman" panose="02020603050405020304" pitchFamily="18" charset="0"/>
+                <a:cs typeface="Times New Roman" panose="02020603050405020304" pitchFamily="18" charset="0"/>
+              </a:rPr>
+              <a:t>1</a:t>
+            </a:r>
+            <a:r>
+              <a:rPr lang="en-US" sz="1200" dirty="0">
+                <a:latin typeface="Times New Roman" panose="02020603050405020304" pitchFamily="18" charset="0"/>
+                <a:cs typeface="Times New Roman" panose="02020603050405020304" pitchFamily="18" charset="0"/>
+              </a:rPr>
+              <a:t>, x</a:t>
+            </a:r>
+            <a:r>
+              <a:rPr lang="en-US" sz="1200" baseline="-25000" dirty="0">
+                <a:latin typeface="Times New Roman" panose="02020603050405020304" pitchFamily="18" charset="0"/>
+                <a:cs typeface="Times New Roman" panose="02020603050405020304" pitchFamily="18" charset="0"/>
+              </a:rPr>
+              <a:t>2</a:t>
+            </a:r>
+            <a:r>
+              <a:rPr lang="en-US" sz="1200" dirty="0">
+                <a:latin typeface="Times New Roman" panose="02020603050405020304" pitchFamily="18" charset="0"/>
+                <a:cs typeface="Times New Roman" panose="02020603050405020304" pitchFamily="18" charset="0"/>
+              </a:rPr>
+              <a:t>)</a:t>
+            </a:r>
+          </a:p>
+        </p:txBody>
+      </p:sp>
+      <p:pic>
+        <p:nvPicPr>
+          <p:cNvPr id="7" name="Picture 6">
+            <a:extLst>
+              <a:ext uri="{FF2B5EF4-FFF2-40B4-BE49-F238E27FC236}">
+                <a16:creationId xmlns:a16="http://schemas.microsoft.com/office/drawing/2014/main" id="{89A88C6C-FBFF-680C-884A-E75F7A508BF6}"/>
+              </a:ext>
+            </a:extLst>
+          </p:cNvPr>
+          <p:cNvPicPr>
+            <a:picLocks noChangeAspect="1"/>
+          </p:cNvPicPr>
+          <p:nvPr/>
+        </p:nvPicPr>
+        <p:blipFill>
+          <a:blip r:embed="rId4"/>
+          <a:stretch>
+            <a:fillRect/>
+          </a:stretch>
+        </p:blipFill>
+        <p:spPr>
+          <a:xfrm>
+            <a:off x="1976763" y="4831956"/>
+            <a:ext cx="4452933" cy="1799897"/>
+          </a:xfrm>
+          <a:prstGeom prst="rect">
+            <a:avLst/>
+          </a:prstGeom>
+        </p:spPr>
+      </p:pic>
+      <p:grpSp>
+        <p:nvGrpSpPr>
+          <p:cNvPr id="35" name="Group 34">
+            <a:extLst>
+              <a:ext uri="{FF2B5EF4-FFF2-40B4-BE49-F238E27FC236}">
+                <a16:creationId xmlns:a16="http://schemas.microsoft.com/office/drawing/2014/main" id="{4199A24F-39B7-4BE2-BCE3-209DC0738CC5}"/>
+              </a:ext>
+            </a:extLst>
+          </p:cNvPr>
+          <p:cNvGrpSpPr/>
+          <p:nvPr/>
+        </p:nvGrpSpPr>
+        <p:grpSpPr>
+          <a:xfrm>
+            <a:off x="6717402" y="1644229"/>
+            <a:ext cx="645526" cy="510293"/>
+            <a:chOff x="6253267" y="1135664"/>
+            <a:chExt cx="645526" cy="510293"/>
+          </a:xfrm>
+        </p:grpSpPr>
+        <p:pic>
+          <p:nvPicPr>
+            <p:cNvPr id="23" name="Picture 2">
+              <a:extLst>
+                <a:ext uri="{FF2B5EF4-FFF2-40B4-BE49-F238E27FC236}">
+                  <a16:creationId xmlns:a16="http://schemas.microsoft.com/office/drawing/2014/main" id="{376CC7B0-B536-8DC1-3322-58DC98CCD8F6}"/>
+                </a:ext>
+              </a:extLst>
+            </p:cNvPr>
+            <p:cNvPicPr>
+              <a:picLocks noChangeAspect="1" noChangeArrowheads="1"/>
+            </p:cNvPicPr>
+            <p:nvPr/>
+          </p:nvPicPr>
+          <p:blipFill rotWithShape="1">
+            <a:blip r:embed="rId5">
+              <a:extLst>
+                <a:ext uri="{28A0092B-C50C-407E-A947-70E740481C1C}">
+                  <a14:useLocalDpi xmlns:a14="http://schemas.microsoft.com/office/drawing/2010/main" val="0"/>
+                </a:ext>
+              </a:extLst>
+            </a:blip>
+            <a:srcRect l="62586" t="70805" r="27168" b="12100"/>
+            <a:stretch/>
+          </p:blipFill>
+          <p:spPr bwMode="auto">
+            <a:xfrm>
+              <a:off x="6253267" y="1135664"/>
+              <a:ext cx="543769" cy="510293"/>
+            </a:xfrm>
+            <a:prstGeom prst="rect">
+              <a:avLst/>
+            </a:prstGeom>
+            <a:noFill/>
+            <a:extLst>
+              <a:ext uri="{909E8E84-426E-40DD-AFC4-6F175D3DCCD1}">
+                <a14:hiddenFill xmlns:a14="http://schemas.microsoft.com/office/drawing/2010/main">
+                  <a:solidFill>
+                    <a:srgbClr val="FFFFFF"/>
+                  </a:solidFill>
+                </a14:hiddenFill>
+              </a:ext>
+            </a:extLst>
+          </p:spPr>
+        </p:pic>
+        <p:sp>
+          <p:nvSpPr>
+            <p:cNvPr id="34" name="Rectangle 33">
+              <a:extLst>
+                <a:ext uri="{FF2B5EF4-FFF2-40B4-BE49-F238E27FC236}">
+                  <a16:creationId xmlns:a16="http://schemas.microsoft.com/office/drawing/2014/main" id="{E3B40972-D031-453C-9FD3-B0C41B68236C}"/>
+                </a:ext>
+              </a:extLst>
+            </p:cNvPr>
+            <p:cNvSpPr/>
+            <p:nvPr/>
+          </p:nvSpPr>
+          <p:spPr>
+            <a:xfrm>
+              <a:off x="6699900" y="1275990"/>
+              <a:ext cx="198893" cy="164815"/>
+            </a:xfrm>
+            <a:prstGeom prst="rect">
+              <a:avLst/>
+            </a:prstGeom>
+            <a:solidFill>
+              <a:schemeClr val="bg1"/>
+            </a:solidFill>
+            <a:ln>
+              <a:noFill/>
+            </a:ln>
+          </p:spPr>
+          <p:style>
+            <a:lnRef idx="2">
+              <a:schemeClr val="accent1">
+                <a:shade val="15000"/>
+              </a:schemeClr>
+            </a:lnRef>
+            <a:fillRef idx="1">
+              <a:schemeClr val="accent1"/>
+            </a:fillRef>
+            <a:effectRef idx="0">
+              <a:schemeClr val="accent1"/>
+            </a:effectRef>
+            <a:fontRef idx="minor">
+              <a:schemeClr val="lt1"/>
+            </a:fontRef>
+          </p:style>
+          <p:txBody>
+            <a:bodyPr rtlCol="0" anchor="ctr"/>
+            <a:lstStyle/>
+            <a:p>
+              <a:pPr algn="ctr"/>
+              <a:endParaRPr lang="en-US"/>
+            </a:p>
+          </p:txBody>
+        </p:sp>
+      </p:grpSp>
+      <p:grpSp>
+        <p:nvGrpSpPr>
+          <p:cNvPr id="36" name="Group 35">
+            <a:extLst>
+              <a:ext uri="{FF2B5EF4-FFF2-40B4-BE49-F238E27FC236}">
+                <a16:creationId xmlns:a16="http://schemas.microsoft.com/office/drawing/2014/main" id="{1EE8EC83-D8EA-5D35-00AE-48C493861212}"/>
+              </a:ext>
+            </a:extLst>
+          </p:cNvPr>
+          <p:cNvGrpSpPr/>
+          <p:nvPr/>
+        </p:nvGrpSpPr>
+        <p:grpSpPr>
+          <a:xfrm>
+            <a:off x="7550108" y="1627105"/>
+            <a:ext cx="645526" cy="510293"/>
+            <a:chOff x="6253267" y="1135664"/>
+            <a:chExt cx="645526" cy="510293"/>
+          </a:xfrm>
+        </p:grpSpPr>
+        <p:pic>
+          <p:nvPicPr>
+            <p:cNvPr id="37" name="Picture 2">
+              <a:extLst>
+                <a:ext uri="{FF2B5EF4-FFF2-40B4-BE49-F238E27FC236}">
+                  <a16:creationId xmlns:a16="http://schemas.microsoft.com/office/drawing/2014/main" id="{094DC992-6529-0603-A3EC-3C4532D0CDDC}"/>
+                </a:ext>
+              </a:extLst>
+            </p:cNvPr>
+            <p:cNvPicPr>
+              <a:picLocks noChangeAspect="1" noChangeArrowheads="1"/>
+            </p:cNvPicPr>
+            <p:nvPr/>
+          </p:nvPicPr>
+          <p:blipFill rotWithShape="1">
+            <a:blip r:embed="rId5">
+              <a:extLst>
+                <a:ext uri="{28A0092B-C50C-407E-A947-70E740481C1C}">
+                  <a14:useLocalDpi xmlns:a14="http://schemas.microsoft.com/office/drawing/2010/main" val="0"/>
+                </a:ext>
+              </a:extLst>
+            </a:blip>
+            <a:srcRect l="62586" t="70805" r="27168" b="12100"/>
+            <a:stretch/>
+          </p:blipFill>
+          <p:spPr bwMode="auto">
+            <a:xfrm>
+              <a:off x="6253267" y="1135664"/>
+              <a:ext cx="543769" cy="510293"/>
+            </a:xfrm>
+            <a:prstGeom prst="rect">
+              <a:avLst/>
+            </a:prstGeom>
+            <a:noFill/>
+            <a:extLst>
+              <a:ext uri="{909E8E84-426E-40DD-AFC4-6F175D3DCCD1}">
+                <a14:hiddenFill xmlns:a14="http://schemas.microsoft.com/office/drawing/2010/main">
+                  <a:solidFill>
+                    <a:srgbClr val="FFFFFF"/>
+                  </a:solidFill>
+                </a14:hiddenFill>
+              </a:ext>
+            </a:extLst>
+          </p:spPr>
+        </p:pic>
+        <p:sp>
+          <p:nvSpPr>
+            <p:cNvPr id="38" name="Rectangle 37">
+              <a:extLst>
+                <a:ext uri="{FF2B5EF4-FFF2-40B4-BE49-F238E27FC236}">
+                  <a16:creationId xmlns:a16="http://schemas.microsoft.com/office/drawing/2014/main" id="{4E138537-A935-1AB6-978E-157106577352}"/>
+                </a:ext>
+              </a:extLst>
+            </p:cNvPr>
+            <p:cNvSpPr/>
+            <p:nvPr/>
+          </p:nvSpPr>
+          <p:spPr>
+            <a:xfrm>
+              <a:off x="6699900" y="1275990"/>
+              <a:ext cx="198893" cy="164815"/>
+            </a:xfrm>
+            <a:prstGeom prst="rect">
+              <a:avLst/>
+            </a:prstGeom>
+            <a:solidFill>
+              <a:schemeClr val="bg1"/>
+            </a:solidFill>
+            <a:ln>
+              <a:noFill/>
+            </a:ln>
+          </p:spPr>
+          <p:style>
+            <a:lnRef idx="2">
+              <a:schemeClr val="accent1">
+                <a:shade val="15000"/>
+              </a:schemeClr>
+            </a:lnRef>
+            <a:fillRef idx="1">
+              <a:schemeClr val="accent1"/>
+            </a:fillRef>
+            <a:effectRef idx="0">
+              <a:schemeClr val="accent1"/>
+            </a:effectRef>
+            <a:fontRef idx="minor">
+              <a:schemeClr val="lt1"/>
+            </a:fontRef>
+          </p:style>
+          <p:txBody>
+            <a:bodyPr rtlCol="0" anchor="ctr"/>
+            <a:lstStyle/>
+            <a:p>
+              <a:pPr algn="ctr"/>
+              <a:endParaRPr lang="en-US"/>
+            </a:p>
+          </p:txBody>
+        </p:sp>
+      </p:grpSp>
+      <p:grpSp>
+        <p:nvGrpSpPr>
+          <p:cNvPr id="39" name="Group 38">
+            <a:extLst>
+              <a:ext uri="{FF2B5EF4-FFF2-40B4-BE49-F238E27FC236}">
+                <a16:creationId xmlns:a16="http://schemas.microsoft.com/office/drawing/2014/main" id="{36B3C316-D9D3-282B-3F1F-B83A6E6E6969}"/>
+              </a:ext>
+            </a:extLst>
+          </p:cNvPr>
+          <p:cNvGrpSpPr/>
+          <p:nvPr/>
+        </p:nvGrpSpPr>
+        <p:grpSpPr>
+          <a:xfrm>
+            <a:off x="8349654" y="1605906"/>
+            <a:ext cx="645526" cy="510293"/>
+            <a:chOff x="6253267" y="1135664"/>
+            <a:chExt cx="645526" cy="510293"/>
+          </a:xfrm>
+        </p:grpSpPr>
+        <p:pic>
+          <p:nvPicPr>
+            <p:cNvPr id="40" name="Picture 2">
+              <a:extLst>
+                <a:ext uri="{FF2B5EF4-FFF2-40B4-BE49-F238E27FC236}">
+                  <a16:creationId xmlns:a16="http://schemas.microsoft.com/office/drawing/2014/main" id="{89FEAADD-28A7-A41A-643B-F7740E9E84AE}"/>
+                </a:ext>
+              </a:extLst>
+            </p:cNvPr>
+            <p:cNvPicPr>
+              <a:picLocks noChangeAspect="1" noChangeArrowheads="1"/>
+            </p:cNvPicPr>
+            <p:nvPr/>
+          </p:nvPicPr>
+          <p:blipFill rotWithShape="1">
+            <a:blip r:embed="rId5">
+              <a:extLst>
+                <a:ext uri="{28A0092B-C50C-407E-A947-70E740481C1C}">
+                  <a14:useLocalDpi xmlns:a14="http://schemas.microsoft.com/office/drawing/2010/main" val="0"/>
+                </a:ext>
+              </a:extLst>
+            </a:blip>
+            <a:srcRect l="62586" t="70805" r="27168" b="12100"/>
+            <a:stretch/>
+          </p:blipFill>
+          <p:spPr bwMode="auto">
+            <a:xfrm>
+              <a:off x="6253267" y="1135664"/>
+              <a:ext cx="543769" cy="510293"/>
+            </a:xfrm>
+            <a:prstGeom prst="rect">
+              <a:avLst/>
+            </a:prstGeom>
+            <a:noFill/>
+            <a:extLst>
+              <a:ext uri="{909E8E84-426E-40DD-AFC4-6F175D3DCCD1}">
+                <a14:hiddenFill xmlns:a14="http://schemas.microsoft.com/office/drawing/2010/main">
+                  <a:solidFill>
+                    <a:srgbClr val="FFFFFF"/>
+                  </a:solidFill>
+                </a14:hiddenFill>
+              </a:ext>
+            </a:extLst>
+          </p:spPr>
+        </p:pic>
+        <p:sp>
+          <p:nvSpPr>
+            <p:cNvPr id="41" name="Rectangle 40">
+              <a:extLst>
+                <a:ext uri="{FF2B5EF4-FFF2-40B4-BE49-F238E27FC236}">
+                  <a16:creationId xmlns:a16="http://schemas.microsoft.com/office/drawing/2014/main" id="{DD514E0A-D3C1-D2E0-5088-8C6144429C03}"/>
+                </a:ext>
+              </a:extLst>
+            </p:cNvPr>
+            <p:cNvSpPr/>
+            <p:nvPr/>
+          </p:nvSpPr>
+          <p:spPr>
+            <a:xfrm>
+              <a:off x="6699900" y="1275990"/>
+              <a:ext cx="198893" cy="164815"/>
+            </a:xfrm>
+            <a:prstGeom prst="rect">
+              <a:avLst/>
+            </a:prstGeom>
+            <a:solidFill>
+              <a:schemeClr val="bg1"/>
+            </a:solidFill>
+            <a:ln>
+              <a:noFill/>
+            </a:ln>
+          </p:spPr>
+          <p:style>
+            <a:lnRef idx="2">
+              <a:schemeClr val="accent1">
+                <a:shade val="15000"/>
+              </a:schemeClr>
+            </a:lnRef>
+            <a:fillRef idx="1">
+              <a:schemeClr val="accent1"/>
+            </a:fillRef>
+            <a:effectRef idx="0">
+              <a:schemeClr val="accent1"/>
+            </a:effectRef>
+            <a:fontRef idx="minor">
+              <a:schemeClr val="lt1"/>
+            </a:fontRef>
+          </p:style>
+          <p:txBody>
+            <a:bodyPr rtlCol="0" anchor="ctr"/>
+            <a:lstStyle/>
+            <a:p>
+              <a:pPr algn="ctr"/>
+              <a:endParaRPr lang="en-US"/>
+            </a:p>
+          </p:txBody>
+        </p:sp>
+      </p:grpSp>
+      <p:pic>
+        <p:nvPicPr>
+          <p:cNvPr id="12" name="Picture 2">
+            <a:extLst>
+              <a:ext uri="{FF2B5EF4-FFF2-40B4-BE49-F238E27FC236}">
+                <a16:creationId xmlns:a16="http://schemas.microsoft.com/office/drawing/2014/main" id="{7FEE5BF8-59E6-1662-634D-0466345ECF15}"/>
+              </a:ext>
+            </a:extLst>
+          </p:cNvPr>
+          <p:cNvPicPr>
+            <a:picLocks noChangeAspect="1" noChangeArrowheads="1"/>
+          </p:cNvPicPr>
+          <p:nvPr/>
+        </p:nvPicPr>
+        <p:blipFill rotWithShape="1">
+          <a:blip r:embed="rId5">
+            <a:extLst>
+              <a:ext uri="{28A0092B-C50C-407E-A947-70E740481C1C}">
+                <a14:useLocalDpi xmlns:a14="http://schemas.microsoft.com/office/drawing/2010/main" val="0"/>
+              </a:ext>
+            </a:extLst>
+          </a:blip>
+          <a:srcRect l="43879" t="66973" r="46121" b="10240"/>
+          <a:stretch/>
+        </p:blipFill>
+        <p:spPr bwMode="auto">
+          <a:xfrm>
+            <a:off x="1367163" y="3628541"/>
+            <a:ext cx="1219200" cy="1562749"/>
+          </a:xfrm>
+          <a:prstGeom prst="rect">
+            <a:avLst/>
+          </a:prstGeom>
+          <a:noFill/>
+          <a:extLst>
+            <a:ext uri="{909E8E84-426E-40DD-AFC4-6F175D3DCCD1}">
+              <a14:hiddenFill xmlns:a14="http://schemas.microsoft.com/office/drawing/2010/main">
+                <a:solidFill>
+                  <a:srgbClr val="FFFFFF"/>
+                </a:solidFill>
+              </a14:hiddenFill>
+            </a:ext>
+          </a:extLst>
+        </p:spPr>
+      </p:pic>
+      <p:sp>
+        <p:nvSpPr>
+          <p:cNvPr id="51" name="TextBox 50">
+            <a:extLst>
+              <a:ext uri="{FF2B5EF4-FFF2-40B4-BE49-F238E27FC236}">
+                <a16:creationId xmlns:a16="http://schemas.microsoft.com/office/drawing/2014/main" id="{21AFEBDB-0C9E-1BE9-673B-C99364C2BBA4}"/>
+              </a:ext>
+            </a:extLst>
+          </p:cNvPr>
+          <p:cNvSpPr txBox="1"/>
+          <p:nvPr/>
+        </p:nvSpPr>
+        <p:spPr>
+          <a:xfrm>
+            <a:off x="7426139" y="1353350"/>
+            <a:ext cx="728768" cy="276999"/>
+          </a:xfrm>
+          <a:prstGeom prst="rect">
+            <a:avLst/>
+          </a:prstGeom>
+          <a:solidFill>
+            <a:schemeClr val="bg1"/>
+          </a:solidFill>
+        </p:spPr>
+        <p:txBody>
+          <a:bodyPr wrap="square" rtlCol="0">
+            <a:spAutoFit/>
+          </a:bodyPr>
+          <a:lstStyle/>
+          <a:p>
+            <a:pPr algn="ctr"/>
+            <a:r>
+              <a:rPr lang="en-US" sz="1200" dirty="0">
+                <a:latin typeface="Times New Roman" panose="02020603050405020304" pitchFamily="18" charset="0"/>
+                <a:cs typeface="Times New Roman" panose="02020603050405020304" pitchFamily="18" charset="0"/>
+              </a:rPr>
+              <a:t>F(x</a:t>
+            </a:r>
+            <a:r>
+              <a:rPr lang="en-US" sz="1200" baseline="-25000" dirty="0">
+                <a:latin typeface="Times New Roman" panose="02020603050405020304" pitchFamily="18" charset="0"/>
+                <a:cs typeface="Times New Roman" panose="02020603050405020304" pitchFamily="18" charset="0"/>
+              </a:rPr>
+              <a:t>1</a:t>
+            </a:r>
+            <a:r>
+              <a:rPr lang="en-US" sz="1200" dirty="0">
+                <a:latin typeface="Times New Roman" panose="02020603050405020304" pitchFamily="18" charset="0"/>
+                <a:cs typeface="Times New Roman" panose="02020603050405020304" pitchFamily="18" charset="0"/>
+              </a:rPr>
+              <a:t>, x</a:t>
+            </a:r>
+            <a:r>
+              <a:rPr lang="en-US" sz="1200" baseline="-25000" dirty="0">
+                <a:latin typeface="Times New Roman" panose="02020603050405020304" pitchFamily="18" charset="0"/>
+                <a:cs typeface="Times New Roman" panose="02020603050405020304" pitchFamily="18" charset="0"/>
+              </a:rPr>
+              <a:t>2</a:t>
+            </a:r>
+            <a:r>
+              <a:rPr lang="en-US" sz="1200" dirty="0">
+                <a:latin typeface="Times New Roman" panose="02020603050405020304" pitchFamily="18" charset="0"/>
+                <a:cs typeface="Times New Roman" panose="02020603050405020304" pitchFamily="18" charset="0"/>
+              </a:rPr>
+              <a:t>)</a:t>
+            </a:r>
+          </a:p>
+        </p:txBody>
+      </p:sp>
+      <p:grpSp>
+        <p:nvGrpSpPr>
+          <p:cNvPr id="18" name="Group 17">
+            <a:extLst>
+              <a:ext uri="{FF2B5EF4-FFF2-40B4-BE49-F238E27FC236}">
+                <a16:creationId xmlns:a16="http://schemas.microsoft.com/office/drawing/2014/main" id="{9C3FA2C1-1435-4FA4-C4D5-9A722E8BCC77}"/>
+              </a:ext>
+            </a:extLst>
+          </p:cNvPr>
+          <p:cNvGrpSpPr/>
+          <p:nvPr/>
+        </p:nvGrpSpPr>
+        <p:grpSpPr>
+          <a:xfrm>
+            <a:off x="9823441" y="2344418"/>
+            <a:ext cx="1145294" cy="1299002"/>
+            <a:chOff x="7004068" y="1225613"/>
+            <a:chExt cx="1712604" cy="1789187"/>
+          </a:xfrm>
+        </p:grpSpPr>
+        <p:pic>
+          <p:nvPicPr>
+            <p:cNvPr id="19" name="Picture 18">
+              <a:extLst>
+                <a:ext uri="{FF2B5EF4-FFF2-40B4-BE49-F238E27FC236}">
+                  <a16:creationId xmlns:a16="http://schemas.microsoft.com/office/drawing/2014/main" id="{D1B899A3-EF8E-D2D5-9EFE-334FFBF311E1}"/>
+                </a:ext>
+              </a:extLst>
+            </p:cNvPr>
+            <p:cNvPicPr>
+              <a:picLocks noChangeAspect="1" noChangeArrowheads="1"/>
+            </p:cNvPicPr>
+            <p:nvPr/>
+          </p:nvPicPr>
+          <p:blipFill rotWithShape="1">
+            <a:blip r:embed="rId5">
+              <a:extLst>
+                <a:ext uri="{28A0092B-C50C-407E-A947-70E740481C1C}">
+                  <a14:useLocalDpi xmlns:a14="http://schemas.microsoft.com/office/drawing/2010/main" val="0"/>
+                </a:ext>
+              </a:extLst>
+            </a:blip>
+            <a:srcRect l="56293" t="32337" r="34742" b="50000"/>
+            <a:stretch/>
+          </p:blipFill>
+          <p:spPr bwMode="auto">
+            <a:xfrm>
+              <a:off x="7004068" y="1225613"/>
+              <a:ext cx="1568742" cy="1738437"/>
+            </a:xfrm>
+            <a:prstGeom prst="rect">
+              <a:avLst/>
+            </a:prstGeom>
+            <a:noFill/>
+            <a:extLst>
+              <a:ext uri="{909E8E84-426E-40DD-AFC4-6F175D3DCCD1}">
+                <a14:hiddenFill xmlns:a14="http://schemas.microsoft.com/office/drawing/2010/main">
+                  <a:solidFill>
+                    <a:srgbClr val="FFFFFF"/>
+                  </a:solidFill>
+                </a14:hiddenFill>
+              </a:ext>
+            </a:extLst>
+          </p:spPr>
+        </p:pic>
+        <p:sp>
+          <p:nvSpPr>
+            <p:cNvPr id="20" name="Rectangle 19">
+              <a:extLst>
+                <a:ext uri="{FF2B5EF4-FFF2-40B4-BE49-F238E27FC236}">
+                  <a16:creationId xmlns:a16="http://schemas.microsoft.com/office/drawing/2014/main" id="{5D10E93B-5A82-C564-1547-0C5AB46C8D74}"/>
+                </a:ext>
+              </a:extLst>
+            </p:cNvPr>
+            <p:cNvSpPr/>
+            <p:nvPr/>
+          </p:nvSpPr>
+          <p:spPr>
+            <a:xfrm>
+              <a:off x="8414693" y="2785351"/>
+              <a:ext cx="301979" cy="229449"/>
+            </a:xfrm>
+            <a:prstGeom prst="rect">
+              <a:avLst/>
+            </a:prstGeom>
+            <a:solidFill>
+              <a:schemeClr val="bg1"/>
+            </a:solidFill>
+            <a:ln>
+              <a:noFill/>
+            </a:ln>
+          </p:spPr>
+          <p:style>
+            <a:lnRef idx="2">
+              <a:schemeClr val="accent1">
+                <a:shade val="15000"/>
+              </a:schemeClr>
+            </a:lnRef>
+            <a:fillRef idx="1">
+              <a:schemeClr val="accent1"/>
+            </a:fillRef>
+            <a:effectRef idx="0">
+              <a:schemeClr val="accent1"/>
+            </a:effectRef>
+            <a:fontRef idx="minor">
+              <a:schemeClr val="lt1"/>
+            </a:fontRef>
+          </p:style>
+          <p:txBody>
+            <a:bodyPr rtlCol="0" anchor="ctr"/>
+            <a:lstStyle/>
+            <a:p>
+              <a:pPr algn="ctr"/>
+              <a:endParaRPr lang="en-US"/>
+            </a:p>
+          </p:txBody>
+        </p:sp>
+      </p:grpSp>
+      <p:sp>
+        <p:nvSpPr>
+          <p:cNvPr id="4" name="TextBox 3">
+            <a:extLst>
+              <a:ext uri="{FF2B5EF4-FFF2-40B4-BE49-F238E27FC236}">
+                <a16:creationId xmlns:a16="http://schemas.microsoft.com/office/drawing/2014/main" id="{70DBDDB2-DF39-955A-DABD-5EB487E751C8}"/>
+              </a:ext>
+            </a:extLst>
+          </p:cNvPr>
+          <p:cNvSpPr txBox="1"/>
+          <p:nvPr/>
+        </p:nvSpPr>
+        <p:spPr>
+          <a:xfrm>
+            <a:off x="443491" y="1254424"/>
+            <a:ext cx="4120214" cy="1723549"/>
+          </a:xfrm>
+          <a:prstGeom prst="rect">
+            <a:avLst/>
+          </a:prstGeom>
+          <a:noFill/>
+        </p:spPr>
+        <p:txBody>
+          <a:bodyPr wrap="square" rtlCol="0">
+            <a:spAutoFit/>
+          </a:bodyPr>
+          <a:lstStyle/>
+          <a:p>
+            <a:pPr>
+              <a:spcAft>
+                <a:spcPts val="600"/>
+              </a:spcAft>
+            </a:pPr>
+            <a:r>
+              <a:rPr lang="en-US" sz="1600" b="1" dirty="0"/>
+              <a:t>Workflow:</a:t>
+            </a:r>
+          </a:p>
+          <a:p>
+            <a:pPr marL="342900" indent="-342900">
+              <a:spcAft>
+                <a:spcPts val="600"/>
+              </a:spcAft>
+              <a:buAutoNum type="arabicPeriod"/>
+            </a:pPr>
+            <a:r>
+              <a:rPr lang="en-US" sz="1600" dirty="0"/>
+              <a:t>Choose a function that Coiled will replicate over multiple VM’s.</a:t>
+            </a:r>
+          </a:p>
+          <a:p>
+            <a:pPr marL="342900" indent="-342900">
+              <a:spcAft>
+                <a:spcPts val="600"/>
+              </a:spcAft>
+              <a:buAutoNum type="arabicPeriod"/>
+            </a:pPr>
+            <a:r>
+              <a:rPr lang="en-US" sz="1600" dirty="0"/>
+              <a:t>VM’s each access PO.DAAC data, process it with the function, and return to the notebook.</a:t>
+            </a:r>
+          </a:p>
+        </p:txBody>
+      </p:sp>
+      <p:cxnSp>
+        <p:nvCxnSpPr>
+          <p:cNvPr id="5" name="Straight Arrow Connector 4">
+            <a:extLst>
+              <a:ext uri="{FF2B5EF4-FFF2-40B4-BE49-F238E27FC236}">
+                <a16:creationId xmlns:a16="http://schemas.microsoft.com/office/drawing/2014/main" id="{F95F1E11-4993-23DF-8E95-6A2F2EB616B2}"/>
+              </a:ext>
+            </a:extLst>
+          </p:cNvPr>
+          <p:cNvCxnSpPr>
+            <a:cxnSpLocks/>
+            <a:endCxn id="40" idx="2"/>
+          </p:cNvCxnSpPr>
+          <p:nvPr/>
+        </p:nvCxnSpPr>
+        <p:spPr>
+          <a:xfrm flipH="1" flipV="1">
+            <a:off x="8621539" y="2116199"/>
+            <a:ext cx="1195445" cy="974712"/>
+          </a:xfrm>
+          <a:prstGeom prst="straightConnector1">
+            <a:avLst/>
+          </a:prstGeom>
+          <a:ln>
+            <a:tailEnd type="triangle"/>
+          </a:ln>
+        </p:spPr>
+        <p:style>
+          <a:lnRef idx="1">
+            <a:schemeClr val="dk1"/>
+          </a:lnRef>
+          <a:fillRef idx="0">
+            <a:schemeClr val="dk1"/>
+          </a:fillRef>
+          <a:effectRef idx="0">
+            <a:schemeClr val="dk1"/>
+          </a:effectRef>
+          <a:fontRef idx="minor">
+            <a:schemeClr val="tx1"/>
+          </a:fontRef>
+        </p:style>
+      </p:cxnSp>
+      <p:cxnSp>
+        <p:nvCxnSpPr>
+          <p:cNvPr id="6" name="Straight Arrow Connector 5">
+            <a:extLst>
+              <a:ext uri="{FF2B5EF4-FFF2-40B4-BE49-F238E27FC236}">
+                <a16:creationId xmlns:a16="http://schemas.microsoft.com/office/drawing/2014/main" id="{958CD98C-5CE9-AC10-C1C8-5EBFC9E50552}"/>
+              </a:ext>
+            </a:extLst>
+          </p:cNvPr>
+          <p:cNvCxnSpPr>
+            <a:cxnSpLocks/>
+            <a:endCxn id="37" idx="2"/>
+          </p:cNvCxnSpPr>
+          <p:nvPr/>
+        </p:nvCxnSpPr>
+        <p:spPr>
+          <a:xfrm flipH="1" flipV="1">
+            <a:off x="7821993" y="2137398"/>
+            <a:ext cx="1994991" cy="939363"/>
+          </a:xfrm>
+          <a:prstGeom prst="straightConnector1">
+            <a:avLst/>
+          </a:prstGeom>
+          <a:ln>
+            <a:tailEnd type="triangle"/>
+          </a:ln>
+        </p:spPr>
+        <p:style>
+          <a:lnRef idx="1">
+            <a:schemeClr val="dk1"/>
+          </a:lnRef>
+          <a:fillRef idx="0">
+            <a:schemeClr val="dk1"/>
+          </a:fillRef>
+          <a:effectRef idx="0">
+            <a:schemeClr val="dk1"/>
+          </a:effectRef>
+          <a:fontRef idx="minor">
+            <a:schemeClr val="tx1"/>
+          </a:fontRef>
+        </p:style>
+      </p:cxnSp>
+      <p:cxnSp>
+        <p:nvCxnSpPr>
+          <p:cNvPr id="8" name="Straight Arrow Connector 7">
+            <a:extLst>
+              <a:ext uri="{FF2B5EF4-FFF2-40B4-BE49-F238E27FC236}">
+                <a16:creationId xmlns:a16="http://schemas.microsoft.com/office/drawing/2014/main" id="{5001B4BD-65C8-86D3-51CF-FDF45BD26EE4}"/>
+              </a:ext>
+            </a:extLst>
+          </p:cNvPr>
+          <p:cNvCxnSpPr>
+            <a:cxnSpLocks/>
+          </p:cNvCxnSpPr>
+          <p:nvPr/>
+        </p:nvCxnSpPr>
+        <p:spPr>
+          <a:xfrm flipH="1" flipV="1">
+            <a:off x="7027333" y="2166193"/>
+            <a:ext cx="2796108" cy="910568"/>
+          </a:xfrm>
+          <a:prstGeom prst="straightConnector1">
+            <a:avLst/>
+          </a:prstGeom>
+          <a:ln>
+            <a:tailEnd type="triangle"/>
+          </a:ln>
+        </p:spPr>
+        <p:style>
+          <a:lnRef idx="1">
+            <a:schemeClr val="dk1"/>
+          </a:lnRef>
+          <a:fillRef idx="0">
+            <a:schemeClr val="dk1"/>
+          </a:fillRef>
+          <a:effectRef idx="0">
+            <a:schemeClr val="dk1"/>
+          </a:effectRef>
+          <a:fontRef idx="minor">
+            <a:schemeClr val="tx1"/>
+          </a:fontRef>
+        </p:style>
+      </p:cxnSp>
+      <p:cxnSp>
+        <p:nvCxnSpPr>
+          <p:cNvPr id="10" name="Straight Arrow Connector 9">
+            <a:extLst>
+              <a:ext uri="{FF2B5EF4-FFF2-40B4-BE49-F238E27FC236}">
+                <a16:creationId xmlns:a16="http://schemas.microsoft.com/office/drawing/2014/main" id="{B72046C4-2B48-2743-A847-BD6A9B8C335D}"/>
+              </a:ext>
+            </a:extLst>
+          </p:cNvPr>
+          <p:cNvCxnSpPr>
+            <a:cxnSpLocks/>
+          </p:cNvCxnSpPr>
+          <p:nvPr/>
+        </p:nvCxnSpPr>
+        <p:spPr>
+          <a:xfrm flipH="1">
+            <a:off x="3710674" y="2137398"/>
+            <a:ext cx="4819224" cy="1858437"/>
+          </a:xfrm>
+          <a:prstGeom prst="straightConnector1">
+            <a:avLst/>
+          </a:prstGeom>
+          <a:ln>
+            <a:tailEnd type="triangle"/>
+          </a:ln>
+        </p:spPr>
+        <p:style>
+          <a:lnRef idx="1">
+            <a:schemeClr val="dk1"/>
+          </a:lnRef>
+          <a:fillRef idx="0">
+            <a:schemeClr val="dk1"/>
+          </a:fillRef>
+          <a:effectRef idx="0">
+            <a:schemeClr val="dk1"/>
+          </a:effectRef>
+          <a:fontRef idx="minor">
+            <a:schemeClr val="tx1"/>
+          </a:fontRef>
+        </p:style>
+      </p:cxnSp>
+      <p:cxnSp>
+        <p:nvCxnSpPr>
+          <p:cNvPr id="11" name="Straight Arrow Connector 10">
+            <a:extLst>
+              <a:ext uri="{FF2B5EF4-FFF2-40B4-BE49-F238E27FC236}">
+                <a16:creationId xmlns:a16="http://schemas.microsoft.com/office/drawing/2014/main" id="{25CFE03A-2DB3-FE15-82AE-C902F5F4297F}"/>
+              </a:ext>
+            </a:extLst>
+          </p:cNvPr>
+          <p:cNvCxnSpPr>
+            <a:cxnSpLocks/>
+          </p:cNvCxnSpPr>
+          <p:nvPr/>
+        </p:nvCxnSpPr>
+        <p:spPr>
+          <a:xfrm flipH="1">
+            <a:off x="3710674" y="2154522"/>
+            <a:ext cx="4025415" cy="1841313"/>
+          </a:xfrm>
+          <a:prstGeom prst="straightConnector1">
+            <a:avLst/>
+          </a:prstGeom>
+          <a:ln>
+            <a:tailEnd type="triangle"/>
+          </a:ln>
+        </p:spPr>
+        <p:style>
+          <a:lnRef idx="1">
+            <a:schemeClr val="dk1"/>
+          </a:lnRef>
+          <a:fillRef idx="0">
+            <a:schemeClr val="dk1"/>
+          </a:fillRef>
+          <a:effectRef idx="0">
+            <a:schemeClr val="dk1"/>
+          </a:effectRef>
+          <a:fontRef idx="minor">
+            <a:schemeClr val="tx1"/>
+          </a:fontRef>
+        </p:style>
+      </p:cxnSp>
+      <p:cxnSp>
+        <p:nvCxnSpPr>
+          <p:cNvPr id="16" name="Straight Arrow Connector 15">
+            <a:extLst>
+              <a:ext uri="{FF2B5EF4-FFF2-40B4-BE49-F238E27FC236}">
+                <a16:creationId xmlns:a16="http://schemas.microsoft.com/office/drawing/2014/main" id="{75AF1356-8614-4A78-A03C-9C1E3D1DC9B7}"/>
+              </a:ext>
+            </a:extLst>
+          </p:cNvPr>
+          <p:cNvCxnSpPr>
+            <a:cxnSpLocks/>
+          </p:cNvCxnSpPr>
+          <p:nvPr/>
+        </p:nvCxnSpPr>
+        <p:spPr>
+          <a:xfrm flipH="1">
+            <a:off x="3710674" y="2204517"/>
+            <a:ext cx="3242273" cy="1791318"/>
+          </a:xfrm>
+          <a:prstGeom prst="straightConnector1">
+            <a:avLst/>
+          </a:prstGeom>
+          <a:ln>
+            <a:tailEnd type="triangle"/>
+          </a:ln>
+        </p:spPr>
+        <p:style>
+          <a:lnRef idx="1">
+            <a:schemeClr val="dk1"/>
+          </a:lnRef>
+          <a:fillRef idx="0">
+            <a:schemeClr val="dk1"/>
+          </a:fillRef>
+          <a:effectRef idx="0">
+            <a:schemeClr val="dk1"/>
+          </a:effectRef>
+          <a:fontRef idx="minor">
+            <a:schemeClr val="tx1"/>
+          </a:fontRef>
+        </p:style>
+      </p:cxnSp>
+      <p:sp>
+        <p:nvSpPr>
+          <p:cNvPr id="42" name="TextBox 41">
+            <a:extLst>
+              <a:ext uri="{FF2B5EF4-FFF2-40B4-BE49-F238E27FC236}">
+                <a16:creationId xmlns:a16="http://schemas.microsoft.com/office/drawing/2014/main" id="{2F1FFAA3-1AEE-40CB-F41C-5FC634CFACD2}"/>
+              </a:ext>
+            </a:extLst>
+          </p:cNvPr>
+          <p:cNvSpPr txBox="1"/>
+          <p:nvPr/>
+        </p:nvSpPr>
+        <p:spPr>
+          <a:xfrm>
+            <a:off x="5489885" y="2866866"/>
+            <a:ext cx="728768" cy="276999"/>
+          </a:xfrm>
+          <a:prstGeom prst="rect">
+            <a:avLst/>
+          </a:prstGeom>
+          <a:solidFill>
+            <a:schemeClr val="bg1"/>
+          </a:solidFill>
+        </p:spPr>
+        <p:txBody>
+          <a:bodyPr wrap="square" rtlCol="0">
+            <a:spAutoFit/>
+          </a:bodyPr>
+          <a:lstStyle/>
+          <a:p>
+            <a:pPr algn="ctr"/>
+            <a:r>
+              <a:rPr lang="en-US" sz="1200" dirty="0">
+                <a:latin typeface="Times New Roman" panose="02020603050405020304" pitchFamily="18" charset="0"/>
+                <a:cs typeface="Times New Roman" panose="02020603050405020304" pitchFamily="18" charset="0"/>
+              </a:rPr>
+              <a:t>results</a:t>
+            </a:r>
+          </a:p>
+        </p:txBody>
+      </p:sp>
+    </p:spTree>
+    <p:extLst>
+      <p:ext uri="{BB962C8B-B14F-4D97-AF65-F5344CB8AC3E}">
+        <p14:creationId xmlns:p14="http://schemas.microsoft.com/office/powerpoint/2010/main" val="1217366882"/>
+      </p:ext>
+    </p:extLst>
+  </p:cSld>
+  <p:clrMapOvr>
+    <a:masterClrMapping/>
+  </p:clrMapOvr>
+</p:sld>
+</file>
+
+<file path=ppt/slides/slide21.xml><?xml version="1.0" encoding="utf-8"?>
 <p:sld xmlns:a="http://schemas.openxmlformats.org/drawingml/2006/main" xmlns:r="http://schemas.openxmlformats.org/officeDocument/2006/relationships" xmlns:p="http://schemas.openxmlformats.org/presentationml/2006/main">
   <p:cSld>
     <p:spTree>
@@ -16445,7 +17403,7 @@
 </p:sld>
 </file>
 
-<file path=ppt/slides/slide21.xml><?xml version="1.0" encoding="utf-8"?>
+<file path=ppt/slides/slide22.xml><?xml version="1.0" encoding="utf-8"?>
 <p:sld xmlns:a="http://schemas.openxmlformats.org/drawingml/2006/main" xmlns:r="http://schemas.openxmlformats.org/officeDocument/2006/relationships" xmlns:p="http://schemas.openxmlformats.org/presentationml/2006/main">
   <p:cSld>
     <p:spTree>
@@ -17896,7 +18854,7 @@
 </p:sld>
 </file>
 
-<file path=ppt/slides/slide22.xml><?xml version="1.0" encoding="utf-8"?>
+<file path=ppt/slides/slide23.xml><?xml version="1.0" encoding="utf-8"?>
 <p:sld xmlns:a="http://schemas.openxmlformats.org/drawingml/2006/main" xmlns:r="http://schemas.openxmlformats.org/officeDocument/2006/relationships" xmlns:p="http://schemas.openxmlformats.org/presentationml/2006/main">
   <p:cSld>
     <p:spTree>
@@ -19910,7 +20868,7 @@
 </p:sld>
 </file>
 
-<file path=ppt/slides/slide23.xml><?xml version="1.0" encoding="utf-8"?>
+<file path=ppt/slides/slide24.xml><?xml version="1.0" encoding="utf-8"?>
 <p:sld xmlns:a="http://schemas.openxmlformats.org/drawingml/2006/main" xmlns:r="http://schemas.openxmlformats.org/officeDocument/2006/relationships" xmlns:p="http://schemas.openxmlformats.org/presentationml/2006/main">
   <p:cSld>
     <p:spTree>
@@ -20147,7 +21105,7 @@
 </p:sld>
 </file>
 
-<file path=ppt/slides/slide24.xml><?xml version="1.0" encoding="utf-8"?>
+<file path=ppt/slides/slide25.xml><?xml version="1.0" encoding="utf-8"?>
 <p:sld xmlns:a="http://schemas.openxmlformats.org/drawingml/2006/main" xmlns:r="http://schemas.openxmlformats.org/officeDocument/2006/relationships" xmlns:p="http://schemas.openxmlformats.org/presentationml/2006/main">
   <p:cSld>
     <p:spTree>
@@ -20338,7 +21296,7 @@
 </p:sld>
 </file>
 
-<file path=ppt/slides/slide25.xml><?xml version="1.0" encoding="utf-8"?>
+<file path=ppt/slides/slide26.xml><?xml version="1.0" encoding="utf-8"?>
 <p:sld xmlns:a="http://schemas.openxmlformats.org/drawingml/2006/main" xmlns:r="http://schemas.openxmlformats.org/officeDocument/2006/relationships" xmlns:p="http://schemas.openxmlformats.org/presentationml/2006/main">
   <p:cSld>
     <p:spTree>
@@ -20370,7 +21328,7 @@
         <p:spPr>
           <a:xfrm>
             <a:off x="1858202" y="2236795"/>
-            <a:ext cx="8174798" cy="4031873"/>
+            <a:ext cx="8174798" cy="3231654"/>
           </a:xfrm>
           <a:prstGeom prst="rect">
             <a:avLst/>
@@ -20411,7 +21369,7 @@
             </a:pPr>
             <a:r>
               <a:rPr lang="en-US" sz="1600" dirty="0"/>
-              <a:t>The SSH-SST correlation computation was a case of:</a:t>
+              <a:t>This SSH-SST correlation computation was a case of a “compute” limited analysis:</a:t>
             </a:r>
           </a:p>
           <a:p>
@@ -20424,7 +21382,7 @@
             </a:pPr>
             <a:r>
               <a:rPr lang="en-US" sz="1600" dirty="0"/>
-              <a:t>Low file count and low disk space per file.</a:t>
+              <a:t>Low file count and low memory per file.</a:t>
             </a:r>
           </a:p>
           <a:p>
@@ -20437,7 +21395,7 @@
             </a:pPr>
             <a:r>
               <a:rPr lang="en-US" sz="1600" dirty="0"/>
-              <a:t>High computation requirements per file (e.g. compute limited)</a:t>
+              <a:t>High computation requirements per file </a:t>
             </a:r>
           </a:p>
           <a:p>
@@ -20450,33 +21408,7 @@
             </a:pPr>
             <a:r>
               <a:rPr lang="en-US" sz="1600" dirty="0"/>
-              <a:t>From computation time perspective, clearly better to run in the cloud than a laptop.</a:t>
-            </a:r>
-          </a:p>
-          <a:p>
-            <a:pPr marL="285750" indent="-285750">
-              <a:spcAft>
-                <a:spcPts val="1200"/>
-              </a:spcAft>
-              <a:buFont typeface="Arial" panose="020B0604020202020204" pitchFamily="34" charset="0"/>
-              <a:buChar char="•"/>
-            </a:pPr>
-            <a:r>
-              <a:rPr lang="en-US" sz="1600" dirty="0"/>
-              <a:t>From a cost perspective, there is an additional $20 to process (low egress costs for this case).</a:t>
-            </a:r>
-          </a:p>
-          <a:p>
-            <a:pPr marL="285750" indent="-285750">
-              <a:spcAft>
-                <a:spcPts val="1200"/>
-              </a:spcAft>
-              <a:buFont typeface="Arial" panose="020B0604020202020204" pitchFamily="34" charset="0"/>
-              <a:buChar char="•"/>
-            </a:pPr>
-            <a:r>
-              <a:rPr lang="en-US" sz="1600" dirty="0"/>
-              <a:t>The cost considerations of this workflow start to shift when dealing with high file count and/or high memory per file. In this case, Coiled Function workflow will potentially be less expensive, because egress costs for downloading to a laptop will go up.</a:t>
+              <a:t>For future work, do a memory-limited example (less complex computation on a data set with larger file count and memory requirements). E.g. data set with ~100,000 files and 100’s GB to TB’s of memory.</a:t>
             </a:r>
           </a:p>
           <a:p>
@@ -20595,7 +21527,7 @@
 </p:sld>
 </file>
 
-<file path=ppt/slides/slide26.xml><?xml version="1.0" encoding="utf-8"?>
+<file path=ppt/slides/slide27.xml><?xml version="1.0" encoding="utf-8"?>
 <p:sld xmlns:a="http://schemas.openxmlformats.org/drawingml/2006/main" xmlns:r="http://schemas.openxmlformats.org/officeDocument/2006/relationships" xmlns:p="http://schemas.openxmlformats.org/presentationml/2006/main">
   <p:cSld>
     <p:spTree>
@@ -21848,7 +22780,7 @@
 </p:sld>
 </file>
 
-<file path=ppt/slides/slide27.xml><?xml version="1.0" encoding="utf-8"?>
+<file path=ppt/slides/slide28.xml><?xml version="1.0" encoding="utf-8"?>
 <p:sld xmlns:a="http://schemas.openxmlformats.org/drawingml/2006/main" xmlns:r="http://schemas.openxmlformats.org/officeDocument/2006/relationships" xmlns:p="http://schemas.openxmlformats.org/presentationml/2006/main">
   <p:cSld>
     <p:spTree>
@@ -23113,7 +24045,7 @@
 </p:sld>
 </file>
 
-<file path=ppt/slides/slide28.xml><?xml version="1.0" encoding="utf-8"?>
+<file path=ppt/slides/slide29.xml><?xml version="1.0" encoding="utf-8"?>
 <p:sld xmlns:a="http://schemas.openxmlformats.org/drawingml/2006/main" xmlns:r="http://schemas.openxmlformats.org/officeDocument/2006/relationships" xmlns:p="http://schemas.openxmlformats.org/presentationml/2006/main">
   <p:cSld>
     <p:spTree>
@@ -24169,7 +25101,91 @@
 </p:sld>
 </file>
 
-<file path=ppt/slides/slide29.xml><?xml version="1.0" encoding="utf-8"?>
+<file path=ppt/slides/slide3.xml><?xml version="1.0" encoding="utf-8"?>
+<p:sld xmlns:a="http://schemas.openxmlformats.org/drawingml/2006/main" xmlns:r="http://schemas.openxmlformats.org/officeDocument/2006/relationships" xmlns:p="http://schemas.openxmlformats.org/presentationml/2006/main">
+  <p:cSld>
+    <p:spTree>
+      <p:nvGrpSpPr>
+        <p:cNvPr id="1" name=""/>
+        <p:cNvGrpSpPr/>
+        <p:nvPr/>
+      </p:nvGrpSpPr>
+      <p:grpSpPr>
+        <a:xfrm>
+          <a:off x="0" y="0"/>
+          <a:ext cx="0" cy="0"/>
+          <a:chOff x="0" y="0"/>
+          <a:chExt cx="0" cy="0"/>
+        </a:xfrm>
+      </p:grpSpPr>
+      <p:sp>
+        <p:nvSpPr>
+          <p:cNvPr id="3" name="TextBox 2">
+            <a:extLst>
+              <a:ext uri="{FF2B5EF4-FFF2-40B4-BE49-F238E27FC236}">
+                <a16:creationId xmlns:a16="http://schemas.microsoft.com/office/drawing/2014/main" id="{046BDFCE-E723-0FA7-4339-345B739A894F}"/>
+              </a:ext>
+            </a:extLst>
+          </p:cNvPr>
+          <p:cNvSpPr txBox="1"/>
+          <p:nvPr/>
+        </p:nvSpPr>
+        <p:spPr>
+          <a:xfrm>
+            <a:off x="2257413" y="2092222"/>
+            <a:ext cx="7677174" cy="1200329"/>
+          </a:xfrm>
+          <a:prstGeom prst="rect">
+            <a:avLst/>
+          </a:prstGeom>
+          <a:noFill/>
+          <a:ln w="57150">
+            <a:solidFill>
+              <a:schemeClr val="accent2">
+                <a:lumMod val="60000"/>
+                <a:lumOff val="40000"/>
+              </a:schemeClr>
+            </a:solidFill>
+          </a:ln>
+        </p:spPr>
+        <p:txBody>
+          <a:bodyPr wrap="square" rtlCol="0">
+            <a:spAutoFit/>
+          </a:bodyPr>
+          <a:lstStyle/>
+          <a:p>
+            <a:pPr algn="ctr"/>
+            <a:endParaRPr lang="en-US" sz="2400" b="1" dirty="0"/>
+          </a:p>
+          <a:p>
+            <a:pPr algn="ctr"/>
+            <a:r>
+              <a:rPr lang="en-US" sz="2400" b="1" dirty="0">
+                <a:latin typeface="+mj-lt"/>
+              </a:rPr>
+              <a:t>1. Traditional and AWS Cloud Workflows for Researchers</a:t>
+            </a:r>
+          </a:p>
+          <a:p>
+            <a:pPr algn="ctr"/>
+            <a:endParaRPr lang="en-US" sz="2400" b="1" dirty="0"/>
+          </a:p>
+        </p:txBody>
+      </p:sp>
+    </p:spTree>
+    <p:extLst>
+      <p:ext uri="{BB962C8B-B14F-4D97-AF65-F5344CB8AC3E}">
+        <p14:creationId xmlns:p14="http://schemas.microsoft.com/office/powerpoint/2010/main" val="272489492"/>
+      </p:ext>
+    </p:extLst>
+  </p:cSld>
+  <p:clrMapOvr>
+    <a:masterClrMapping/>
+  </p:clrMapOvr>
+</p:sld>
+</file>
+
+<file path=ppt/slides/slide30.xml><?xml version="1.0" encoding="utf-8"?>
 <p:sld xmlns:a="http://schemas.openxmlformats.org/drawingml/2006/main" xmlns:r="http://schemas.openxmlformats.org/officeDocument/2006/relationships" xmlns:p="http://schemas.openxmlformats.org/presentationml/2006/main">
   <p:cSld>
     <p:spTree>
@@ -24496,91 +25512,7 @@
 </p:sld>
 </file>
 
-<file path=ppt/slides/slide3.xml><?xml version="1.0" encoding="utf-8"?>
-<p:sld xmlns:a="http://schemas.openxmlformats.org/drawingml/2006/main" xmlns:r="http://schemas.openxmlformats.org/officeDocument/2006/relationships" xmlns:p="http://schemas.openxmlformats.org/presentationml/2006/main">
-  <p:cSld>
-    <p:spTree>
-      <p:nvGrpSpPr>
-        <p:cNvPr id="1" name=""/>
-        <p:cNvGrpSpPr/>
-        <p:nvPr/>
-      </p:nvGrpSpPr>
-      <p:grpSpPr>
-        <a:xfrm>
-          <a:off x="0" y="0"/>
-          <a:ext cx="0" cy="0"/>
-          <a:chOff x="0" y="0"/>
-          <a:chExt cx="0" cy="0"/>
-        </a:xfrm>
-      </p:grpSpPr>
-      <p:sp>
-        <p:nvSpPr>
-          <p:cNvPr id="3" name="TextBox 2">
-            <a:extLst>
-              <a:ext uri="{FF2B5EF4-FFF2-40B4-BE49-F238E27FC236}">
-                <a16:creationId xmlns:a16="http://schemas.microsoft.com/office/drawing/2014/main" id="{046BDFCE-E723-0FA7-4339-345B739A894F}"/>
-              </a:ext>
-            </a:extLst>
-          </p:cNvPr>
-          <p:cNvSpPr txBox="1"/>
-          <p:nvPr/>
-        </p:nvSpPr>
-        <p:spPr>
-          <a:xfrm>
-            <a:off x="2257413" y="2092222"/>
-            <a:ext cx="7677174" cy="1200329"/>
-          </a:xfrm>
-          <a:prstGeom prst="rect">
-            <a:avLst/>
-          </a:prstGeom>
-          <a:noFill/>
-          <a:ln w="57150">
-            <a:solidFill>
-              <a:schemeClr val="accent2">
-                <a:lumMod val="60000"/>
-                <a:lumOff val="40000"/>
-              </a:schemeClr>
-            </a:solidFill>
-          </a:ln>
-        </p:spPr>
-        <p:txBody>
-          <a:bodyPr wrap="square" rtlCol="0">
-            <a:spAutoFit/>
-          </a:bodyPr>
-          <a:lstStyle/>
-          <a:p>
-            <a:pPr algn="ctr"/>
-            <a:endParaRPr lang="en-US" sz="2400" b="1" dirty="0"/>
-          </a:p>
-          <a:p>
-            <a:pPr algn="ctr"/>
-            <a:r>
-              <a:rPr lang="en-US" sz="2400" b="1" dirty="0">
-                <a:latin typeface="+mj-lt"/>
-              </a:rPr>
-              <a:t>1. Traditional and AWS Cloud Workflows for Researchers</a:t>
-            </a:r>
-          </a:p>
-          <a:p>
-            <a:pPr algn="ctr"/>
-            <a:endParaRPr lang="en-US" sz="2400" b="1" dirty="0"/>
-          </a:p>
-        </p:txBody>
-      </p:sp>
-    </p:spTree>
-    <p:extLst>
-      <p:ext uri="{BB962C8B-B14F-4D97-AF65-F5344CB8AC3E}">
-        <p14:creationId xmlns:p14="http://schemas.microsoft.com/office/powerpoint/2010/main" val="272489492"/>
-      </p:ext>
-    </p:extLst>
-  </p:cSld>
-  <p:clrMapOvr>
-    <a:masterClrMapping/>
-  </p:clrMapOvr>
-</p:sld>
-</file>
-
-<file path=ppt/slides/slide30.xml><?xml version="1.0" encoding="utf-8"?>
+<file path=ppt/slides/slide31.xml><?xml version="1.0" encoding="utf-8"?>
 <p:sld xmlns:a="http://schemas.openxmlformats.org/drawingml/2006/main" xmlns:r="http://schemas.openxmlformats.org/officeDocument/2006/relationships" xmlns:p="http://schemas.openxmlformats.org/presentationml/2006/main">
   <p:cSld>
     <p:spTree>
@@ -24888,7 +25820,7 @@
 </p:sld>
 </file>
 
-<file path=ppt/slides/slide31.xml><?xml version="1.0" encoding="utf-8"?>
+<file path=ppt/slides/slide32.xml><?xml version="1.0" encoding="utf-8"?>
 <p:sld xmlns:a="http://schemas.openxmlformats.org/drawingml/2006/main" xmlns:r="http://schemas.openxmlformats.org/officeDocument/2006/relationships" xmlns:p="http://schemas.openxmlformats.org/presentationml/2006/main">
   <p:cSld>
     <p:spTree>
@@ -25113,7 +26045,7 @@
 </p:sld>
 </file>
 
-<file path=ppt/slides/slide32.xml><?xml version="1.0" encoding="utf-8"?>
+<file path=ppt/slides/slide33.xml><?xml version="1.0" encoding="utf-8"?>
 <p:sld xmlns:a="http://schemas.openxmlformats.org/drawingml/2006/main" xmlns:r="http://schemas.openxmlformats.org/officeDocument/2006/relationships" xmlns:p="http://schemas.openxmlformats.org/presentationml/2006/main">
   <p:cSld>
     <p:spTree>
@@ -25360,7 +26292,7 @@
           <a:p>
             <a:r>
               <a:rPr lang="en-US" sz="1800" dirty="0"/>
-              <a:t>Troubleshooting some things did not go away even with Coiled: memory utilization, worker/VM optimization, proper Python syntax for efficient use with </a:t>
+              <a:t>Even with Coiled, I still needed to handle cluster optimization, Python syntax for use with </a:t>
             </a:r>
             <a:r>
               <a:rPr lang="en-US" sz="1800" dirty="0" err="1"/>
@@ -25368,7 +26300,7 @@
             </a:r>
             <a:r>
               <a:rPr lang="en-US" sz="1800" dirty="0"/>
-              <a:t>. However, life was much easier when I could focus on these things instead of backend software/coordination.</a:t>
+              <a:t>, choosing the right parallel computation method. However, I was able to focus on these instead of backend cloud tasks. </a:t>
             </a:r>
           </a:p>
           <a:p>
@@ -25410,14 +26342,12 @@
             </a:r>
           </a:p>
           <a:p>
-            <a:pPr lvl="1"/>
             <a:r>
               <a:rPr lang="en-US" sz="1800" dirty="0"/>
-              <a:t>EOF analysis</a:t>
-            </a:r>
-          </a:p>
-          <a:p>
-            <a:pPr lvl="1"/>
+              <a:t>(1) SST seasonal cycle with more data; (2) EOF analysis (Coiled cluster); (3) memory-limited computation with Coiled functions.</a:t>
+            </a:r>
+          </a:p>
+          <a:p>
             <a:r>
               <a:rPr lang="en-US" sz="1800" dirty="0"/>
               <a:t>Repeat these analyses on a single, large VM with a local cluster, and compare performance/cost to distributed computing workflows used with Coiled.</a:t>
